--- a/JS-case-study-presentation.pptx
+++ b/JS-case-study-presentation.pptx
@@ -15,14 +15,14 @@
     <p:sldId id="304" r:id="rId6"/>
     <p:sldId id="263" r:id="rId7"/>
     <p:sldId id="264" r:id="rId8"/>
-    <p:sldId id="305" r:id="rId9"/>
+    <p:sldId id="310" r:id="rId9"/>
     <p:sldId id="265" r:id="rId10"/>
     <p:sldId id="286" r:id="rId11"/>
     <p:sldId id="308" r:id="rId12"/>
     <p:sldId id="285" r:id="rId13"/>
     <p:sldId id="287" r:id="rId14"/>
     <p:sldId id="288" r:id="rId15"/>
-    <p:sldId id="306" r:id="rId16"/>
+    <p:sldId id="311" r:id="rId16"/>
     <p:sldId id="290" r:id="rId17"/>
     <p:sldId id="291" r:id="rId18"/>
     <p:sldId id="295" r:id="rId19"/>
@@ -31,8 +31,8 @@
     <p:sldId id="296" r:id="rId22"/>
     <p:sldId id="279" r:id="rId23"/>
     <p:sldId id="307" r:id="rId24"/>
-    <p:sldId id="283" r:id="rId25"/>
-    <p:sldId id="268" r:id="rId26"/>
+    <p:sldId id="268" r:id="rId25"/>
+    <p:sldId id="283" r:id="rId26"/>
     <p:sldId id="289" r:id="rId27"/>
     <p:sldId id="309" r:id="rId28"/>
     <p:sldId id="282" r:id="rId29"/>
@@ -135,6 +135,11 @@
       </a:defRPr>
     </a:lvl9pPr>
   </p:defaultTextStyle>
+  <p:extLst>
+    <p:ext uri="{EFAFB233-063F-42B5-8137-9DF3F51BA10A}">
+      <p15:sldGuideLst xmlns:p15="http://schemas.microsoft.com/office/powerpoint/2012/main"/>
+    </p:ext>
+  </p:extLst>
 </p:presentation>
 </file>
 
@@ -2635,7 +2640,16 @@
               <a:latin typeface="Arial" panose="020B0604020202020204" pitchFamily="34" charset="0"/>
               <a:cs typeface="Arial" panose="020B0604020202020204" pitchFamily="34" charset="0"/>
             </a:rPr>
-            <a:t> parameters during modeling </a:t>
+            <a:t> parameters during modeling</a:t>
+          </a:r>
+        </a:p>
+        <a:p>
+          <a:r>
+            <a:rPr lang="en-US" sz="1200" i="1" dirty="0">
+              <a:latin typeface="Arial" panose="020B0604020202020204" pitchFamily="34" charset="0"/>
+              <a:cs typeface="Arial" panose="020B0604020202020204" pitchFamily="34" charset="0"/>
+            </a:rPr>
+            <a:t>(if more time) </a:t>
           </a:r>
         </a:p>
       </dgm:t>
@@ -2736,6 +2750,19 @@
             </a:rPr>
             <a:t> through the features and remove columns that might be also irrelevant to the model prediction</a:t>
           </a:r>
+        </a:p>
+        <a:p>
+          <a:r>
+            <a:rPr lang="en-US" sz="1200" i="1" dirty="0">
+              <a:latin typeface="Arial" panose="020B0604020202020204" pitchFamily="34" charset="0"/>
+              <a:cs typeface="Arial" panose="020B0604020202020204" pitchFamily="34" charset="0"/>
+            </a:rPr>
+            <a:t>(if more time) </a:t>
+          </a:r>
+          <a:endParaRPr lang="en-US" sz="1200" dirty="0">
+            <a:latin typeface="Arial" panose="020B0604020202020204" pitchFamily="34" charset="0"/>
+            <a:cs typeface="Arial" panose="020B0604020202020204" pitchFamily="34" charset="0"/>
+          </a:endParaRPr>
         </a:p>
       </dgm:t>
     </dgm:pt>
@@ -3262,7 +3289,16 @@
               <a:latin typeface="Arial" panose="020B0604020202020204" pitchFamily="34" charset="0"/>
               <a:cs typeface="Arial" panose="020B0604020202020204" pitchFamily="34" charset="0"/>
             </a:rPr>
-            <a:t> parameters during modeling </a:t>
+            <a:t> parameters during modeling</a:t>
+          </a:r>
+        </a:p>
+        <a:p>
+          <a:r>
+            <a:rPr lang="en-US" sz="1200" i="1" dirty="0">
+              <a:latin typeface="Arial" panose="020B0604020202020204" pitchFamily="34" charset="0"/>
+              <a:cs typeface="Arial" panose="020B0604020202020204" pitchFamily="34" charset="0"/>
+            </a:rPr>
+            <a:t>(if more time) </a:t>
           </a:r>
         </a:p>
       </dgm:t>
@@ -3363,6 +3399,19 @@
             </a:rPr>
             <a:t> through the features and remove columns that might be also irrelevant to the model prediction</a:t>
           </a:r>
+        </a:p>
+        <a:p>
+          <a:r>
+            <a:rPr lang="en-US" sz="1200" i="1" dirty="0">
+              <a:latin typeface="Arial" panose="020B0604020202020204" pitchFamily="34" charset="0"/>
+              <a:cs typeface="Arial" panose="020B0604020202020204" pitchFamily="34" charset="0"/>
+            </a:rPr>
+            <a:t>(if more time) </a:t>
+          </a:r>
+          <a:endParaRPr lang="en-US" sz="1200" dirty="0">
+            <a:latin typeface="Arial" panose="020B0604020202020204" pitchFamily="34" charset="0"/>
+            <a:cs typeface="Arial" panose="020B0604020202020204" pitchFamily="34" charset="0"/>
+          </a:endParaRPr>
         </a:p>
       </dgm:t>
     </dgm:pt>
@@ -3889,7 +3938,16 @@
               <a:latin typeface="Arial" panose="020B0604020202020204" pitchFamily="34" charset="0"/>
               <a:cs typeface="Arial" panose="020B0604020202020204" pitchFamily="34" charset="0"/>
             </a:rPr>
-            <a:t> parameters during modeling </a:t>
+            <a:t> parameters during modeling</a:t>
+          </a:r>
+        </a:p>
+        <a:p>
+          <a:r>
+            <a:rPr lang="en-US" sz="1200" i="1" dirty="0">
+              <a:latin typeface="Arial" panose="020B0604020202020204" pitchFamily="34" charset="0"/>
+              <a:cs typeface="Arial" panose="020B0604020202020204" pitchFamily="34" charset="0"/>
+            </a:rPr>
+            <a:t>(if more time) </a:t>
           </a:r>
         </a:p>
       </dgm:t>
@@ -3990,6 +4048,19 @@
             </a:rPr>
             <a:t> through the features and remove columns that might be also irrelevant to the model prediction</a:t>
           </a:r>
+        </a:p>
+        <a:p>
+          <a:r>
+            <a:rPr lang="en-US" sz="1200" i="1" dirty="0">
+              <a:latin typeface="Arial" panose="020B0604020202020204" pitchFamily="34" charset="0"/>
+              <a:cs typeface="Arial" panose="020B0604020202020204" pitchFamily="34" charset="0"/>
+            </a:rPr>
+            <a:t>(if more time) </a:t>
+          </a:r>
+          <a:endParaRPr lang="en-US" sz="1200" dirty="0">
+            <a:latin typeface="Arial" panose="020B0604020202020204" pitchFamily="34" charset="0"/>
+            <a:cs typeface="Arial" panose="020B0604020202020204" pitchFamily="34" charset="0"/>
+          </a:endParaRPr>
         </a:p>
       </dgm:t>
     </dgm:pt>
@@ -5202,7 +5273,28 @@
               <a:latin typeface="Arial" panose="020B0604020202020204" pitchFamily="34" charset="0"/>
               <a:cs typeface="Arial" panose="020B0604020202020204" pitchFamily="34" charset="0"/>
             </a:rPr>
-            <a:t> parameters during modeling </a:t>
+            <a:t> parameters during modeling</a:t>
+          </a:r>
+        </a:p>
+        <a:p>
+          <a:pPr marL="0" lvl="0" indent="0" algn="ctr" defTabSz="533400">
+            <a:lnSpc>
+              <a:spcPct val="90000"/>
+            </a:lnSpc>
+            <a:spcBef>
+              <a:spcPct val="0"/>
+            </a:spcBef>
+            <a:spcAft>
+              <a:spcPct val="35000"/>
+            </a:spcAft>
+            <a:buNone/>
+          </a:pPr>
+          <a:r>
+            <a:rPr lang="en-US" sz="1200" i="1" kern="1200" dirty="0">
+              <a:latin typeface="Arial" panose="020B0604020202020204" pitchFamily="34" charset="0"/>
+              <a:cs typeface="Arial" panose="020B0604020202020204" pitchFamily="34" charset="0"/>
+            </a:rPr>
+            <a:t>(if more time) </a:t>
           </a:r>
         </a:p>
       </dsp:txBody>
@@ -5380,6 +5472,31 @@
             </a:rPr>
             <a:t> through the features and remove columns that might be also irrelevant to the model prediction</a:t>
           </a:r>
+        </a:p>
+        <a:p>
+          <a:pPr marL="0" lvl="0" indent="0" algn="ctr" defTabSz="533400">
+            <a:lnSpc>
+              <a:spcPct val="90000"/>
+            </a:lnSpc>
+            <a:spcBef>
+              <a:spcPct val="0"/>
+            </a:spcBef>
+            <a:spcAft>
+              <a:spcPct val="35000"/>
+            </a:spcAft>
+            <a:buNone/>
+          </a:pPr>
+          <a:r>
+            <a:rPr lang="en-US" sz="1200" i="1" kern="1200" dirty="0">
+              <a:latin typeface="Arial" panose="020B0604020202020204" pitchFamily="34" charset="0"/>
+              <a:cs typeface="Arial" panose="020B0604020202020204" pitchFamily="34" charset="0"/>
+            </a:rPr>
+            <a:t>(if more time) </a:t>
+          </a:r>
+          <a:endParaRPr lang="en-US" sz="1200" kern="1200" dirty="0">
+            <a:latin typeface="Arial" panose="020B0604020202020204" pitchFamily="34" charset="0"/>
+            <a:cs typeface="Arial" panose="020B0604020202020204" pitchFamily="34" charset="0"/>
+          </a:endParaRPr>
         </a:p>
       </dsp:txBody>
       <dsp:txXfrm>
@@ -6333,7 +6450,28 @@
               <a:latin typeface="Arial" panose="020B0604020202020204" pitchFamily="34" charset="0"/>
               <a:cs typeface="Arial" panose="020B0604020202020204" pitchFamily="34" charset="0"/>
             </a:rPr>
-            <a:t> parameters during modeling </a:t>
+            <a:t> parameters during modeling</a:t>
+          </a:r>
+        </a:p>
+        <a:p>
+          <a:pPr marL="0" lvl="0" indent="0" algn="ctr" defTabSz="533400">
+            <a:lnSpc>
+              <a:spcPct val="90000"/>
+            </a:lnSpc>
+            <a:spcBef>
+              <a:spcPct val="0"/>
+            </a:spcBef>
+            <a:spcAft>
+              <a:spcPct val="35000"/>
+            </a:spcAft>
+            <a:buNone/>
+          </a:pPr>
+          <a:r>
+            <a:rPr lang="en-US" sz="1200" i="1" kern="1200" dirty="0">
+              <a:latin typeface="Arial" panose="020B0604020202020204" pitchFamily="34" charset="0"/>
+              <a:cs typeface="Arial" panose="020B0604020202020204" pitchFamily="34" charset="0"/>
+            </a:rPr>
+            <a:t>(if more time) </a:t>
           </a:r>
         </a:p>
       </dsp:txBody>
@@ -6511,6 +6649,31 @@
             </a:rPr>
             <a:t> through the features and remove columns that might be also irrelevant to the model prediction</a:t>
           </a:r>
+        </a:p>
+        <a:p>
+          <a:pPr marL="0" lvl="0" indent="0" algn="ctr" defTabSz="533400">
+            <a:lnSpc>
+              <a:spcPct val="90000"/>
+            </a:lnSpc>
+            <a:spcBef>
+              <a:spcPct val="0"/>
+            </a:spcBef>
+            <a:spcAft>
+              <a:spcPct val="35000"/>
+            </a:spcAft>
+            <a:buNone/>
+          </a:pPr>
+          <a:r>
+            <a:rPr lang="en-US" sz="1200" i="1" kern="1200" dirty="0">
+              <a:latin typeface="Arial" panose="020B0604020202020204" pitchFamily="34" charset="0"/>
+              <a:cs typeface="Arial" panose="020B0604020202020204" pitchFamily="34" charset="0"/>
+            </a:rPr>
+            <a:t>(if more time) </a:t>
+          </a:r>
+          <a:endParaRPr lang="en-US" sz="1200" kern="1200" dirty="0">
+            <a:latin typeface="Arial" panose="020B0604020202020204" pitchFamily="34" charset="0"/>
+            <a:cs typeface="Arial" panose="020B0604020202020204" pitchFamily="34" charset="0"/>
+          </a:endParaRPr>
         </a:p>
       </dsp:txBody>
       <dsp:txXfrm>
@@ -7464,7 +7627,28 @@
               <a:latin typeface="Arial" panose="020B0604020202020204" pitchFamily="34" charset="0"/>
               <a:cs typeface="Arial" panose="020B0604020202020204" pitchFamily="34" charset="0"/>
             </a:rPr>
-            <a:t> parameters during modeling </a:t>
+            <a:t> parameters during modeling</a:t>
+          </a:r>
+        </a:p>
+        <a:p>
+          <a:pPr marL="0" lvl="0" indent="0" algn="ctr" defTabSz="533400">
+            <a:lnSpc>
+              <a:spcPct val="90000"/>
+            </a:lnSpc>
+            <a:spcBef>
+              <a:spcPct val="0"/>
+            </a:spcBef>
+            <a:spcAft>
+              <a:spcPct val="35000"/>
+            </a:spcAft>
+            <a:buNone/>
+          </a:pPr>
+          <a:r>
+            <a:rPr lang="en-US" sz="1200" i="1" kern="1200" dirty="0">
+              <a:latin typeface="Arial" panose="020B0604020202020204" pitchFamily="34" charset="0"/>
+              <a:cs typeface="Arial" panose="020B0604020202020204" pitchFamily="34" charset="0"/>
+            </a:rPr>
+            <a:t>(if more time) </a:t>
           </a:r>
         </a:p>
       </dsp:txBody>
@@ -7642,6 +7826,31 @@
             </a:rPr>
             <a:t> through the features and remove columns that might be also irrelevant to the model prediction</a:t>
           </a:r>
+        </a:p>
+        <a:p>
+          <a:pPr marL="0" lvl="0" indent="0" algn="ctr" defTabSz="533400">
+            <a:lnSpc>
+              <a:spcPct val="90000"/>
+            </a:lnSpc>
+            <a:spcBef>
+              <a:spcPct val="0"/>
+            </a:spcBef>
+            <a:spcAft>
+              <a:spcPct val="35000"/>
+            </a:spcAft>
+            <a:buNone/>
+          </a:pPr>
+          <a:r>
+            <a:rPr lang="en-US" sz="1200" i="1" kern="1200" dirty="0">
+              <a:latin typeface="Arial" panose="020B0604020202020204" pitchFamily="34" charset="0"/>
+              <a:cs typeface="Arial" panose="020B0604020202020204" pitchFamily="34" charset="0"/>
+            </a:rPr>
+            <a:t>(if more time) </a:t>
+          </a:r>
+          <a:endParaRPr lang="en-US" sz="1200" kern="1200" dirty="0">
+            <a:latin typeface="Arial" panose="020B0604020202020204" pitchFamily="34" charset="0"/>
+            <a:cs typeface="Arial" panose="020B0604020202020204" pitchFamily="34" charset="0"/>
+          </a:endParaRPr>
         </a:p>
       </dsp:txBody>
       <dsp:txXfrm>
@@ -12316,7 +12525,7 @@
           <a:p>
             <a:fld id="{BFAC25FC-E77D-A447-BBC5-37AF1A208217}" type="slidenum">
               <a:rPr lang="en-US" smtClean="0"/>
-              <a:t>11</a:t>
+              <a:t>10</a:t>
             </a:fld>
             <a:endParaRPr lang="en-US"/>
           </a:p>
@@ -12325,7 +12534,7 @@
     </p:spTree>
     <p:extLst>
       <p:ext uri="{BB962C8B-B14F-4D97-AF65-F5344CB8AC3E}">
-        <p14:creationId xmlns:p14="http://schemas.microsoft.com/office/powerpoint/2010/main" val="3501792444"/>
+        <p14:creationId xmlns:p14="http://schemas.microsoft.com/office/powerpoint/2010/main" val="1735770683"/>
       </p:ext>
     </p:extLst>
   </p:cSld>
@@ -12379,59 +12588,7 @@
           <a:bodyPr/>
           <a:lstStyle/>
           <a:p>
-            <a:r>
-              <a:rPr lang="en-US" dirty="0"/>
-              <a:t>Image 1: https://</a:t>
-            </a:r>
-            <a:r>
-              <a:rPr lang="en-US" dirty="0" err="1"/>
-              <a:t>www.tutorialspoint.com</a:t>
-            </a:r>
-            <a:r>
-              <a:rPr lang="en-US" dirty="0"/>
-              <a:t>/</a:t>
-            </a:r>
-            <a:r>
-              <a:rPr lang="en-US" dirty="0" err="1"/>
-              <a:t>scikit_learn</a:t>
-            </a:r>
-            <a:r>
-              <a:rPr lang="en-US" dirty="0"/>
-              <a:t>/</a:t>
-            </a:r>
-            <a:r>
-              <a:rPr lang="en-US" dirty="0" err="1"/>
-              <a:t>scikit_learn_support_vector_machines.htm</a:t>
-            </a:r>
             <a:endParaRPr lang="en-US" dirty="0"/>
-          </a:p>
-          <a:p>
-            <a:r>
-              <a:rPr lang="en-US" dirty="0"/>
-              <a:t>Image 2: https://</a:t>
-            </a:r>
-            <a:r>
-              <a:rPr lang="en-US" dirty="0" err="1"/>
-              <a:t>sparkbyexamples.com</a:t>
-            </a:r>
-            <a:r>
-              <a:rPr lang="en-US" dirty="0"/>
-              <a:t>/machine-learning/logistic-regression-explained-with-examples/</a:t>
-            </a:r>
-          </a:p>
-          <a:p>
-            <a:r>
-              <a:rPr lang="en-US" dirty="0"/>
-              <a:t>Image 3: https://</a:t>
-            </a:r>
-            <a:r>
-              <a:rPr lang="en-US" dirty="0" err="1"/>
-              <a:t>medium.com</a:t>
-            </a:r>
-            <a:r>
-              <a:rPr lang="en-US" dirty="0"/>
-              <a:t>/cuny-csi-mth513/utilizing-models-to-predict-bacteria-species-a3e44954927e</a:t>
-            </a:r>
           </a:p>
         </p:txBody>
       </p:sp>
@@ -12452,7 +12609,7 @@
           <a:p>
             <a:fld id="{BFAC25FC-E77D-A447-BBC5-37AF1A208217}" type="slidenum">
               <a:rPr lang="en-US" smtClean="0"/>
-              <a:t>18</a:t>
+              <a:t>11</a:t>
             </a:fld>
             <a:endParaRPr lang="en-US"/>
           </a:p>
@@ -12461,7 +12618,7 @@
     </p:spTree>
     <p:extLst>
       <p:ext uri="{BB962C8B-B14F-4D97-AF65-F5344CB8AC3E}">
-        <p14:creationId xmlns:p14="http://schemas.microsoft.com/office/powerpoint/2010/main" val="2170669899"/>
+        <p14:creationId xmlns:p14="http://schemas.microsoft.com/office/powerpoint/2010/main" val="3501792444"/>
       </p:ext>
     </p:extLst>
   </p:cSld>
@@ -12515,7 +12672,59 @@
           <a:bodyPr/>
           <a:lstStyle/>
           <a:p>
+            <a:r>
+              <a:rPr lang="en-US" dirty="0"/>
+              <a:t>Image 1: https://</a:t>
+            </a:r>
+            <a:r>
+              <a:rPr lang="en-US" dirty="0" err="1"/>
+              <a:t>www.tutorialspoint.com</a:t>
+            </a:r>
+            <a:r>
+              <a:rPr lang="en-US" dirty="0"/>
+              <a:t>/</a:t>
+            </a:r>
+            <a:r>
+              <a:rPr lang="en-US" dirty="0" err="1"/>
+              <a:t>scikit_learn</a:t>
+            </a:r>
+            <a:r>
+              <a:rPr lang="en-US" dirty="0"/>
+              <a:t>/</a:t>
+            </a:r>
+            <a:r>
+              <a:rPr lang="en-US" dirty="0" err="1"/>
+              <a:t>scikit_learn_support_vector_machines.htm</a:t>
+            </a:r>
             <a:endParaRPr lang="en-US" dirty="0"/>
+          </a:p>
+          <a:p>
+            <a:r>
+              <a:rPr lang="en-US" dirty="0"/>
+              <a:t>Image 2: https://</a:t>
+            </a:r>
+            <a:r>
+              <a:rPr lang="en-US" dirty="0" err="1"/>
+              <a:t>sparkbyexamples.com</a:t>
+            </a:r>
+            <a:r>
+              <a:rPr lang="en-US" dirty="0"/>
+              <a:t>/machine-learning/logistic-regression-explained-with-examples/</a:t>
+            </a:r>
+          </a:p>
+          <a:p>
+            <a:r>
+              <a:rPr lang="en-US" dirty="0"/>
+              <a:t>Image 3: https://</a:t>
+            </a:r>
+            <a:r>
+              <a:rPr lang="en-US" dirty="0" err="1"/>
+              <a:t>medium.com</a:t>
+            </a:r>
+            <a:r>
+              <a:rPr lang="en-US" dirty="0"/>
+              <a:t>/cuny-csi-mth513/utilizing-models-to-predict-bacteria-species-a3e44954927e</a:t>
+            </a:r>
           </a:p>
         </p:txBody>
       </p:sp>
@@ -12536,6 +12745,90 @@
           <a:p>
             <a:fld id="{BFAC25FC-E77D-A447-BBC5-37AF1A208217}" type="slidenum">
               <a:rPr lang="en-US" smtClean="0"/>
+              <a:t>18</a:t>
+            </a:fld>
+            <a:endParaRPr lang="en-US"/>
+          </a:p>
+        </p:txBody>
+      </p:sp>
+    </p:spTree>
+    <p:extLst>
+      <p:ext uri="{BB962C8B-B14F-4D97-AF65-F5344CB8AC3E}">
+        <p14:creationId xmlns:p14="http://schemas.microsoft.com/office/powerpoint/2010/main" val="2170669899"/>
+      </p:ext>
+    </p:extLst>
+  </p:cSld>
+  <p:clrMapOvr>
+    <a:masterClrMapping/>
+  </p:clrMapOvr>
+</p:notes>
+</file>
+
+<file path=ppt/notesSlides/notesSlide6.xml><?xml version="1.0" encoding="utf-8"?>
+<p:notes xmlns:a="http://schemas.openxmlformats.org/drawingml/2006/main" xmlns:r="http://schemas.openxmlformats.org/officeDocument/2006/relationships" xmlns:p="http://schemas.openxmlformats.org/presentationml/2006/main">
+  <p:cSld>
+    <p:spTree>
+      <p:nvGrpSpPr>
+        <p:cNvPr id="1" name=""/>
+        <p:cNvGrpSpPr/>
+        <p:nvPr/>
+      </p:nvGrpSpPr>
+      <p:grpSpPr>
+        <a:xfrm>
+          <a:off x="0" y="0"/>
+          <a:ext cx="0" cy="0"/>
+          <a:chOff x="0" y="0"/>
+          <a:chExt cx="0" cy="0"/>
+        </a:xfrm>
+      </p:grpSpPr>
+      <p:sp>
+        <p:nvSpPr>
+          <p:cNvPr id="2" name="Slide Image Placeholder 1"/>
+          <p:cNvSpPr>
+            <a:spLocks noGrp="1" noRot="1" noChangeAspect="1"/>
+          </p:cNvSpPr>
+          <p:nvPr>
+            <p:ph type="sldImg"/>
+          </p:nvPr>
+        </p:nvSpPr>
+        <p:spPr/>
+      </p:sp>
+      <p:sp>
+        <p:nvSpPr>
+          <p:cNvPr id="3" name="Notes Placeholder 2"/>
+          <p:cNvSpPr>
+            <a:spLocks noGrp="1"/>
+          </p:cNvSpPr>
+          <p:nvPr>
+            <p:ph type="body" idx="1"/>
+          </p:nvPr>
+        </p:nvSpPr>
+        <p:spPr/>
+        <p:txBody>
+          <a:bodyPr/>
+          <a:lstStyle/>
+          <a:p>
+            <a:endParaRPr lang="en-US" dirty="0"/>
+          </a:p>
+        </p:txBody>
+      </p:sp>
+      <p:sp>
+        <p:nvSpPr>
+          <p:cNvPr id="4" name="Slide Number Placeholder 3"/>
+          <p:cNvSpPr>
+            <a:spLocks noGrp="1"/>
+          </p:cNvSpPr>
+          <p:nvPr>
+            <p:ph type="sldNum" sz="quarter" idx="5"/>
+          </p:nvPr>
+        </p:nvSpPr>
+        <p:spPr/>
+        <p:txBody>
+          <a:bodyPr/>
+          <a:lstStyle/>
+          <a:p>
+            <a:fld id="{BFAC25FC-E77D-A447-BBC5-37AF1A208217}" type="slidenum">
+              <a:rPr lang="en-US" smtClean="0"/>
               <a:t>20</a:t>
             </a:fld>
             <a:endParaRPr lang="en-US"/>
@@ -12546,6 +12839,90 @@
     <p:extLst>
       <p:ext uri="{BB962C8B-B14F-4D97-AF65-F5344CB8AC3E}">
         <p14:creationId xmlns:p14="http://schemas.microsoft.com/office/powerpoint/2010/main" val="1902736076"/>
+      </p:ext>
+    </p:extLst>
+  </p:cSld>
+  <p:clrMapOvr>
+    <a:masterClrMapping/>
+  </p:clrMapOvr>
+</p:notes>
+</file>
+
+<file path=ppt/notesSlides/notesSlide7.xml><?xml version="1.0" encoding="utf-8"?>
+<p:notes xmlns:a="http://schemas.openxmlformats.org/drawingml/2006/main" xmlns:r="http://schemas.openxmlformats.org/officeDocument/2006/relationships" xmlns:p="http://schemas.openxmlformats.org/presentationml/2006/main">
+  <p:cSld>
+    <p:spTree>
+      <p:nvGrpSpPr>
+        <p:cNvPr id="1" name=""/>
+        <p:cNvGrpSpPr/>
+        <p:nvPr/>
+      </p:nvGrpSpPr>
+      <p:grpSpPr>
+        <a:xfrm>
+          <a:off x="0" y="0"/>
+          <a:ext cx="0" cy="0"/>
+          <a:chOff x="0" y="0"/>
+          <a:chExt cx="0" cy="0"/>
+        </a:xfrm>
+      </p:grpSpPr>
+      <p:sp>
+        <p:nvSpPr>
+          <p:cNvPr id="2" name="Slide Image Placeholder 1"/>
+          <p:cNvSpPr>
+            <a:spLocks noGrp="1" noRot="1" noChangeAspect="1"/>
+          </p:cNvSpPr>
+          <p:nvPr>
+            <p:ph type="sldImg"/>
+          </p:nvPr>
+        </p:nvSpPr>
+        <p:spPr/>
+      </p:sp>
+      <p:sp>
+        <p:nvSpPr>
+          <p:cNvPr id="3" name="Notes Placeholder 2"/>
+          <p:cNvSpPr>
+            <a:spLocks noGrp="1"/>
+          </p:cNvSpPr>
+          <p:nvPr>
+            <p:ph type="body" idx="1"/>
+          </p:nvPr>
+        </p:nvSpPr>
+        <p:spPr/>
+        <p:txBody>
+          <a:bodyPr/>
+          <a:lstStyle/>
+          <a:p>
+            <a:endParaRPr lang="en-US" dirty="0"/>
+          </a:p>
+        </p:txBody>
+      </p:sp>
+      <p:sp>
+        <p:nvSpPr>
+          <p:cNvPr id="4" name="Slide Number Placeholder 3"/>
+          <p:cNvSpPr>
+            <a:spLocks noGrp="1"/>
+          </p:cNvSpPr>
+          <p:nvPr>
+            <p:ph type="sldNum" sz="quarter" idx="5"/>
+          </p:nvPr>
+        </p:nvSpPr>
+        <p:spPr/>
+        <p:txBody>
+          <a:bodyPr/>
+          <a:lstStyle/>
+          <a:p>
+            <a:fld id="{BFAC25FC-E77D-A447-BBC5-37AF1A208217}" type="slidenum">
+              <a:rPr lang="en-US" smtClean="0"/>
+              <a:t>22</a:t>
+            </a:fld>
+            <a:endParaRPr lang="en-US"/>
+          </a:p>
+        </p:txBody>
+      </p:sp>
+    </p:spTree>
+    <p:extLst>
+      <p:ext uri="{BB962C8B-B14F-4D97-AF65-F5344CB8AC3E}">
+        <p14:creationId xmlns:p14="http://schemas.microsoft.com/office/powerpoint/2010/main" val="3277111989"/>
       </p:ext>
     </p:extLst>
   </p:cSld>
@@ -12702,7 +13079,7 @@
           <a:p>
             <a:fld id="{3E263AD4-B042-7341-AD9C-10AFCC6EC6AD}" type="datetimeFigureOut">
               <a:rPr lang="en-US" smtClean="0"/>
-              <a:t>7/7/23</a:t>
+              <a:t>7/9/23</a:t>
             </a:fld>
             <a:endParaRPr lang="en-US"/>
           </a:p>
@@ -12900,7 +13277,7 @@
           <a:p>
             <a:fld id="{3E263AD4-B042-7341-AD9C-10AFCC6EC6AD}" type="datetimeFigureOut">
               <a:rPr lang="en-US" smtClean="0"/>
-              <a:t>7/7/23</a:t>
+              <a:t>7/9/23</a:t>
             </a:fld>
             <a:endParaRPr lang="en-US"/>
           </a:p>
@@ -13108,7 +13485,7 @@
           <a:p>
             <a:fld id="{3E263AD4-B042-7341-AD9C-10AFCC6EC6AD}" type="datetimeFigureOut">
               <a:rPr lang="en-US" smtClean="0"/>
-              <a:t>7/7/23</a:t>
+              <a:t>7/9/23</a:t>
             </a:fld>
             <a:endParaRPr lang="en-US"/>
           </a:p>
@@ -13306,7 +13683,7 @@
           <a:p>
             <a:fld id="{3E263AD4-B042-7341-AD9C-10AFCC6EC6AD}" type="datetimeFigureOut">
               <a:rPr lang="en-US" smtClean="0"/>
-              <a:t>7/7/23</a:t>
+              <a:t>7/9/23</a:t>
             </a:fld>
             <a:endParaRPr lang="en-US"/>
           </a:p>
@@ -13581,7 +13958,7 @@
           <a:p>
             <a:fld id="{3E263AD4-B042-7341-AD9C-10AFCC6EC6AD}" type="datetimeFigureOut">
               <a:rPr lang="en-US" smtClean="0"/>
-              <a:t>7/7/23</a:t>
+              <a:t>7/9/23</a:t>
             </a:fld>
             <a:endParaRPr lang="en-US"/>
           </a:p>
@@ -13846,7 +14223,7 @@
           <a:p>
             <a:fld id="{3E263AD4-B042-7341-AD9C-10AFCC6EC6AD}" type="datetimeFigureOut">
               <a:rPr lang="en-US" smtClean="0"/>
-              <a:t>7/7/23</a:t>
+              <a:t>7/9/23</a:t>
             </a:fld>
             <a:endParaRPr lang="en-US"/>
           </a:p>
@@ -14258,7 +14635,7 @@
           <a:p>
             <a:fld id="{3E263AD4-B042-7341-AD9C-10AFCC6EC6AD}" type="datetimeFigureOut">
               <a:rPr lang="en-US" smtClean="0"/>
-              <a:t>7/7/23</a:t>
+              <a:t>7/9/23</a:t>
             </a:fld>
             <a:endParaRPr lang="en-US"/>
           </a:p>
@@ -14399,7 +14776,7 @@
           <a:p>
             <a:fld id="{3E263AD4-B042-7341-AD9C-10AFCC6EC6AD}" type="datetimeFigureOut">
               <a:rPr lang="en-US" smtClean="0"/>
-              <a:t>7/7/23</a:t>
+              <a:t>7/9/23</a:t>
             </a:fld>
             <a:endParaRPr lang="en-US"/>
           </a:p>
@@ -14512,7 +14889,7 @@
           <a:p>
             <a:fld id="{3E263AD4-B042-7341-AD9C-10AFCC6EC6AD}" type="datetimeFigureOut">
               <a:rPr lang="en-US" smtClean="0"/>
-              <a:t>7/7/23</a:t>
+              <a:t>7/9/23</a:t>
             </a:fld>
             <a:endParaRPr lang="en-US"/>
           </a:p>
@@ -14823,7 +15200,7 @@
           <a:p>
             <a:fld id="{3E263AD4-B042-7341-AD9C-10AFCC6EC6AD}" type="datetimeFigureOut">
               <a:rPr lang="en-US" smtClean="0"/>
-              <a:t>7/7/23</a:t>
+              <a:t>7/9/23</a:t>
             </a:fld>
             <a:endParaRPr lang="en-US"/>
           </a:p>
@@ -15111,7 +15488,7 @@
           <a:p>
             <a:fld id="{3E263AD4-B042-7341-AD9C-10AFCC6EC6AD}" type="datetimeFigureOut">
               <a:rPr lang="en-US" smtClean="0"/>
-              <a:t>7/7/23</a:t>
+              <a:t>7/9/23</a:t>
             </a:fld>
             <a:endParaRPr lang="en-US"/>
           </a:p>
@@ -15352,7 +15729,7 @@
           <a:p>
             <a:fld id="{3E263AD4-B042-7341-AD9C-10AFCC6EC6AD}" type="datetimeFigureOut">
               <a:rPr lang="en-US" smtClean="0"/>
-              <a:t>7/7/23</a:t>
+              <a:t>7/9/23</a:t>
             </a:fld>
             <a:endParaRPr lang="en-US"/>
           </a:p>
@@ -16926,7 +17303,7 @@
         <p:spPr>
           <a:xfrm>
             <a:off x="4656447" y="1756983"/>
-            <a:ext cx="6965332" cy="5072441"/>
+            <a:ext cx="6965332" cy="5236484"/>
           </a:xfrm>
         </p:spPr>
         <p:txBody>
@@ -16939,33 +17316,42 @@
               <a:buNone/>
             </a:pPr>
             <a:r>
-              <a:rPr lang="en-US" sz="2000" dirty="0">
+              <a:rPr lang="en-US" sz="1800" dirty="0">
                 <a:latin typeface="Arial" panose="020B0604020202020204" pitchFamily="34" charset="0"/>
                 <a:cs typeface="Arial" panose="020B0604020202020204" pitchFamily="34" charset="0"/>
               </a:rPr>
-              <a:t>The original data contains a heavily imbalanced ‘Stroke’ class, with 41290 patients with a history of stroke and only 643 patients without stroke. Due to this imbalance, the model when trained on this data will have an increased false positive error, and for an important classifier problem dealing with sick patients, </a:t>
+              <a:t>The original data contains a heavily imbalanced Stroke (renamed to Target) class, with 41290 patients with a history of stroke and only 643 patients without stroke. Due to this imbalance, the model when trained on this data will have a huge decrease in true positive detection, and for an important classifier problem dealing with sick patients, </a:t>
             </a:r>
             <a:r>
-              <a:rPr lang="en-US" sz="2000" b="1" dirty="0">
+              <a:rPr lang="en-US" sz="1800" b="1" dirty="0">
                 <a:latin typeface="Arial" panose="020B0604020202020204" pitchFamily="34" charset="0"/>
                 <a:cs typeface="Arial" panose="020B0604020202020204" pitchFamily="34" charset="0"/>
               </a:rPr>
               <a:t>we need to select a model that scores highly on the recall metric.</a:t>
             </a:r>
             <a:r>
-              <a:rPr lang="en-US" sz="2000" dirty="0">
+              <a:rPr lang="en-US" sz="1800" dirty="0">
                 <a:latin typeface="Arial" panose="020B0604020202020204" pitchFamily="34" charset="0"/>
                 <a:cs typeface="Arial" panose="020B0604020202020204" pitchFamily="34" charset="0"/>
               </a:rPr>
-              <a:t> (Where there is a high cost associated with false negatives)</a:t>
+              <a:t> (Where there is a high cost associated with false negative errors)</a:t>
             </a:r>
+          </a:p>
+          <a:p>
+            <a:pPr marL="0" indent="0">
+              <a:buNone/>
+            </a:pPr>
+            <a:endParaRPr lang="en-US" sz="1800" dirty="0">
+              <a:latin typeface="Arial" panose="020B0604020202020204" pitchFamily="34" charset="0"/>
+              <a:cs typeface="Arial" panose="020B0604020202020204" pitchFamily="34" charset="0"/>
+            </a:endParaRPr>
           </a:p>
           <a:p>
             <a:pPr marL="0" indent="0">
               <a:buNone/>
             </a:pPr>
             <a:r>
-              <a:rPr lang="en-US" sz="2000" dirty="0">
+              <a:rPr lang="en-US" sz="1800" dirty="0">
                 <a:latin typeface="Arial" panose="020B0604020202020204" pitchFamily="34" charset="0"/>
                 <a:cs typeface="Arial" panose="020B0604020202020204" pitchFamily="34" charset="0"/>
               </a:rPr>
@@ -16978,35 +17364,35 @@
               <a:buAutoNum type="arabicPeriod"/>
             </a:pPr>
             <a:r>
-              <a:rPr lang="en-US" sz="2000" dirty="0">
+              <a:rPr lang="en-US" sz="1800" dirty="0">
                 <a:latin typeface="Arial" panose="020B0604020202020204" pitchFamily="34" charset="0"/>
                 <a:cs typeface="Arial" panose="020B0604020202020204" pitchFamily="34" charset="0"/>
               </a:rPr>
               <a:t>Use the parameter in </a:t>
             </a:r>
             <a:r>
-              <a:rPr lang="en-US" sz="2000" dirty="0" err="1">
+              <a:rPr lang="en-US" sz="1800" dirty="0" err="1">
                 <a:latin typeface="Arial" panose="020B0604020202020204" pitchFamily="34" charset="0"/>
                 <a:cs typeface="Arial" panose="020B0604020202020204" pitchFamily="34" charset="0"/>
               </a:rPr>
               <a:t>sklearn’s</a:t>
             </a:r>
             <a:r>
-              <a:rPr lang="en-US" sz="2000" dirty="0">
+              <a:rPr lang="en-US" sz="1800" dirty="0">
                 <a:latin typeface="Arial" panose="020B0604020202020204" pitchFamily="34" charset="0"/>
                 <a:cs typeface="Arial" panose="020B0604020202020204" pitchFamily="34" charset="0"/>
               </a:rPr>
               <a:t> model called `</a:t>
             </a:r>
             <a:r>
-              <a:rPr lang="en-US" sz="2000" dirty="0" err="1">
+              <a:rPr lang="en-US" sz="1800" dirty="0" err="1">
                 <a:latin typeface="Arial" panose="020B0604020202020204" pitchFamily="34" charset="0"/>
                 <a:cs typeface="Arial" panose="020B0604020202020204" pitchFamily="34" charset="0"/>
               </a:rPr>
               <a:t>class_weights</a:t>
             </a:r>
             <a:r>
-              <a:rPr lang="en-US" sz="2000" dirty="0">
+              <a:rPr lang="en-US" sz="1800" dirty="0">
                 <a:latin typeface="Arial" panose="020B0604020202020204" pitchFamily="34" charset="0"/>
                 <a:cs typeface="Arial" panose="020B0604020202020204" pitchFamily="34" charset="0"/>
               </a:rPr>
@@ -17019,25 +17405,25 @@
               <a:buAutoNum type="arabicPeriod"/>
             </a:pPr>
             <a:r>
-              <a:rPr lang="en-US" sz="2000" b="1" dirty="0">
+              <a:rPr lang="en-US" sz="1800" b="1" dirty="0">
                 <a:latin typeface="Arial" panose="020B0604020202020204" pitchFamily="34" charset="0"/>
                 <a:cs typeface="Arial" panose="020B0604020202020204" pitchFamily="34" charset="0"/>
               </a:rPr>
               <a:t>Randomly re-</a:t>
             </a:r>
             <a:r>
-              <a:rPr lang="en-US" sz="2000" b="1" dirty="0" err="1">
+              <a:rPr lang="en-US" sz="1800" b="1" dirty="0" err="1">
                 <a:latin typeface="Arial" panose="020B0604020202020204" pitchFamily="34" charset="0"/>
                 <a:cs typeface="Arial" panose="020B0604020202020204" pitchFamily="34" charset="0"/>
               </a:rPr>
               <a:t>undersample</a:t>
             </a:r>
             <a:r>
-              <a:rPr lang="en-US" sz="2000" b="1" dirty="0">
+              <a:rPr lang="en-US" sz="1800" b="1" dirty="0">
                 <a:latin typeface="Arial" panose="020B0604020202020204" pitchFamily="34" charset="0"/>
                 <a:cs typeface="Arial" panose="020B0604020202020204" pitchFamily="34" charset="0"/>
               </a:rPr>
-              <a:t> the majority class (also faster for training models!)</a:t>
+              <a:t> the majority class (I will be using this because this is much faster for training models!)</a:t>
             </a:r>
           </a:p>
         </p:txBody>
@@ -17057,7 +17443,7 @@
           <p:nvPr/>
         </p:nvPicPr>
         <p:blipFill>
-          <a:blip r:embed="rId2"/>
+          <a:blip r:embed="rId3"/>
           <a:stretch>
             <a:fillRect/>
           </a:stretch>
@@ -17158,7 +17544,7 @@
             <p:nvPr/>
           </p:nvPicPr>
           <p:blipFill>
-            <a:blip r:embed="rId3">
+            <a:blip r:embed="rId4">
               <a:extLst>
                 <a:ext uri="{28A0092B-C50C-407E-A947-70E740481C1C}">
                   <a14:useLocalDpi xmlns:a14="http://schemas.microsoft.com/office/drawing/2010/main" val="0"/>
@@ -17205,7 +17591,7 @@
             <p:nvPr/>
           </p:nvPicPr>
           <p:blipFill>
-            <a:blip r:embed="rId4">
+            <a:blip r:embed="rId5">
               <a:extLst>
                 <a:ext uri="{28A0092B-C50C-407E-A947-70E740481C1C}">
                   <a14:useLocalDpi xmlns:a14="http://schemas.microsoft.com/office/drawing/2010/main" val="0"/>
@@ -17831,7 +18217,7 @@
             <a:pPr marL="0" indent="0">
               <a:buNone/>
             </a:pPr>
-            <a:endParaRPr lang="en-US" sz="1400" dirty="0">
+            <a:endParaRPr lang="en-US" sz="100" dirty="0">
               <a:latin typeface="Arial" panose="020B0604020202020204" pitchFamily="34" charset="0"/>
               <a:cs typeface="Arial" panose="020B0604020202020204" pitchFamily="34" charset="0"/>
             </a:endParaRPr>
@@ -17845,7 +18231,7 @@
                 <a:latin typeface="Arial" panose="020B0604020202020204" pitchFamily="34" charset="0"/>
                 <a:cs typeface="Arial" panose="020B0604020202020204" pitchFamily="34" charset="0"/>
               </a:rPr>
-              <a:t>As mentioned in the Overview of Stroke slide in the presentation, work-life stress may be associated with higher levels of stroke incidence. So here I investigate the potential relationships that </a:t>
+              <a:t>As mentioned in the Overview of Stroke slide before, work-life stress may be associated with higher levels of stroke incidence. So here I investigate the potential relationships that </a:t>
             </a:r>
             <a:r>
               <a:rPr lang="en-US" sz="1600" dirty="0" err="1">
@@ -17873,16 +18259,21 @@
                 <a:latin typeface="Arial" panose="020B0604020202020204" pitchFamily="34" charset="0"/>
                 <a:cs typeface="Arial" panose="020B0604020202020204" pitchFamily="34" charset="0"/>
               </a:rPr>
-              <a:t>, BMI, and Hypertension features, all of which were associated with higher risk of stroke. Jobs 2 and 4 seems to be less associated with hypertension and heart disease (both of which have a higher mean of incidence in patients with stroke)</a:t>
+              <a:t>, BMI, and Hypertension features, all of which were associated with higher risk of stroke. **Jobs 2 and 4 seems to be less associated with hypertension and heart disease, both features have a higher mean of incidence in patients with stroke (</a:t>
             </a:r>
-          </a:p>
-          <a:p>
             <a:r>
-              <a:rPr lang="en-US" sz="1400" dirty="0">
+              <a:rPr lang="en-US" sz="1600" b="1" dirty="0">
                 <a:latin typeface="Arial" panose="020B0604020202020204" pitchFamily="34" charset="0"/>
                 <a:cs typeface="Arial" panose="020B0604020202020204" pitchFamily="34" charset="0"/>
               </a:rPr>
-              <a:t>Note: Here instead of using the randomly resampled data, l used the entire data to capture more comprehensive understanding.</a:t>
+              <a:t>Fig.7.2c </a:t>
+            </a:r>
+            <a:r>
+              <a:rPr lang="en-US" sz="1600" dirty="0">
+                <a:latin typeface="Arial" panose="020B0604020202020204" pitchFamily="34" charset="0"/>
+                <a:cs typeface="Arial" panose="020B0604020202020204" pitchFamily="34" charset="0"/>
+              </a:rPr>
+              <a:t>)</a:t>
             </a:r>
           </a:p>
         </p:txBody>
@@ -18438,6 +18829,88 @@
           </p:txBody>
         </p:sp>
       </p:grpSp>
+      <p:sp>
+        <p:nvSpPr>
+          <p:cNvPr id="18" name="TextBox 17">
+            <a:extLst>
+              <a:ext uri="{FF2B5EF4-FFF2-40B4-BE49-F238E27FC236}">
+                <a16:creationId xmlns:a16="http://schemas.microsoft.com/office/drawing/2014/main" id="{076C1154-A202-616B-D6C3-9B7944C241E1}"/>
+              </a:ext>
+            </a:extLst>
+          </p:cNvPr>
+          <p:cNvSpPr txBox="1"/>
+          <p:nvPr/>
+        </p:nvSpPr>
+        <p:spPr>
+          <a:xfrm>
+            <a:off x="5390399" y="5602897"/>
+            <a:ext cx="479179" cy="276999"/>
+          </a:xfrm>
+          <a:prstGeom prst="rect">
+            <a:avLst/>
+          </a:prstGeom>
+          <a:solidFill>
+            <a:schemeClr val="bg1"/>
+          </a:solidFill>
+        </p:spPr>
+        <p:txBody>
+          <a:bodyPr wrap="square" rtlCol="0">
+            <a:spAutoFit/>
+          </a:bodyPr>
+          <a:lstStyle/>
+          <a:p>
+            <a:r>
+              <a:rPr lang="en-US" sz="1200" b="1" dirty="0">
+                <a:latin typeface="Arial" panose="020B0604020202020204" pitchFamily="34" charset="0"/>
+                <a:cs typeface="Arial" panose="020B0604020202020204" pitchFamily="34" charset="0"/>
+              </a:rPr>
+              <a:t>7.2c</a:t>
+            </a:r>
+            <a:endParaRPr lang="en-US" sz="1000" dirty="0">
+              <a:latin typeface="Arial" panose="020B0604020202020204" pitchFamily="34" charset="0"/>
+              <a:cs typeface="Arial" panose="020B0604020202020204" pitchFamily="34" charset="0"/>
+            </a:endParaRPr>
+          </a:p>
+        </p:txBody>
+      </p:sp>
+      <p:sp>
+        <p:nvSpPr>
+          <p:cNvPr id="20" name="TextBox 19">
+            <a:extLst>
+              <a:ext uri="{FF2B5EF4-FFF2-40B4-BE49-F238E27FC236}">
+                <a16:creationId xmlns:a16="http://schemas.microsoft.com/office/drawing/2014/main" id="{3A02D6BA-1B5F-642F-335C-17CC78ED0233}"/>
+              </a:ext>
+            </a:extLst>
+          </p:cNvPr>
+          <p:cNvSpPr txBox="1"/>
+          <p:nvPr/>
+        </p:nvSpPr>
+        <p:spPr>
+          <a:xfrm>
+            <a:off x="7640709" y="5613476"/>
+            <a:ext cx="2955203" cy="738664"/>
+          </a:xfrm>
+          <a:prstGeom prst="rect">
+            <a:avLst/>
+          </a:prstGeom>
+          <a:noFill/>
+        </p:spPr>
+        <p:txBody>
+          <a:bodyPr wrap="square">
+            <a:spAutoFit/>
+          </a:bodyPr>
+          <a:lstStyle/>
+          <a:p>
+            <a:r>
+              <a:rPr lang="en-US" sz="1050" dirty="0">
+                <a:latin typeface="Arial" panose="020B0604020202020204" pitchFamily="34" charset="0"/>
+                <a:cs typeface="Arial" panose="020B0604020202020204" pitchFamily="34" charset="0"/>
+              </a:rPr>
+              <a:t>Note: Here instead of using the randomly resampled data, l used the all the samples to capture a more comprehensive understanding of the patient mean.</a:t>
+            </a:r>
+          </a:p>
+        </p:txBody>
+      </p:sp>
     </p:spTree>
     <p:extLst>
       <p:ext uri="{BB962C8B-B14F-4D97-AF65-F5344CB8AC3E}">
@@ -18936,7 +19409,7 @@
                 <a:latin typeface="Arial" panose="020B0604020202020204" pitchFamily="34" charset="0"/>
                 <a:cs typeface="Arial" panose="020B0604020202020204" pitchFamily="34" charset="0"/>
               </a:rPr>
-              <a:t>To get a high-level overview of the numerical features relationship, I used a combination of </a:t>
+              <a:t>To get a high-level overview of the numerical features relationships, I used a combination of </a:t>
             </a:r>
             <a:r>
               <a:rPr lang="en-US" sz="2000" dirty="0" err="1">
@@ -18973,7 +19446,7 @@
                 <a:latin typeface="Arial" panose="020B0604020202020204" pitchFamily="34" charset="0"/>
                 <a:cs typeface="Arial" panose="020B0604020202020204" pitchFamily="34" charset="0"/>
               </a:rPr>
-              <a:t> is also colored by the ‘Target’ column (where 1: Stroke, 0: absence of Stroke). </a:t>
+              <a:t> is also colored by the Target column (where 1: Stroke, 0: absence of Stroke). </a:t>
             </a:r>
           </a:p>
           <a:p>
@@ -18983,7 +19456,7 @@
                 <a:latin typeface="Arial" panose="020B0604020202020204" pitchFamily="34" charset="0"/>
                 <a:cs typeface="Arial" panose="020B0604020202020204" pitchFamily="34" charset="0"/>
               </a:rPr>
-              <a:t>We can see that the ‘</a:t>
+              <a:t>We can see that the </a:t>
             </a:r>
             <a:r>
               <a:rPr lang="en-US" sz="1600" dirty="0" err="1">
@@ -18997,7 +19470,7 @@
                 <a:latin typeface="Arial" panose="020B0604020202020204" pitchFamily="34" charset="0"/>
                 <a:cs typeface="Arial" panose="020B0604020202020204" pitchFamily="34" charset="0"/>
               </a:rPr>
-              <a:t>’ look interesting in that there is a clustering of stroke patients with a higher value of ’</a:t>
+              <a:t> look interesting in that there is a clustering of stroke patients with a higher value of </a:t>
             </a:r>
             <a:r>
               <a:rPr lang="en-US" sz="1600" dirty="0" err="1">
@@ -19011,7 +19484,7 @@
                 <a:latin typeface="Arial" panose="020B0604020202020204" pitchFamily="34" charset="0"/>
                 <a:cs typeface="Arial" panose="020B0604020202020204" pitchFamily="34" charset="0"/>
               </a:rPr>
-              <a:t>’. The other two numerical columns ‘</a:t>
+              <a:t>. The other two numerical columns </a:t>
             </a:r>
             <a:r>
               <a:rPr lang="en-US" sz="1600" dirty="0" err="1">
@@ -19025,7 +19498,7 @@
                 <a:latin typeface="Arial" panose="020B0604020202020204" pitchFamily="34" charset="0"/>
                 <a:cs typeface="Arial" panose="020B0604020202020204" pitchFamily="34" charset="0"/>
               </a:rPr>
-              <a:t>’ and ‘BMI’ do not display this similar clustering behavior.</a:t>
+              <a:t>’ and ‘BMI do not display this similar clustering behavior.</a:t>
             </a:r>
           </a:p>
           <a:p>
@@ -19730,7 +20203,7 @@
                 <a:latin typeface="Arial" panose="020B0604020202020204" pitchFamily="34" charset="0"/>
                 <a:cs typeface="Arial" panose="020B0604020202020204" pitchFamily="34" charset="0"/>
               </a:rPr>
-              <a:t>Statistical Analysis: Numerical Features, OLS</a:t>
+              <a:t>Statistical Analysis: Numerical Features – OLS</a:t>
             </a:r>
           </a:p>
         </p:txBody>
@@ -20690,7 +21163,7 @@
                 <a:latin typeface="Arial" panose="020B0604020202020204" pitchFamily="34" charset="0"/>
                 <a:cs typeface="Arial" panose="020B0604020202020204" pitchFamily="34" charset="0"/>
               </a:rPr>
-              <a:t>Statistical Analysis: Numerical Features, Testing</a:t>
+              <a:t>Statistical Analysis: Numerical Features – Hypothesis Testing</a:t>
             </a:r>
           </a:p>
         </p:txBody>
@@ -21535,8 +22008,8 @@
         </p:nvSpPr>
         <p:spPr>
           <a:xfrm>
-            <a:off x="9644684" y="489597"/>
-            <a:ext cx="2544658" cy="5874313"/>
+            <a:off x="9637179" y="489597"/>
+            <a:ext cx="2492576" cy="5874313"/>
           </a:xfrm>
           <a:prstGeom prst="rect">
             <a:avLst/>
@@ -21578,7 +22051,7 @@
     </p:spTree>
     <p:extLst>
       <p:ext uri="{BB962C8B-B14F-4D97-AF65-F5344CB8AC3E}">
-        <p14:creationId xmlns:p14="http://schemas.microsoft.com/office/powerpoint/2010/main" val="2067487250"/>
+        <p14:creationId xmlns:p14="http://schemas.microsoft.com/office/powerpoint/2010/main" val="1012951117"/>
       </p:ext>
     </p:extLst>
   </p:cSld>
@@ -22066,7 +22539,7 @@
                 <a:latin typeface="Arial" panose="020B0604020202020204" pitchFamily="34" charset="0"/>
                 <a:cs typeface="Arial" panose="020B0604020202020204" pitchFamily="34" charset="0"/>
               </a:rPr>
-              <a:t>For this first pass of model evaluation, I decided to propose a handful of machine learning algorithms to look at:</a:t>
+              <a:t>For this first pass of model evaluation, I decided to propose a handful of machine learning algorithms:</a:t>
             </a:r>
           </a:p>
           <a:p>
@@ -22360,6 +22833,86 @@
                 <a:cs typeface="Arial" panose="020B0604020202020204" pitchFamily="34" charset="0"/>
               </a:rPr>
               <a:t>Evaluation metrics comparison between models</a:t>
+            </a:r>
+          </a:p>
+        </p:txBody>
+      </p:sp>
+      <p:sp>
+        <p:nvSpPr>
+          <p:cNvPr id="5" name="TextBox 4">
+            <a:extLst>
+              <a:ext uri="{FF2B5EF4-FFF2-40B4-BE49-F238E27FC236}">
+                <a16:creationId xmlns:a16="http://schemas.microsoft.com/office/drawing/2014/main" id="{BFEFD9F2-A556-26F9-C7EC-CB3B246EF3E2}"/>
+              </a:ext>
+            </a:extLst>
+          </p:cNvPr>
+          <p:cNvSpPr txBox="1"/>
+          <p:nvPr/>
+        </p:nvSpPr>
+        <p:spPr>
+          <a:xfrm>
+            <a:off x="3332416" y="4227163"/>
+            <a:ext cx="1840717" cy="230832"/>
+          </a:xfrm>
+          <a:prstGeom prst="rect">
+            <a:avLst/>
+          </a:prstGeom>
+          <a:noFill/>
+        </p:spPr>
+        <p:txBody>
+          <a:bodyPr wrap="square" rtlCol="0">
+            <a:spAutoFit/>
+          </a:bodyPr>
+          <a:lstStyle/>
+          <a:p>
+            <a:r>
+              <a:rPr lang="en-US" sz="900" b="1" dirty="0">
+                <a:latin typeface="Arial" panose="020B0604020202020204" pitchFamily="34" charset="0"/>
+                <a:cs typeface="Arial" panose="020B0604020202020204" pitchFamily="34" charset="0"/>
+              </a:rPr>
+              <a:t>Cross validation</a:t>
+            </a:r>
+            <a:endParaRPr lang="en-US" sz="900" dirty="0">
+              <a:latin typeface="Arial" panose="020B0604020202020204" pitchFamily="34" charset="0"/>
+              <a:cs typeface="Arial" panose="020B0604020202020204" pitchFamily="34" charset="0"/>
+            </a:endParaRPr>
+          </a:p>
+        </p:txBody>
+      </p:sp>
+      <p:sp>
+        <p:nvSpPr>
+          <p:cNvPr id="10" name="TextBox 9">
+            <a:extLst>
+              <a:ext uri="{FF2B5EF4-FFF2-40B4-BE49-F238E27FC236}">
+                <a16:creationId xmlns:a16="http://schemas.microsoft.com/office/drawing/2014/main" id="{A36AFE6A-C9D9-8C28-A942-C94DCE0DD446}"/>
+              </a:ext>
+            </a:extLst>
+          </p:cNvPr>
+          <p:cNvSpPr txBox="1"/>
+          <p:nvPr/>
+        </p:nvSpPr>
+        <p:spPr>
+          <a:xfrm>
+            <a:off x="3996742" y="2240185"/>
+            <a:ext cx="1840717" cy="215444"/>
+          </a:xfrm>
+          <a:prstGeom prst="rect">
+            <a:avLst/>
+          </a:prstGeom>
+          <a:noFill/>
+        </p:spPr>
+        <p:txBody>
+          <a:bodyPr wrap="square" rtlCol="0">
+            <a:spAutoFit/>
+          </a:bodyPr>
+          <a:lstStyle/>
+          <a:p>
+            <a:r>
+              <a:rPr lang="en-US" sz="800" b="1" dirty="0">
+                <a:latin typeface="Arial" panose="020B0604020202020204" pitchFamily="34" charset="0"/>
+                <a:cs typeface="Arial" panose="020B0604020202020204" pitchFamily="34" charset="0"/>
+              </a:rPr>
+              <a:t>Classification report</a:t>
             </a:r>
           </a:p>
         </p:txBody>
@@ -23344,6 +23897,86 @@
                 <a:cs typeface="Arial" panose="020B0604020202020204" pitchFamily="34" charset="0"/>
               </a:rPr>
               <a:t>Evaluation metrics comparison between models</a:t>
+            </a:r>
+          </a:p>
+        </p:txBody>
+      </p:sp>
+      <p:sp>
+        <p:nvSpPr>
+          <p:cNvPr id="16" name="TextBox 15">
+            <a:extLst>
+              <a:ext uri="{FF2B5EF4-FFF2-40B4-BE49-F238E27FC236}">
+                <a16:creationId xmlns:a16="http://schemas.microsoft.com/office/drawing/2014/main" id="{35EC453C-4A87-BA23-D01B-A3899BC39FB5}"/>
+              </a:ext>
+            </a:extLst>
+          </p:cNvPr>
+          <p:cNvSpPr txBox="1"/>
+          <p:nvPr/>
+        </p:nvSpPr>
+        <p:spPr>
+          <a:xfrm>
+            <a:off x="3332416" y="4227163"/>
+            <a:ext cx="1840717" cy="230832"/>
+          </a:xfrm>
+          <a:prstGeom prst="rect">
+            <a:avLst/>
+          </a:prstGeom>
+          <a:noFill/>
+        </p:spPr>
+        <p:txBody>
+          <a:bodyPr wrap="square" rtlCol="0">
+            <a:spAutoFit/>
+          </a:bodyPr>
+          <a:lstStyle/>
+          <a:p>
+            <a:r>
+              <a:rPr lang="en-US" sz="900" b="1" dirty="0">
+                <a:latin typeface="Arial" panose="020B0604020202020204" pitchFamily="34" charset="0"/>
+                <a:cs typeface="Arial" panose="020B0604020202020204" pitchFamily="34" charset="0"/>
+              </a:rPr>
+              <a:t>Cross validation</a:t>
+            </a:r>
+            <a:endParaRPr lang="en-US" sz="900" dirty="0">
+              <a:latin typeface="Arial" panose="020B0604020202020204" pitchFamily="34" charset="0"/>
+              <a:cs typeface="Arial" panose="020B0604020202020204" pitchFamily="34" charset="0"/>
+            </a:endParaRPr>
+          </a:p>
+        </p:txBody>
+      </p:sp>
+      <p:sp>
+        <p:nvSpPr>
+          <p:cNvPr id="18" name="TextBox 17">
+            <a:extLst>
+              <a:ext uri="{FF2B5EF4-FFF2-40B4-BE49-F238E27FC236}">
+                <a16:creationId xmlns:a16="http://schemas.microsoft.com/office/drawing/2014/main" id="{E04C2109-013B-E2DB-D655-4FA63D41BDCB}"/>
+              </a:ext>
+            </a:extLst>
+          </p:cNvPr>
+          <p:cNvSpPr txBox="1"/>
+          <p:nvPr/>
+        </p:nvSpPr>
+        <p:spPr>
+          <a:xfrm>
+            <a:off x="3996742" y="2240185"/>
+            <a:ext cx="1840717" cy="215444"/>
+          </a:xfrm>
+          <a:prstGeom prst="rect">
+            <a:avLst/>
+          </a:prstGeom>
+          <a:noFill/>
+        </p:spPr>
+        <p:txBody>
+          <a:bodyPr wrap="square" rtlCol="0">
+            <a:spAutoFit/>
+          </a:bodyPr>
+          <a:lstStyle/>
+          <a:p>
+            <a:r>
+              <a:rPr lang="en-US" sz="800" b="1" dirty="0">
+                <a:latin typeface="Arial" panose="020B0604020202020204" pitchFamily="34" charset="0"/>
+                <a:cs typeface="Arial" panose="020B0604020202020204" pitchFamily="34" charset="0"/>
+              </a:rPr>
+              <a:t>Classification report</a:t>
             </a:r>
           </a:p>
         </p:txBody>
@@ -24735,7 +25368,7 @@
                 <a:latin typeface="Arial" panose="020B0604020202020204" pitchFamily="34" charset="0"/>
                 <a:cs typeface="Arial" panose="020B0604020202020204" pitchFamily="34" charset="0"/>
               </a:rPr>
-              <a:t> by providing a ‘best fit’ hyperplane, called the maximum marginal hyperplane that divides and categorizes the data. </a:t>
+              <a:t> by providing a ‘best fit’ hyperplane, called the maximum marginal hyperplane, that divides and categorizes the data. </a:t>
             </a:r>
           </a:p>
           <a:p>
@@ -24943,21 +25576,7 @@
                 <a:latin typeface="Arial" panose="020B0604020202020204" pitchFamily="34" charset="0"/>
                 <a:cs typeface="Arial" panose="020B0604020202020204" pitchFamily="34" charset="0"/>
               </a:rPr>
-              <a:t>A </a:t>
-            </a:r>
-            <a:r>
-              <a:rPr lang="en-US" sz="1400" dirty="0" err="1">
-                <a:latin typeface="Arial" panose="020B0604020202020204" pitchFamily="34" charset="0"/>
-                <a:cs typeface="Arial" panose="020B0604020202020204" pitchFamily="34" charset="0"/>
-              </a:rPr>
-              <a:t>supervisied</a:t>
-            </a:r>
-            <a:r>
-              <a:rPr lang="en-US" sz="1400" dirty="0">
-                <a:latin typeface="Arial" panose="020B0604020202020204" pitchFamily="34" charset="0"/>
-                <a:cs typeface="Arial" panose="020B0604020202020204" pitchFamily="34" charset="0"/>
-              </a:rPr>
-              <a:t> algorithm that is part of the </a:t>
+              <a:t>A supervised algorithm that is part of the </a:t>
             </a:r>
             <a:r>
               <a:rPr lang="en-US" sz="1400" dirty="0" err="1">
@@ -25182,7 +25801,7 @@
                 <a:latin typeface="Arial" panose="020B0604020202020204" pitchFamily="34" charset="0"/>
                 <a:cs typeface="Arial" panose="020B0604020202020204" pitchFamily="34" charset="0"/>
               </a:rPr>
-              <a:t>Another popular choice for classification problems, the Random Forest uses decision trees, many decision trees, to consolidate its results</a:t>
+              <a:t>Another popular choice for classification problems, the Random Forest uses decision trees, *many decision trees, to consolidate its results</a:t>
             </a:r>
           </a:p>
           <a:p>
@@ -25191,7 +25810,7 @@
                 <a:latin typeface="Arial" panose="020B0604020202020204" pitchFamily="34" charset="0"/>
                 <a:cs typeface="Arial" panose="020B0604020202020204" pitchFamily="34" charset="0"/>
               </a:rPr>
-              <a:t>It has great ability to mitigate overfitting and is able to handle complex datasets, making it a must option to test in predictive analytics.</a:t>
+              <a:t>It has great ability to mitigate overfitting and can handle complex datasets, making it a must option to test in predictive analytics.</a:t>
             </a:r>
           </a:p>
         </p:txBody>
@@ -29551,7 +30170,7 @@
           <p:nvPr/>
         </p:nvPicPr>
         <p:blipFill>
-          <a:blip r:embed="rId2"/>
+          <a:blip r:embed="rId3"/>
           <a:stretch>
             <a:fillRect/>
           </a:stretch>
@@ -29581,7 +30200,7 @@
           <p:nvPr/>
         </p:nvPicPr>
         <p:blipFill>
-          <a:blip r:embed="rId3">
+          <a:blip r:embed="rId4">
             <a:extLst>
               <a:ext uri="{28A0092B-C50C-407E-A947-70E740481C1C}">
                 <a14:useLocalDpi xmlns:a14="http://schemas.microsoft.com/office/drawing/2010/main" val="0"/>
@@ -29628,7 +30247,7 @@
           <p:nvPr/>
         </p:nvPicPr>
         <p:blipFill>
-          <a:blip r:embed="rId4">
+          <a:blip r:embed="rId5">
             <a:extLst>
               <a:ext uri="{28A0092B-C50C-407E-A947-70E740481C1C}">
                 <a14:useLocalDpi xmlns:a14="http://schemas.microsoft.com/office/drawing/2010/main" val="0"/>
@@ -29677,7 +30296,7 @@
           </p:nvPr>
         </p:nvPicPr>
         <p:blipFill>
-          <a:blip r:embed="rId5">
+          <a:blip r:embed="rId6">
             <a:extLst>
               <a:ext uri="{28A0092B-C50C-407E-A947-70E740481C1C}">
                 <a14:useLocalDpi xmlns:a14="http://schemas.microsoft.com/office/drawing/2010/main" val="0"/>
@@ -29734,7 +30353,7 @@
         </p:spPr>
         <p:txBody>
           <a:bodyPr vert="horz" lIns="91440" tIns="45720" rIns="91440" bIns="45720" rtlCol="0" anchor="t">
-            <a:normAutofit lnSpcReduction="10000"/>
+            <a:normAutofit/>
           </a:bodyPr>
           <a:lstStyle>
             <a:lvl1pPr marL="228600" indent="-228600" algn="l" defTabSz="914400" rtl="0" eaLnBrk="1" latinLnBrk="0" hangingPunct="1">
@@ -29902,25 +30521,28 @@
           </a:lstStyle>
           <a:p>
             <a:pPr marL="0" indent="0">
+              <a:lnSpc>
+                <a:spcPct val="110000"/>
+              </a:lnSpc>
               <a:buFont typeface="Arial" panose="020B0604020202020204" pitchFamily="34" charset="0"/>
               <a:buNone/>
             </a:pPr>
             <a:r>
-              <a:rPr lang="en-US" sz="2000" dirty="0">
+              <a:rPr lang="en-US" sz="1600" dirty="0">
                 <a:latin typeface="Arial" panose="020B0604020202020204" pitchFamily="34" charset="0"/>
                 <a:cs typeface="Arial" panose="020B0604020202020204" pitchFamily="34" charset="0"/>
               </a:rPr>
               <a:t>Analyzing the feature </a:t>
             </a:r>
             <a:r>
-              <a:rPr lang="en-US" sz="2000" dirty="0" err="1">
+              <a:rPr lang="en-US" sz="1600" dirty="0" err="1">
                 <a:latin typeface="Arial" panose="020B0604020202020204" pitchFamily="34" charset="0"/>
                 <a:cs typeface="Arial" panose="020B0604020202020204" pitchFamily="34" charset="0"/>
               </a:rPr>
               <a:t>importances</a:t>
             </a:r>
             <a:r>
-              <a:rPr lang="en-US" sz="2000" dirty="0">
+              <a:rPr lang="en-US" sz="1600" dirty="0">
                 <a:latin typeface="Arial" panose="020B0604020202020204" pitchFamily="34" charset="0"/>
                 <a:cs typeface="Arial" panose="020B0604020202020204" pitchFamily="34" charset="0"/>
               </a:rPr>
@@ -29929,56 +30551,62 @@
           </a:p>
           <a:p>
             <a:pPr marL="457200" indent="-457200">
+              <a:lnSpc>
+                <a:spcPct val="110000"/>
+              </a:lnSpc>
               <a:buFont typeface="+mj-lt"/>
               <a:buAutoNum type="arabicPeriod"/>
             </a:pPr>
             <a:r>
-              <a:rPr lang="en-US" sz="2000" dirty="0">
+              <a:rPr lang="en-US" sz="1600" dirty="0">
                 <a:latin typeface="Arial" panose="020B0604020202020204" pitchFamily="34" charset="0"/>
                 <a:cs typeface="Arial" panose="020B0604020202020204" pitchFamily="34" charset="0"/>
               </a:rPr>
-              <a:t>The feature with the most relevant and consistently high importance value is ‘</a:t>
+              <a:t>The feature with the most relevant and consistently high importance value is </a:t>
             </a:r>
             <a:r>
-              <a:rPr lang="en-US" sz="2000" dirty="0" err="1">
+              <a:rPr lang="en-US" sz="1600" dirty="0" err="1">
                 <a:latin typeface="Arial" panose="020B0604020202020204" pitchFamily="34" charset="0"/>
                 <a:cs typeface="Arial" panose="020B0604020202020204" pitchFamily="34" charset="0"/>
               </a:rPr>
               <a:t>Age_In_Days</a:t>
             </a:r>
             <a:r>
-              <a:rPr lang="en-US" sz="2000" dirty="0">
+              <a:rPr lang="en-US" sz="1600" dirty="0">
                 <a:latin typeface="Arial" panose="020B0604020202020204" pitchFamily="34" charset="0"/>
                 <a:cs typeface="Arial" panose="020B0604020202020204" pitchFamily="34" charset="0"/>
               </a:rPr>
-              <a:t>’. This isn’t surprising, considering that the hypothesis testing produced a significant difference in patients’ age with stroke.</a:t>
+              <a:t>. This isn’t surprising, considering that the hypothesis testing produced a significant difference in patients’ age with stroke.</a:t>
             </a:r>
           </a:p>
           <a:p>
             <a:pPr marL="457200" indent="-457200">
+              <a:lnSpc>
+                <a:spcPct val="110000"/>
+              </a:lnSpc>
               <a:buFont typeface="+mj-lt"/>
               <a:buAutoNum type="arabicPeriod"/>
             </a:pPr>
             <a:r>
-              <a:rPr lang="en-US" sz="2000" dirty="0">
+              <a:rPr lang="en-US" sz="1600" dirty="0">
                 <a:latin typeface="Arial" panose="020B0604020202020204" pitchFamily="34" charset="0"/>
                 <a:cs typeface="Arial" panose="020B0604020202020204" pitchFamily="34" charset="0"/>
               </a:rPr>
               <a:t>The Logistic Regression and SVC classifiers produced similar importance values, however the </a:t>
             </a:r>
             <a:r>
-              <a:rPr lang="en-US" sz="2000" dirty="0" err="1">
+              <a:rPr lang="en-US" sz="1600" dirty="0" err="1">
                 <a:latin typeface="Arial" panose="020B0604020202020204" pitchFamily="34" charset="0"/>
                 <a:cs typeface="Arial" panose="020B0604020202020204" pitchFamily="34" charset="0"/>
               </a:rPr>
               <a:t>RandomForestClassifier</a:t>
             </a:r>
             <a:r>
-              <a:rPr lang="en-US" sz="2000" dirty="0">
+              <a:rPr lang="en-US" sz="1600" dirty="0">
                 <a:latin typeface="Arial" panose="020B0604020202020204" pitchFamily="34" charset="0"/>
                 <a:cs typeface="Arial" panose="020B0604020202020204" pitchFamily="34" charset="0"/>
               </a:rPr>
-              <a:t>, which had the greatest improvement with Grid Search showed a different </a:t>
+              <a:t>, which had the greatest improvement with Grid Search showed a different set of importance values.</a:t>
             </a:r>
           </a:p>
         </p:txBody>
@@ -30486,8 +31114,8 @@
         </p:nvSpPr>
         <p:spPr>
           <a:xfrm>
-            <a:off x="992220" y="1964987"/>
-            <a:ext cx="10953345" cy="4066162"/>
+            <a:off x="1107249" y="2052808"/>
+            <a:ext cx="10424649" cy="4066162"/>
           </a:xfrm>
         </p:spPr>
         <p:txBody>
@@ -30504,7 +31132,7 @@
                 <a:latin typeface="Arial" panose="020B0604020202020204" pitchFamily="34" charset="0"/>
                 <a:cs typeface="Arial" panose="020B0604020202020204" pitchFamily="34" charset="0"/>
               </a:rPr>
-              <a:t>Recommendation 1</a:t>
+              <a:t>Model Recommendation 1</a:t>
             </a:r>
             <a:r>
               <a:rPr lang="en-US" sz="1800" dirty="0">
@@ -30532,7 +31160,7 @@
                 <a:latin typeface="Arial" panose="020B0604020202020204" pitchFamily="34" charset="0"/>
                 <a:cs typeface="Arial" panose="020B0604020202020204" pitchFamily="34" charset="0"/>
               </a:rPr>
-              <a:t>Recommendation 2</a:t>
+              <a:t>Model Recommendation 2</a:t>
             </a:r>
             <a:r>
               <a:rPr lang="en-US" sz="1800" dirty="0">
@@ -30554,6 +31182,62 @@
                 <a:cs typeface="Arial" panose="020B0604020202020204" pitchFamily="34" charset="0"/>
               </a:rPr>
               <a:t>, because this model had the greatest change during the first phase of hyperparameter tuning (4% increase in recall)</a:t>
+            </a:r>
+          </a:p>
+          <a:p>
+            <a:pPr marL="0" indent="0">
+              <a:buNone/>
+            </a:pPr>
+            <a:endParaRPr lang="en-US" sz="1800" dirty="0">
+              <a:latin typeface="Arial" panose="020B0604020202020204" pitchFamily="34" charset="0"/>
+              <a:cs typeface="Arial" panose="020B0604020202020204" pitchFamily="34" charset="0"/>
+            </a:endParaRPr>
+          </a:p>
+          <a:p>
+            <a:pPr marL="0" indent="0">
+              <a:buNone/>
+            </a:pPr>
+            <a:r>
+              <a:rPr lang="en-US" sz="1800" b="1" dirty="0">
+                <a:latin typeface="Arial" panose="020B0604020202020204" pitchFamily="34" charset="0"/>
+                <a:cs typeface="Arial" panose="020B0604020202020204" pitchFamily="34" charset="0"/>
+              </a:rPr>
+              <a:t>Note to Director </a:t>
+            </a:r>
+            <a:r>
+              <a:rPr lang="en-US" sz="1800" b="1" dirty="0" err="1">
+                <a:latin typeface="Arial" panose="020B0604020202020204" pitchFamily="34" charset="0"/>
+                <a:cs typeface="Arial" panose="020B0604020202020204" pitchFamily="34" charset="0"/>
+              </a:rPr>
+              <a:t>Jurian</a:t>
+            </a:r>
+            <a:r>
+              <a:rPr lang="en-US" sz="1800" b="1" dirty="0">
+                <a:latin typeface="Arial" panose="020B0604020202020204" pitchFamily="34" charset="0"/>
+                <a:cs typeface="Arial" panose="020B0604020202020204" pitchFamily="34" charset="0"/>
+              </a:rPr>
+              <a:t> </a:t>
+            </a:r>
+            <a:r>
+              <a:rPr lang="en-US" sz="1800" b="1" dirty="0" err="1">
+                <a:latin typeface="Arial" panose="020B0604020202020204" pitchFamily="34" charset="0"/>
+                <a:cs typeface="Arial" panose="020B0604020202020204" pitchFamily="34" charset="0"/>
+              </a:rPr>
+              <a:t>Kuyvenhoven</a:t>
+            </a:r>
+            <a:r>
+              <a:rPr lang="en-US" sz="1800" b="1" dirty="0">
+                <a:latin typeface="Arial" panose="020B0604020202020204" pitchFamily="34" charset="0"/>
+                <a:cs typeface="Arial" panose="020B0604020202020204" pitchFamily="34" charset="0"/>
+              </a:rPr>
+              <a:t>: </a:t>
+            </a:r>
+            <a:r>
+              <a:rPr lang="en-US" sz="1800" dirty="0">
+                <a:latin typeface="Arial" panose="020B0604020202020204" pitchFamily="34" charset="0"/>
+                <a:cs typeface="Arial" panose="020B0604020202020204" pitchFamily="34" charset="0"/>
+              </a:rPr>
+              <a:t>Although the proposed models that were used in this preliminary investigation produce a ~90% outcome, further testing is necessary to increase their predictive capabilities. Perhaps one way to expedite this project is to improve the dataset by providing more ‘physiologically-relevant’ readouts such as plasma protein biomarkers from annual blood tests or cognitive testing and survey results during patient clinic visits. </a:t>
             </a:r>
           </a:p>
         </p:txBody>
@@ -31008,7 +31692,7 @@
                 <a:latin typeface="Arial" panose="020B0604020202020204" pitchFamily="34" charset="0"/>
                 <a:cs typeface="Arial" panose="020B0604020202020204" pitchFamily="34" charset="0"/>
               </a:rPr>
-              <a:t>Project Summary</a:t>
+              <a:t>If I had more time, what next?</a:t>
             </a:r>
           </a:p>
         </p:txBody>
@@ -31031,7 +31715,743 @@
         </p:nvSpPr>
         <p:spPr>
           <a:xfrm>
-            <a:off x="200025" y="1885278"/>
+            <a:off x="200025" y="1622746"/>
+            <a:ext cx="11732646" cy="4846148"/>
+          </a:xfrm>
+        </p:spPr>
+        <p:txBody>
+          <a:bodyPr anchor="t">
+            <a:normAutofit fontScale="85000" lnSpcReduction="20000"/>
+          </a:bodyPr>
+          <a:lstStyle/>
+          <a:p>
+            <a:pPr marL="0" indent="0" algn="ctr">
+              <a:lnSpc>
+                <a:spcPct val="110000"/>
+              </a:lnSpc>
+              <a:buNone/>
+            </a:pPr>
+            <a:r>
+              <a:rPr lang="en-US" sz="2000" dirty="0">
+                <a:latin typeface="Arial" panose="020B0604020202020204" pitchFamily="34" charset="0"/>
+                <a:cs typeface="Arial" panose="020B0604020202020204" pitchFamily="34" charset="0"/>
+              </a:rPr>
+              <a:t>Because the experimentation and machine learning optimization for classification problems portions of this assignment can be a cyclic process of repeated improving and tweaking, there are many steps that I have yet to explore due to the project time constraint.</a:t>
+            </a:r>
+          </a:p>
+          <a:p>
+            <a:pPr marL="457200" indent="-457200">
+              <a:lnSpc>
+                <a:spcPct val="110000"/>
+              </a:lnSpc>
+              <a:buFont typeface="+mj-lt"/>
+              <a:buAutoNum type="arabicPeriod"/>
+            </a:pPr>
+            <a:endParaRPr lang="en-US" sz="2000" dirty="0">
+              <a:latin typeface="Arial" panose="020B0604020202020204" pitchFamily="34" charset="0"/>
+              <a:cs typeface="Arial" panose="020B0604020202020204" pitchFamily="34" charset="0"/>
+            </a:endParaRPr>
+          </a:p>
+          <a:p>
+            <a:pPr marL="457200" indent="-457200">
+              <a:lnSpc>
+                <a:spcPct val="110000"/>
+              </a:lnSpc>
+              <a:buFont typeface="+mj-lt"/>
+              <a:buAutoNum type="arabicPeriod"/>
+            </a:pPr>
+            <a:r>
+              <a:rPr lang="en-US" sz="2000" dirty="0">
+                <a:latin typeface="Arial" panose="020B0604020202020204" pitchFamily="34" charset="0"/>
+                <a:cs typeface="Arial" panose="020B0604020202020204" pitchFamily="34" charset="0"/>
+              </a:rPr>
+              <a:t>Optimize the model further with a broader range of values for Grid Search to optimize these three models first, then potentially include the other models, as well as models that were not included in the list. </a:t>
+            </a:r>
+          </a:p>
+          <a:p>
+            <a:pPr marL="914400" lvl="1" indent="-457200">
+              <a:lnSpc>
+                <a:spcPct val="110000"/>
+              </a:lnSpc>
+              <a:buFont typeface="+mj-lt"/>
+              <a:buAutoNum type="romanUcPeriod"/>
+            </a:pPr>
+            <a:r>
+              <a:rPr lang="en-US" sz="1600" dirty="0">
+                <a:latin typeface="Arial" panose="020B0604020202020204" pitchFamily="34" charset="0"/>
+                <a:cs typeface="Arial" panose="020B0604020202020204" pitchFamily="34" charset="0"/>
+              </a:rPr>
+              <a:t>With the way this notebook is structured, it will be simple to go back and experiment with other choices (changing the way the unbalanced classes are handled and/or removing columns that are deemed irrelevant).</a:t>
+            </a:r>
+          </a:p>
+          <a:p>
+            <a:pPr marL="914400" lvl="1" indent="-457200">
+              <a:lnSpc>
+                <a:spcPct val="110000"/>
+              </a:lnSpc>
+              <a:buFont typeface="+mj-lt"/>
+              <a:buAutoNum type="romanUcPeriod"/>
+            </a:pPr>
+            <a:r>
+              <a:rPr lang="en-US" sz="1600" dirty="0">
+                <a:latin typeface="Arial" panose="020B0604020202020204" pitchFamily="34" charset="0"/>
+                <a:cs typeface="Arial" panose="020B0604020202020204" pitchFamily="34" charset="0"/>
+              </a:rPr>
+              <a:t>Consider even including new features (such as Race/Ethnicity or Family history) either through changing collection methods or feature engineering: </a:t>
+            </a:r>
+            <a:r>
+              <a:rPr lang="en-US" sz="1600" dirty="0" err="1">
+                <a:latin typeface="Arial" panose="020B0604020202020204" pitchFamily="34" charset="0"/>
+                <a:cs typeface="Arial" panose="020B0604020202020204" pitchFamily="34" charset="0"/>
+              </a:rPr>
+              <a:t>ie</a:t>
+            </a:r>
+            <a:r>
+              <a:rPr lang="en-US" sz="1600" dirty="0">
+                <a:latin typeface="Arial" panose="020B0604020202020204" pitchFamily="34" charset="0"/>
+                <a:cs typeface="Arial" panose="020B0604020202020204" pitchFamily="34" charset="0"/>
+              </a:rPr>
+              <a:t>. Considering that </a:t>
+            </a:r>
+            <a:r>
+              <a:rPr lang="en-US" sz="1600" dirty="0" err="1">
+                <a:latin typeface="Arial" panose="020B0604020202020204" pitchFamily="34" charset="0"/>
+                <a:cs typeface="Arial" panose="020B0604020202020204" pitchFamily="34" charset="0"/>
+              </a:rPr>
+              <a:t>Type_Of_Work</a:t>
+            </a:r>
+            <a:r>
+              <a:rPr lang="en-US" sz="1600" dirty="0">
+                <a:latin typeface="Arial" panose="020B0604020202020204" pitchFamily="34" charset="0"/>
+                <a:cs typeface="Arial" panose="020B0604020202020204" pitchFamily="34" charset="0"/>
+              </a:rPr>
+              <a:t> might be a variable that measure one modality of stress and use that information to either create a new feature or design a feature through merging multiple correlated columns.</a:t>
+            </a:r>
+          </a:p>
+          <a:p>
+            <a:pPr marL="914400" lvl="1" indent="-457200">
+              <a:lnSpc>
+                <a:spcPct val="110000"/>
+              </a:lnSpc>
+              <a:buFont typeface="+mj-lt"/>
+              <a:buAutoNum type="romanUcPeriod"/>
+            </a:pPr>
+            <a:r>
+              <a:rPr lang="en-US" sz="1600" dirty="0">
+                <a:latin typeface="Arial" panose="020B0604020202020204" pitchFamily="34" charset="0"/>
+                <a:cs typeface="Arial" panose="020B0604020202020204" pitchFamily="34" charset="0"/>
+              </a:rPr>
+              <a:t>I</a:t>
+            </a:r>
+            <a:r>
+              <a:rPr lang="en-US" sz="1800" dirty="0">
+                <a:latin typeface="Arial" panose="020B0604020202020204" pitchFamily="34" charset="0"/>
+                <a:cs typeface="Arial" panose="020B0604020202020204" pitchFamily="34" charset="0"/>
+              </a:rPr>
+              <a:t>n order to more accurately capture the distribution of class data it might be also important to optimize the model on the imbalanced class data (original) and emphasize the </a:t>
+            </a:r>
+            <a:r>
+              <a:rPr lang="en-US" sz="1800" dirty="0" err="1">
+                <a:latin typeface="Arial" panose="020B0604020202020204" pitchFamily="34" charset="0"/>
+                <a:cs typeface="Arial" panose="020B0604020202020204" pitchFamily="34" charset="0"/>
+              </a:rPr>
+              <a:t>class_weights</a:t>
+            </a:r>
+            <a:r>
+              <a:rPr lang="en-US" sz="1800" dirty="0">
+                <a:latin typeface="Arial" panose="020B0604020202020204" pitchFamily="34" charset="0"/>
+                <a:cs typeface="Arial" panose="020B0604020202020204" pitchFamily="34" charset="0"/>
+              </a:rPr>
+              <a:t> parameter for each model, since this more accurately resembles the real-world situation.</a:t>
+            </a:r>
+            <a:endParaRPr lang="en-US" sz="1800" b="1" dirty="0"/>
+          </a:p>
+          <a:p>
+            <a:pPr marL="914400" lvl="1" indent="-457200">
+              <a:lnSpc>
+                <a:spcPct val="110000"/>
+              </a:lnSpc>
+              <a:buFont typeface="+mj-lt"/>
+              <a:buAutoNum type="romanUcPeriod"/>
+            </a:pPr>
+            <a:endParaRPr lang="en-US" sz="1600" dirty="0">
+              <a:latin typeface="Arial" panose="020B0604020202020204" pitchFamily="34" charset="0"/>
+              <a:cs typeface="Arial" panose="020B0604020202020204" pitchFamily="34" charset="0"/>
+            </a:endParaRPr>
+          </a:p>
+          <a:p>
+            <a:pPr marL="457200" indent="-457200">
+              <a:lnSpc>
+                <a:spcPct val="110000"/>
+              </a:lnSpc>
+              <a:buFont typeface="+mj-lt"/>
+              <a:buAutoNum type="arabicPeriod"/>
+            </a:pPr>
+            <a:r>
+              <a:rPr lang="en-US" sz="2000" dirty="0">
+                <a:latin typeface="Arial" panose="020B0604020202020204" pitchFamily="34" charset="0"/>
+                <a:cs typeface="Arial" panose="020B0604020202020204" pitchFamily="34" charset="0"/>
+              </a:rPr>
+              <a:t>After optimizing the model further using the proposed methods, and perhaps after discussion with experts / client, it would be great to deploy this model using a web application framework such as Flask or Django or even in Shiny to make this model more accessible for hospital use during stroke treatment recommendation for patients.</a:t>
+            </a:r>
+          </a:p>
+          <a:p>
+            <a:pPr marL="457200" indent="-457200">
+              <a:lnSpc>
+                <a:spcPct val="110000"/>
+              </a:lnSpc>
+              <a:buFont typeface="+mj-lt"/>
+              <a:buAutoNum type="arabicPeriod"/>
+            </a:pPr>
+            <a:endParaRPr lang="en-US" sz="2000" dirty="0">
+              <a:latin typeface="Arial" panose="020B0604020202020204" pitchFamily="34" charset="0"/>
+              <a:cs typeface="Arial" panose="020B0604020202020204" pitchFamily="34" charset="0"/>
+            </a:endParaRPr>
+          </a:p>
+          <a:p>
+            <a:pPr marL="0" indent="0">
+              <a:lnSpc>
+                <a:spcPct val="110000"/>
+              </a:lnSpc>
+              <a:buNone/>
+            </a:pPr>
+            <a:endParaRPr lang="en-US" sz="2000" dirty="0">
+              <a:latin typeface="Arial" panose="020B0604020202020204" pitchFamily="34" charset="0"/>
+              <a:cs typeface="Arial" panose="020B0604020202020204" pitchFamily="34" charset="0"/>
+            </a:endParaRPr>
+          </a:p>
+          <a:p>
+            <a:pPr marL="457200" indent="-457200">
+              <a:lnSpc>
+                <a:spcPct val="110000"/>
+              </a:lnSpc>
+              <a:buFont typeface="+mj-lt"/>
+              <a:buAutoNum type="arabicPeriod"/>
+            </a:pPr>
+            <a:endParaRPr lang="en-US" sz="2000" dirty="0">
+              <a:latin typeface="Arial" panose="020B0604020202020204" pitchFamily="34" charset="0"/>
+              <a:cs typeface="Arial" panose="020B0604020202020204" pitchFamily="34" charset="0"/>
+            </a:endParaRPr>
+          </a:p>
+          <a:p>
+            <a:pPr marL="457200" indent="-457200">
+              <a:lnSpc>
+                <a:spcPct val="110000"/>
+              </a:lnSpc>
+              <a:buFont typeface="+mj-lt"/>
+              <a:buAutoNum type="arabicPeriod"/>
+            </a:pPr>
+            <a:endParaRPr lang="en-US" sz="2000" dirty="0">
+              <a:latin typeface="Arial" panose="020B0604020202020204" pitchFamily="34" charset="0"/>
+              <a:cs typeface="Arial" panose="020B0604020202020204" pitchFamily="34" charset="0"/>
+            </a:endParaRPr>
+          </a:p>
+        </p:txBody>
+      </p:sp>
+      <p:pic>
+        <p:nvPicPr>
+          <p:cNvPr id="4" name="Picture 3">
+            <a:extLst>
+              <a:ext uri="{FF2B5EF4-FFF2-40B4-BE49-F238E27FC236}">
+                <a16:creationId xmlns:a16="http://schemas.microsoft.com/office/drawing/2014/main" id="{DDB6B6CA-45BB-3708-5A1C-CD4ABC62C71B}"/>
+              </a:ext>
+            </a:extLst>
+          </p:cNvPr>
+          <p:cNvPicPr>
+            <a:picLocks noChangeAspect="1"/>
+          </p:cNvPicPr>
+          <p:nvPr/>
+        </p:nvPicPr>
+        <p:blipFill>
+          <a:blip r:embed="rId2"/>
+          <a:stretch>
+            <a:fillRect/>
+          </a:stretch>
+        </p:blipFill>
+        <p:spPr>
+          <a:xfrm>
+            <a:off x="10469563" y="5950382"/>
+            <a:ext cx="1693861" cy="879042"/>
+          </a:xfrm>
+          <a:prstGeom prst="rect">
+            <a:avLst/>
+          </a:prstGeom>
+        </p:spPr>
+      </p:pic>
+    </p:spTree>
+    <p:extLst>
+      <p:ext uri="{BB962C8B-B14F-4D97-AF65-F5344CB8AC3E}">
+        <p14:creationId xmlns:p14="http://schemas.microsoft.com/office/powerpoint/2010/main" val="1188377158"/>
+      </p:ext>
+    </p:extLst>
+  </p:cSld>
+  <p:clrMapOvr>
+    <a:masterClrMapping/>
+  </p:clrMapOvr>
+</p:sld>
+</file>
+
+<file path=ppt/slides/slide25.xml><?xml version="1.0" encoding="utf-8"?>
+<p:sld xmlns:a="http://schemas.openxmlformats.org/drawingml/2006/main" xmlns:r="http://schemas.openxmlformats.org/officeDocument/2006/relationships" xmlns:p="http://schemas.openxmlformats.org/presentationml/2006/main">
+  <p:cSld>
+    <p:bg>
+      <p:bgPr>
+        <a:solidFill>
+          <a:schemeClr val="bg1"/>
+        </a:solidFill>
+        <a:effectLst/>
+      </p:bgPr>
+    </p:bg>
+    <p:spTree>
+      <p:nvGrpSpPr>
+        <p:cNvPr id="1" name=""/>
+        <p:cNvGrpSpPr/>
+        <p:nvPr/>
+      </p:nvGrpSpPr>
+      <p:grpSpPr>
+        <a:xfrm>
+          <a:off x="0" y="0"/>
+          <a:ext cx="0" cy="0"/>
+          <a:chOff x="0" y="0"/>
+          <a:chExt cx="0" cy="0"/>
+        </a:xfrm>
+      </p:grpSpPr>
+      <p:sp useBgFill="1">
+        <p:nvSpPr>
+          <p:cNvPr id="9" name="Rectangle 8">
+            <a:extLst>
+              <a:ext uri="{FF2B5EF4-FFF2-40B4-BE49-F238E27FC236}">
+                <a16:creationId xmlns:a16="http://schemas.microsoft.com/office/drawing/2014/main" id="{1B15ED52-F352-441B-82BF-E0EA34836D08}"/>
+              </a:ext>
+              <a:ext uri="{C183D7F6-B498-43B3-948B-1728B52AA6E4}">
+                <adec:decorative xmlns:adec="http://schemas.microsoft.com/office/drawing/2017/decorative" val="1"/>
+              </a:ext>
+            </a:extLst>
+          </p:cNvPr>
+          <p:cNvSpPr>
+            <a:spLocks noGrp="1" noRot="1" noChangeAspect="1" noMove="1" noResize="1" noEditPoints="1" noAdjustHandles="1" noChangeArrowheads="1" noChangeShapeType="1" noTextEdit="1"/>
+          </p:cNvSpPr>
+          <p:nvPr>
+            <p:extLst>
+              <p:ext uri="{386F3935-93C4-4BCD-93E2-E3B085C9AB24}">
+                <p16:designElem xmlns:p16="http://schemas.microsoft.com/office/powerpoint/2015/main" val="1"/>
+              </p:ext>
+            </p:extLst>
+          </p:nvPr>
+        </p:nvSpPr>
+        <p:spPr>
+          <a:xfrm>
+            <a:off x="0" y="0"/>
+            <a:ext cx="12192000" cy="6858000"/>
+          </a:xfrm>
+          <a:prstGeom prst="rect">
+            <a:avLst/>
+          </a:prstGeom>
+          <a:ln w="12700" cap="flat" cmpd="sng" algn="ctr">
+            <a:noFill/>
+            <a:prstDash val="solid"/>
+            <a:miter lim="800000"/>
+          </a:ln>
+          <a:effectLst/>
+          <a:extLst>
+            <a:ext uri="{91240B29-F687-4F45-9708-019B960494DF}">
+              <a14:hiddenLine xmlns:a14="http://schemas.microsoft.com/office/drawing/2010/main" w="12700" cap="flat" cmpd="sng" algn="ctr">
+                <a:solidFill>
+                  <a:schemeClr val="accent1">
+                    <a:shade val="50000"/>
+                  </a:schemeClr>
+                </a:solidFill>
+                <a:prstDash val="solid"/>
+                <a:miter lim="800000"/>
+              </a14:hiddenLine>
+            </a:ext>
+          </a:extLst>
+        </p:spPr>
+        <p:style>
+          <a:lnRef idx="2">
+            <a:schemeClr val="accent1">
+              <a:shade val="50000"/>
+            </a:schemeClr>
+          </a:lnRef>
+          <a:fillRef idx="1">
+            <a:schemeClr val="accent1"/>
+          </a:fillRef>
+          <a:effectRef idx="0">
+            <a:schemeClr val="accent1"/>
+          </a:effectRef>
+          <a:fontRef idx="minor">
+            <a:schemeClr val="lt1"/>
+          </a:fontRef>
+        </p:style>
+        <p:txBody>
+          <a:bodyPr rtlCol="0" anchor="ctr"/>
+          <a:lstStyle/>
+          <a:p>
+            <a:pPr algn="ctr"/>
+            <a:endParaRPr lang="en-US"/>
+          </a:p>
+        </p:txBody>
+      </p:sp>
+      <p:sp>
+        <p:nvSpPr>
+          <p:cNvPr id="11" name="Rectangle 10">
+            <a:extLst>
+              <a:ext uri="{FF2B5EF4-FFF2-40B4-BE49-F238E27FC236}">
+                <a16:creationId xmlns:a16="http://schemas.microsoft.com/office/drawing/2014/main" id="{3B2E3793-BFE6-45A2-9B7B-E18844431C99}"/>
+              </a:ext>
+              <a:ext uri="{C183D7F6-B498-43B3-948B-1728B52AA6E4}">
+                <adec:decorative xmlns:adec="http://schemas.microsoft.com/office/drawing/2017/decorative" val="1"/>
+              </a:ext>
+            </a:extLst>
+          </p:cNvPr>
+          <p:cNvSpPr>
+            <a:spLocks noGrp="1" noRot="1" noChangeAspect="1" noMove="1" noResize="1" noEditPoints="1" noAdjustHandles="1" noChangeArrowheads="1" noChangeShapeType="1" noTextEdit="1"/>
+          </p:cNvSpPr>
+          <p:nvPr>
+            <p:extLst>
+              <p:ext uri="{386F3935-93C4-4BCD-93E2-E3B085C9AB24}">
+                <p16:designElem xmlns:p16="http://schemas.microsoft.com/office/powerpoint/2015/main" val="1"/>
+              </p:ext>
+            </p:extLst>
+          </p:nvPr>
+        </p:nvSpPr>
+        <p:spPr>
+          <a:xfrm flipH="1">
+            <a:off x="-1" y="-1"/>
+            <a:ext cx="12191998" cy="1590742"/>
+          </a:xfrm>
+          <a:prstGeom prst="rect">
+            <a:avLst/>
+          </a:prstGeom>
+          <a:gradFill>
+            <a:gsLst>
+              <a:gs pos="0">
+                <a:srgbClr val="000000"/>
+              </a:gs>
+              <a:gs pos="100000">
+                <a:schemeClr val="accent1">
+                  <a:lumMod val="75000"/>
+                </a:schemeClr>
+              </a:gs>
+            </a:gsLst>
+            <a:lin ang="8400000" scaled="0"/>
+          </a:gradFill>
+          <a:ln>
+            <a:noFill/>
+          </a:ln>
+        </p:spPr>
+        <p:style>
+          <a:lnRef idx="2">
+            <a:schemeClr val="accent1">
+              <a:shade val="50000"/>
+            </a:schemeClr>
+          </a:lnRef>
+          <a:fillRef idx="1">
+            <a:schemeClr val="accent1"/>
+          </a:fillRef>
+          <a:effectRef idx="0">
+            <a:schemeClr val="accent1"/>
+          </a:effectRef>
+          <a:fontRef idx="minor">
+            <a:schemeClr val="lt1"/>
+          </a:fontRef>
+        </p:style>
+        <p:txBody>
+          <a:bodyPr rtlCol="0" anchor="ctr"/>
+          <a:lstStyle/>
+          <a:p>
+            <a:pPr algn="ctr"/>
+            <a:endParaRPr lang="en-US"/>
+          </a:p>
+        </p:txBody>
+      </p:sp>
+      <p:sp>
+        <p:nvSpPr>
+          <p:cNvPr id="13" name="Rectangle 12">
+            <a:extLst>
+              <a:ext uri="{FF2B5EF4-FFF2-40B4-BE49-F238E27FC236}">
+                <a16:creationId xmlns:a16="http://schemas.microsoft.com/office/drawing/2014/main" id="{BC4C4868-CB8F-4AF9-9CDB-8108F2C19B67}"/>
+              </a:ext>
+              <a:ext uri="{C183D7F6-B498-43B3-948B-1728B52AA6E4}">
+                <adec:decorative xmlns:adec="http://schemas.microsoft.com/office/drawing/2017/decorative" val="1"/>
+              </a:ext>
+            </a:extLst>
+          </p:cNvPr>
+          <p:cNvSpPr>
+            <a:spLocks noGrp="1" noRot="1" noChangeAspect="1" noMove="1" noResize="1" noEditPoints="1" noAdjustHandles="1" noChangeArrowheads="1" noChangeShapeType="1" noTextEdit="1"/>
+          </p:cNvSpPr>
+          <p:nvPr>
+            <p:extLst>
+              <p:ext uri="{386F3935-93C4-4BCD-93E2-E3B085C9AB24}">
+                <p16:designElem xmlns:p16="http://schemas.microsoft.com/office/powerpoint/2015/main" val="1"/>
+              </p:ext>
+            </p:extLst>
+          </p:nvPr>
+        </p:nvSpPr>
+        <p:spPr>
+          <a:xfrm rot="10800000" flipH="1">
+            <a:off x="-3" y="0"/>
+            <a:ext cx="8115306" cy="1590742"/>
+          </a:xfrm>
+          <a:prstGeom prst="rect">
+            <a:avLst/>
+          </a:prstGeom>
+          <a:gradFill>
+            <a:gsLst>
+              <a:gs pos="20000">
+                <a:schemeClr val="accent1">
+                  <a:alpha val="0"/>
+                </a:schemeClr>
+              </a:gs>
+              <a:gs pos="100000">
+                <a:schemeClr val="accent1">
+                  <a:lumMod val="50000"/>
+                  <a:alpha val="55000"/>
+                </a:schemeClr>
+              </a:gs>
+            </a:gsLst>
+            <a:lin ang="13800000" scaled="0"/>
+          </a:gradFill>
+          <a:ln>
+            <a:noFill/>
+          </a:ln>
+        </p:spPr>
+        <p:style>
+          <a:lnRef idx="2">
+            <a:schemeClr val="accent1">
+              <a:shade val="50000"/>
+            </a:schemeClr>
+          </a:lnRef>
+          <a:fillRef idx="1">
+            <a:schemeClr val="accent1"/>
+          </a:fillRef>
+          <a:effectRef idx="0">
+            <a:schemeClr val="accent1"/>
+          </a:effectRef>
+          <a:fontRef idx="minor">
+            <a:schemeClr val="lt1"/>
+          </a:fontRef>
+        </p:style>
+        <p:txBody>
+          <a:bodyPr rtlCol="0" anchor="ctr"/>
+          <a:lstStyle/>
+          <a:p>
+            <a:pPr algn="ctr"/>
+            <a:endParaRPr lang="en-US"/>
+          </a:p>
+        </p:txBody>
+      </p:sp>
+      <p:sp>
+        <p:nvSpPr>
+          <p:cNvPr id="15" name="Rectangle 14">
+            <a:extLst>
+              <a:ext uri="{FF2B5EF4-FFF2-40B4-BE49-F238E27FC236}">
+                <a16:creationId xmlns:a16="http://schemas.microsoft.com/office/drawing/2014/main" id="{375E0459-6403-40CD-989D-56A4407CA12E}"/>
+              </a:ext>
+              <a:ext uri="{C183D7F6-B498-43B3-948B-1728B52AA6E4}">
+                <adec:decorative xmlns:adec="http://schemas.microsoft.com/office/drawing/2017/decorative" val="1"/>
+              </a:ext>
+            </a:extLst>
+          </p:cNvPr>
+          <p:cNvSpPr>
+            <a:spLocks noGrp="1" noRot="1" noChangeAspect="1" noMove="1" noResize="1" noEditPoints="1" noAdjustHandles="1" noChangeArrowheads="1" noChangeShapeType="1" noTextEdit="1"/>
+          </p:cNvSpPr>
+          <p:nvPr>
+            <p:extLst>
+              <p:ext uri="{386F3935-93C4-4BCD-93E2-E3B085C9AB24}">
+                <p16:designElem xmlns:p16="http://schemas.microsoft.com/office/powerpoint/2015/main" val="1"/>
+              </p:ext>
+            </p:extLst>
+          </p:nvPr>
+        </p:nvSpPr>
+        <p:spPr>
+          <a:xfrm flipH="1">
+            <a:off x="8115299" y="-1"/>
+            <a:ext cx="4076698" cy="1590742"/>
+          </a:xfrm>
+          <a:prstGeom prst="rect">
+            <a:avLst/>
+          </a:prstGeom>
+          <a:gradFill>
+            <a:gsLst>
+              <a:gs pos="0">
+                <a:schemeClr val="accent1">
+                  <a:alpha val="66000"/>
+                </a:schemeClr>
+              </a:gs>
+              <a:gs pos="100000">
+                <a:srgbClr val="000000">
+                  <a:alpha val="30000"/>
+                </a:srgbClr>
+              </a:gs>
+            </a:gsLst>
+            <a:lin ang="13200000" scaled="0"/>
+          </a:gradFill>
+          <a:ln>
+            <a:noFill/>
+          </a:ln>
+        </p:spPr>
+        <p:style>
+          <a:lnRef idx="2">
+            <a:schemeClr val="accent1">
+              <a:shade val="50000"/>
+            </a:schemeClr>
+          </a:lnRef>
+          <a:fillRef idx="1">
+            <a:schemeClr val="accent1"/>
+          </a:fillRef>
+          <a:effectRef idx="0">
+            <a:schemeClr val="accent1"/>
+          </a:effectRef>
+          <a:fontRef idx="minor">
+            <a:schemeClr val="lt1"/>
+          </a:fontRef>
+        </p:style>
+        <p:txBody>
+          <a:bodyPr rtlCol="0" anchor="ctr"/>
+          <a:lstStyle/>
+          <a:p>
+            <a:pPr algn="ctr"/>
+            <a:endParaRPr lang="en-US"/>
+          </a:p>
+        </p:txBody>
+      </p:sp>
+      <p:sp>
+        <p:nvSpPr>
+          <p:cNvPr id="17" name="Rectangle 16">
+            <a:extLst>
+              <a:ext uri="{FF2B5EF4-FFF2-40B4-BE49-F238E27FC236}">
+                <a16:creationId xmlns:a16="http://schemas.microsoft.com/office/drawing/2014/main" id="{53E5B1A8-3AC9-4BD1-9BBC-78CA94F2D1BA}"/>
+              </a:ext>
+              <a:ext uri="{C183D7F6-B498-43B3-948B-1728B52AA6E4}">
+                <adec:decorative xmlns:adec="http://schemas.microsoft.com/office/drawing/2017/decorative" val="1"/>
+              </a:ext>
+            </a:extLst>
+          </p:cNvPr>
+          <p:cNvSpPr>
+            <a:spLocks noGrp="1" noRot="1" noChangeAspect="1" noMove="1" noResize="1" noEditPoints="1" noAdjustHandles="1" noChangeArrowheads="1" noChangeShapeType="1" noTextEdit="1"/>
+          </p:cNvSpPr>
+          <p:nvPr>
+            <p:extLst>
+              <p:ext uri="{386F3935-93C4-4BCD-93E2-E3B085C9AB24}">
+                <p16:designElem xmlns:p16="http://schemas.microsoft.com/office/powerpoint/2015/main" val="1"/>
+              </p:ext>
+            </p:extLst>
+          </p:nvPr>
+        </p:nvSpPr>
+        <p:spPr>
+          <a:xfrm>
+            <a:off x="459350" y="-1"/>
+            <a:ext cx="11732646" cy="1597433"/>
+          </a:xfrm>
+          <a:prstGeom prst="rect">
+            <a:avLst/>
+          </a:prstGeom>
+          <a:gradFill>
+            <a:gsLst>
+              <a:gs pos="50000">
+                <a:srgbClr val="000000">
+                  <a:alpha val="0"/>
+                </a:srgbClr>
+              </a:gs>
+              <a:gs pos="99000">
+                <a:schemeClr val="accent1">
+                  <a:lumMod val="50000"/>
+                  <a:alpha val="52000"/>
+                </a:schemeClr>
+              </a:gs>
+            </a:gsLst>
+            <a:lin ang="16800000" scaled="0"/>
+          </a:gradFill>
+          <a:ln>
+            <a:noFill/>
+          </a:ln>
+        </p:spPr>
+        <p:style>
+          <a:lnRef idx="2">
+            <a:schemeClr val="accent1">
+              <a:shade val="50000"/>
+            </a:schemeClr>
+          </a:lnRef>
+          <a:fillRef idx="1">
+            <a:schemeClr val="accent1"/>
+          </a:fillRef>
+          <a:effectRef idx="0">
+            <a:schemeClr val="accent1"/>
+          </a:effectRef>
+          <a:fontRef idx="minor">
+            <a:schemeClr val="lt1"/>
+          </a:fontRef>
+        </p:style>
+        <p:txBody>
+          <a:bodyPr rtlCol="0" anchor="ctr"/>
+          <a:lstStyle/>
+          <a:p>
+            <a:pPr algn="ctr"/>
+            <a:endParaRPr lang="en-US"/>
+          </a:p>
+        </p:txBody>
+      </p:sp>
+      <p:sp>
+        <p:nvSpPr>
+          <p:cNvPr id="2" name="Title 1">
+            <a:extLst>
+              <a:ext uri="{FF2B5EF4-FFF2-40B4-BE49-F238E27FC236}">
+                <a16:creationId xmlns:a16="http://schemas.microsoft.com/office/drawing/2014/main" id="{8CF4E6AF-E04E-D501-6DC9-CFC049B81EC8}"/>
+              </a:ext>
+            </a:extLst>
+          </p:cNvPr>
+          <p:cNvSpPr>
+            <a:spLocks noGrp="1"/>
+          </p:cNvSpPr>
+          <p:nvPr>
+            <p:ph type="title"/>
+          </p:nvPr>
+        </p:nvSpPr>
+        <p:spPr>
+          <a:xfrm>
+            <a:off x="1371599" y="294538"/>
+            <a:ext cx="9895951" cy="1033669"/>
+          </a:xfrm>
+        </p:spPr>
+        <p:txBody>
+          <a:bodyPr>
+            <a:normAutofit/>
+          </a:bodyPr>
+          <a:lstStyle/>
+          <a:p>
+            <a:r>
+              <a:rPr lang="en-US" sz="4000" dirty="0">
+                <a:solidFill>
+                  <a:srgbClr val="FFFFFF"/>
+                </a:solidFill>
+                <a:latin typeface="Arial" panose="020B0604020202020204" pitchFamily="34" charset="0"/>
+                <a:cs typeface="Arial" panose="020B0604020202020204" pitchFamily="34" charset="0"/>
+              </a:rPr>
+              <a:t>Project Summary</a:t>
+            </a:r>
+          </a:p>
+        </p:txBody>
+      </p:sp>
+      <p:sp>
+        <p:nvSpPr>
+          <p:cNvPr id="3" name="Content Placeholder 2">
+            <a:extLst>
+              <a:ext uri="{FF2B5EF4-FFF2-40B4-BE49-F238E27FC236}">
+                <a16:creationId xmlns:a16="http://schemas.microsoft.com/office/drawing/2014/main" id="{88235CDE-7A21-4B75-C951-3F008AFBAE11}"/>
+              </a:ext>
+            </a:extLst>
+          </p:cNvPr>
+          <p:cNvSpPr>
+            <a:spLocks noGrp="1"/>
+          </p:cNvSpPr>
+          <p:nvPr>
+            <p:ph idx="1"/>
+          </p:nvPr>
+        </p:nvSpPr>
+        <p:spPr>
+          <a:xfrm>
+            <a:off x="200025" y="1893745"/>
             <a:ext cx="11732646" cy="4678183"/>
           </a:xfrm>
         </p:spPr>
@@ -31411,18 +32831,6 @@
             </a:endParaRPr>
           </a:p>
           <a:p>
-            <a:pPr marL="0" indent="0" algn="ctr">
-              <a:buNone/>
-            </a:pPr>
-            <a:r>
-              <a:rPr lang="en-US" sz="2000" dirty="0">
-                <a:latin typeface="Arial" panose="020B0604020202020204" pitchFamily="34" charset="0"/>
-                <a:cs typeface="Arial" panose="020B0604020202020204" pitchFamily="34" charset="0"/>
-              </a:rPr>
-              <a:t>The modeling portion of this project was very exciting and fruitful. Having the opportunity to work with data for the proposed goal of stroke diagnosis and potentially improving health care was a rewarding experience.</a:t>
-            </a:r>
-          </a:p>
-          <a:p>
             <a:pPr marL="457200" indent="-457200">
               <a:buFont typeface="+mj-lt"/>
               <a:buAutoNum type="arabicPeriod"/>
@@ -31491,746 +32899,51 @@
           </a:extLst>
         </p:spPr>
       </p:pic>
-    </p:spTree>
-    <p:extLst>
-      <p:ext uri="{BB962C8B-B14F-4D97-AF65-F5344CB8AC3E}">
-        <p14:creationId xmlns:p14="http://schemas.microsoft.com/office/powerpoint/2010/main" val="1503378510"/>
-      </p:ext>
-    </p:extLst>
-  </p:cSld>
-  <p:clrMapOvr>
-    <a:masterClrMapping/>
-  </p:clrMapOvr>
-</p:sld>
-</file>
-
-<file path=ppt/slides/slide25.xml><?xml version="1.0" encoding="utf-8"?>
-<p:sld xmlns:a="http://schemas.openxmlformats.org/drawingml/2006/main" xmlns:r="http://schemas.openxmlformats.org/officeDocument/2006/relationships" xmlns:p="http://schemas.openxmlformats.org/presentationml/2006/main">
-  <p:cSld>
-    <p:bg>
-      <p:bgPr>
-        <a:solidFill>
-          <a:schemeClr val="bg1"/>
-        </a:solidFill>
-        <a:effectLst/>
-      </p:bgPr>
-    </p:bg>
-    <p:spTree>
-      <p:nvGrpSpPr>
-        <p:cNvPr id="1" name=""/>
-        <p:cNvGrpSpPr/>
-        <p:nvPr/>
-      </p:nvGrpSpPr>
-      <p:grpSpPr>
-        <a:xfrm>
-          <a:off x="0" y="0"/>
-          <a:ext cx="0" cy="0"/>
-          <a:chOff x="0" y="0"/>
-          <a:chExt cx="0" cy="0"/>
-        </a:xfrm>
-      </p:grpSpPr>
-      <p:sp useBgFill="1">
+      <p:sp>
         <p:nvSpPr>
-          <p:cNvPr id="9" name="Rectangle 8">
+          <p:cNvPr id="7" name="TextBox 6">
             <a:extLst>
               <a:ext uri="{FF2B5EF4-FFF2-40B4-BE49-F238E27FC236}">
-                <a16:creationId xmlns:a16="http://schemas.microsoft.com/office/drawing/2014/main" id="{1B15ED52-F352-441B-82BF-E0EA34836D08}"/>
-              </a:ext>
-              <a:ext uri="{C183D7F6-B498-43B3-948B-1728B52AA6E4}">
-                <adec:decorative xmlns:adec="http://schemas.microsoft.com/office/drawing/2017/decorative" val="1"/>
+                <a16:creationId xmlns:a16="http://schemas.microsoft.com/office/drawing/2014/main" id="{2A6F0340-D76B-AE52-E3BE-AB91213D4CF1}"/>
               </a:ext>
             </a:extLst>
           </p:cNvPr>
-          <p:cNvSpPr>
-            <a:spLocks noGrp="1" noRot="1" noChangeAspect="1" noMove="1" noResize="1" noEditPoints="1" noAdjustHandles="1" noChangeArrowheads="1" noChangeShapeType="1" noTextEdit="1"/>
-          </p:cNvSpPr>
-          <p:nvPr>
-            <p:extLst>
-              <p:ext uri="{386F3935-93C4-4BCD-93E2-E3B085C9AB24}">
-                <p16:designElem xmlns:p16="http://schemas.microsoft.com/office/powerpoint/2015/main" val="1"/>
-              </p:ext>
-            </p:extLst>
-          </p:nvPr>
+          <p:cNvSpPr txBox="1"/>
+          <p:nvPr/>
         </p:nvSpPr>
         <p:spPr>
           <a:xfrm>
-            <a:off x="0" y="0"/>
-            <a:ext cx="12192000" cy="6858000"/>
+            <a:off x="3271574" y="5302214"/>
+            <a:ext cx="6096000" cy="1200329"/>
           </a:xfrm>
           <a:prstGeom prst="rect">
             <a:avLst/>
           </a:prstGeom>
-          <a:ln w="12700" cap="flat" cmpd="sng" algn="ctr">
-            <a:noFill/>
-            <a:prstDash val="solid"/>
-            <a:miter lim="800000"/>
-          </a:ln>
-          <a:effectLst/>
-          <a:extLst>
-            <a:ext uri="{91240B29-F687-4F45-9708-019B960494DF}">
-              <a14:hiddenLine xmlns:a14="http://schemas.microsoft.com/office/drawing/2010/main" w="12700" cap="flat" cmpd="sng" algn="ctr">
-                <a:solidFill>
-                  <a:schemeClr val="accent1">
-                    <a:shade val="50000"/>
-                  </a:schemeClr>
-                </a:solidFill>
-                <a:prstDash val="solid"/>
-                <a:miter lim="800000"/>
-              </a14:hiddenLine>
-            </a:ext>
-          </a:extLst>
-        </p:spPr>
-        <p:style>
-          <a:lnRef idx="2">
-            <a:schemeClr val="accent1">
-              <a:shade val="50000"/>
-            </a:schemeClr>
-          </a:lnRef>
-          <a:fillRef idx="1">
-            <a:schemeClr val="accent1"/>
-          </a:fillRef>
-          <a:effectRef idx="0">
-            <a:schemeClr val="accent1"/>
-          </a:effectRef>
-          <a:fontRef idx="minor">
-            <a:schemeClr val="lt1"/>
-          </a:fontRef>
-        </p:style>
-        <p:txBody>
-          <a:bodyPr rtlCol="0" anchor="ctr"/>
-          <a:lstStyle/>
-          <a:p>
-            <a:pPr algn="ctr"/>
-            <a:endParaRPr lang="en-US"/>
-          </a:p>
-        </p:txBody>
-      </p:sp>
-      <p:sp>
-        <p:nvSpPr>
-          <p:cNvPr id="11" name="Rectangle 10">
-            <a:extLst>
-              <a:ext uri="{FF2B5EF4-FFF2-40B4-BE49-F238E27FC236}">
-                <a16:creationId xmlns:a16="http://schemas.microsoft.com/office/drawing/2014/main" id="{3B2E3793-BFE6-45A2-9B7B-E18844431C99}"/>
-              </a:ext>
-              <a:ext uri="{C183D7F6-B498-43B3-948B-1728B52AA6E4}">
-                <adec:decorative xmlns:adec="http://schemas.microsoft.com/office/drawing/2017/decorative" val="1"/>
-              </a:ext>
-            </a:extLst>
-          </p:cNvPr>
-          <p:cNvSpPr>
-            <a:spLocks noGrp="1" noRot="1" noChangeAspect="1" noMove="1" noResize="1" noEditPoints="1" noAdjustHandles="1" noChangeArrowheads="1" noChangeShapeType="1" noTextEdit="1"/>
-          </p:cNvSpPr>
-          <p:nvPr>
-            <p:extLst>
-              <p:ext uri="{386F3935-93C4-4BCD-93E2-E3B085C9AB24}">
-                <p16:designElem xmlns:p16="http://schemas.microsoft.com/office/powerpoint/2015/main" val="1"/>
-              </p:ext>
-            </p:extLst>
-          </p:nvPr>
-        </p:nvSpPr>
-        <p:spPr>
-          <a:xfrm flipH="1">
-            <a:off x="-1" y="-1"/>
-            <a:ext cx="12191998" cy="1590742"/>
-          </a:xfrm>
-          <a:prstGeom prst="rect">
-            <a:avLst/>
-          </a:prstGeom>
-          <a:gradFill>
-            <a:gsLst>
-              <a:gs pos="0">
-                <a:srgbClr val="000000"/>
-              </a:gs>
-              <a:gs pos="100000">
-                <a:schemeClr val="accent1">
-                  <a:lumMod val="75000"/>
-                </a:schemeClr>
-              </a:gs>
-            </a:gsLst>
-            <a:lin ang="8400000" scaled="0"/>
-          </a:gradFill>
-          <a:ln>
-            <a:noFill/>
-          </a:ln>
-        </p:spPr>
-        <p:style>
-          <a:lnRef idx="2">
-            <a:schemeClr val="accent1">
-              <a:shade val="50000"/>
-            </a:schemeClr>
-          </a:lnRef>
-          <a:fillRef idx="1">
-            <a:schemeClr val="accent1"/>
-          </a:fillRef>
-          <a:effectRef idx="0">
-            <a:schemeClr val="accent1"/>
-          </a:effectRef>
-          <a:fontRef idx="minor">
-            <a:schemeClr val="lt1"/>
-          </a:fontRef>
-        </p:style>
-        <p:txBody>
-          <a:bodyPr rtlCol="0" anchor="ctr"/>
-          <a:lstStyle/>
-          <a:p>
-            <a:pPr algn="ctr"/>
-            <a:endParaRPr lang="en-US"/>
-          </a:p>
-        </p:txBody>
-      </p:sp>
-      <p:sp>
-        <p:nvSpPr>
-          <p:cNvPr id="13" name="Rectangle 12">
-            <a:extLst>
-              <a:ext uri="{FF2B5EF4-FFF2-40B4-BE49-F238E27FC236}">
-                <a16:creationId xmlns:a16="http://schemas.microsoft.com/office/drawing/2014/main" id="{BC4C4868-CB8F-4AF9-9CDB-8108F2C19B67}"/>
-              </a:ext>
-              <a:ext uri="{C183D7F6-B498-43B3-948B-1728B52AA6E4}">
-                <adec:decorative xmlns:adec="http://schemas.microsoft.com/office/drawing/2017/decorative" val="1"/>
-              </a:ext>
-            </a:extLst>
-          </p:cNvPr>
-          <p:cNvSpPr>
-            <a:spLocks noGrp="1" noRot="1" noChangeAspect="1" noMove="1" noResize="1" noEditPoints="1" noAdjustHandles="1" noChangeArrowheads="1" noChangeShapeType="1" noTextEdit="1"/>
-          </p:cNvSpPr>
-          <p:nvPr>
-            <p:extLst>
-              <p:ext uri="{386F3935-93C4-4BCD-93E2-E3B085C9AB24}">
-                <p16:designElem xmlns:p16="http://schemas.microsoft.com/office/powerpoint/2015/main" val="1"/>
-              </p:ext>
-            </p:extLst>
-          </p:nvPr>
-        </p:nvSpPr>
-        <p:spPr>
-          <a:xfrm rot="10800000" flipH="1">
-            <a:off x="-3" y="0"/>
-            <a:ext cx="8115306" cy="1590742"/>
-          </a:xfrm>
-          <a:prstGeom prst="rect">
-            <a:avLst/>
-          </a:prstGeom>
-          <a:gradFill>
-            <a:gsLst>
-              <a:gs pos="20000">
-                <a:schemeClr val="accent1">
-                  <a:alpha val="0"/>
-                </a:schemeClr>
-              </a:gs>
-              <a:gs pos="100000">
-                <a:schemeClr val="accent1">
-                  <a:lumMod val="50000"/>
-                  <a:alpha val="55000"/>
-                </a:schemeClr>
-              </a:gs>
-            </a:gsLst>
-            <a:lin ang="13800000" scaled="0"/>
-          </a:gradFill>
-          <a:ln>
-            <a:noFill/>
-          </a:ln>
-        </p:spPr>
-        <p:style>
-          <a:lnRef idx="2">
-            <a:schemeClr val="accent1">
-              <a:shade val="50000"/>
-            </a:schemeClr>
-          </a:lnRef>
-          <a:fillRef idx="1">
-            <a:schemeClr val="accent1"/>
-          </a:fillRef>
-          <a:effectRef idx="0">
-            <a:schemeClr val="accent1"/>
-          </a:effectRef>
-          <a:fontRef idx="minor">
-            <a:schemeClr val="lt1"/>
-          </a:fontRef>
-        </p:style>
-        <p:txBody>
-          <a:bodyPr rtlCol="0" anchor="ctr"/>
-          <a:lstStyle/>
-          <a:p>
-            <a:pPr algn="ctr"/>
-            <a:endParaRPr lang="en-US"/>
-          </a:p>
-        </p:txBody>
-      </p:sp>
-      <p:sp>
-        <p:nvSpPr>
-          <p:cNvPr id="15" name="Rectangle 14">
-            <a:extLst>
-              <a:ext uri="{FF2B5EF4-FFF2-40B4-BE49-F238E27FC236}">
-                <a16:creationId xmlns:a16="http://schemas.microsoft.com/office/drawing/2014/main" id="{375E0459-6403-40CD-989D-56A4407CA12E}"/>
-              </a:ext>
-              <a:ext uri="{C183D7F6-B498-43B3-948B-1728B52AA6E4}">
-                <adec:decorative xmlns:adec="http://schemas.microsoft.com/office/drawing/2017/decorative" val="1"/>
-              </a:ext>
-            </a:extLst>
-          </p:cNvPr>
-          <p:cNvSpPr>
-            <a:spLocks noGrp="1" noRot="1" noChangeAspect="1" noMove="1" noResize="1" noEditPoints="1" noAdjustHandles="1" noChangeArrowheads="1" noChangeShapeType="1" noTextEdit="1"/>
-          </p:cNvSpPr>
-          <p:nvPr>
-            <p:extLst>
-              <p:ext uri="{386F3935-93C4-4BCD-93E2-E3B085C9AB24}">
-                <p16:designElem xmlns:p16="http://schemas.microsoft.com/office/powerpoint/2015/main" val="1"/>
-              </p:ext>
-            </p:extLst>
-          </p:nvPr>
-        </p:nvSpPr>
-        <p:spPr>
-          <a:xfrm flipH="1">
-            <a:off x="8115299" y="-1"/>
-            <a:ext cx="4076698" cy="1590742"/>
-          </a:xfrm>
-          <a:prstGeom prst="rect">
-            <a:avLst/>
-          </a:prstGeom>
-          <a:gradFill>
-            <a:gsLst>
-              <a:gs pos="0">
-                <a:schemeClr val="accent1">
-                  <a:alpha val="66000"/>
-                </a:schemeClr>
-              </a:gs>
-              <a:gs pos="100000">
-                <a:srgbClr val="000000">
-                  <a:alpha val="30000"/>
-                </a:srgbClr>
-              </a:gs>
-            </a:gsLst>
-            <a:lin ang="13200000" scaled="0"/>
-          </a:gradFill>
-          <a:ln>
-            <a:noFill/>
-          </a:ln>
-        </p:spPr>
-        <p:style>
-          <a:lnRef idx="2">
-            <a:schemeClr val="accent1">
-              <a:shade val="50000"/>
-            </a:schemeClr>
-          </a:lnRef>
-          <a:fillRef idx="1">
-            <a:schemeClr val="accent1"/>
-          </a:fillRef>
-          <a:effectRef idx="0">
-            <a:schemeClr val="accent1"/>
-          </a:effectRef>
-          <a:fontRef idx="minor">
-            <a:schemeClr val="lt1"/>
-          </a:fontRef>
-        </p:style>
-        <p:txBody>
-          <a:bodyPr rtlCol="0" anchor="ctr"/>
-          <a:lstStyle/>
-          <a:p>
-            <a:pPr algn="ctr"/>
-            <a:endParaRPr lang="en-US"/>
-          </a:p>
-        </p:txBody>
-      </p:sp>
-      <p:sp>
-        <p:nvSpPr>
-          <p:cNvPr id="17" name="Rectangle 16">
-            <a:extLst>
-              <a:ext uri="{FF2B5EF4-FFF2-40B4-BE49-F238E27FC236}">
-                <a16:creationId xmlns:a16="http://schemas.microsoft.com/office/drawing/2014/main" id="{53E5B1A8-3AC9-4BD1-9BBC-78CA94F2D1BA}"/>
-              </a:ext>
-              <a:ext uri="{C183D7F6-B498-43B3-948B-1728B52AA6E4}">
-                <adec:decorative xmlns:adec="http://schemas.microsoft.com/office/drawing/2017/decorative" val="1"/>
-              </a:ext>
-            </a:extLst>
-          </p:cNvPr>
-          <p:cNvSpPr>
-            <a:spLocks noGrp="1" noRot="1" noChangeAspect="1" noMove="1" noResize="1" noEditPoints="1" noAdjustHandles="1" noChangeArrowheads="1" noChangeShapeType="1" noTextEdit="1"/>
-          </p:cNvSpPr>
-          <p:nvPr>
-            <p:extLst>
-              <p:ext uri="{386F3935-93C4-4BCD-93E2-E3B085C9AB24}">
-                <p16:designElem xmlns:p16="http://schemas.microsoft.com/office/powerpoint/2015/main" val="1"/>
-              </p:ext>
-            </p:extLst>
-          </p:nvPr>
-        </p:nvSpPr>
-        <p:spPr>
-          <a:xfrm>
-            <a:off x="459350" y="-1"/>
-            <a:ext cx="11732646" cy="1597433"/>
-          </a:xfrm>
-          <a:prstGeom prst="rect">
-            <a:avLst/>
-          </a:prstGeom>
-          <a:gradFill>
-            <a:gsLst>
-              <a:gs pos="50000">
-                <a:srgbClr val="000000">
-                  <a:alpha val="0"/>
-                </a:srgbClr>
-              </a:gs>
-              <a:gs pos="99000">
-                <a:schemeClr val="accent1">
-                  <a:lumMod val="50000"/>
-                  <a:alpha val="52000"/>
-                </a:schemeClr>
-              </a:gs>
-            </a:gsLst>
-            <a:lin ang="16800000" scaled="0"/>
-          </a:gradFill>
-          <a:ln>
-            <a:noFill/>
-          </a:ln>
-        </p:spPr>
-        <p:style>
-          <a:lnRef idx="2">
-            <a:schemeClr val="accent1">
-              <a:shade val="50000"/>
-            </a:schemeClr>
-          </a:lnRef>
-          <a:fillRef idx="1">
-            <a:schemeClr val="accent1"/>
-          </a:fillRef>
-          <a:effectRef idx="0">
-            <a:schemeClr val="accent1"/>
-          </a:effectRef>
-          <a:fontRef idx="minor">
-            <a:schemeClr val="lt1"/>
-          </a:fontRef>
-        </p:style>
-        <p:txBody>
-          <a:bodyPr rtlCol="0" anchor="ctr"/>
-          <a:lstStyle/>
-          <a:p>
-            <a:pPr algn="ctr"/>
-            <a:endParaRPr lang="en-US"/>
-          </a:p>
-        </p:txBody>
-      </p:sp>
-      <p:sp>
-        <p:nvSpPr>
-          <p:cNvPr id="2" name="Title 1">
-            <a:extLst>
-              <a:ext uri="{FF2B5EF4-FFF2-40B4-BE49-F238E27FC236}">
-                <a16:creationId xmlns:a16="http://schemas.microsoft.com/office/drawing/2014/main" id="{8CF4E6AF-E04E-D501-6DC9-CFC049B81EC8}"/>
-              </a:ext>
-            </a:extLst>
-          </p:cNvPr>
-          <p:cNvSpPr>
-            <a:spLocks noGrp="1"/>
-          </p:cNvSpPr>
-          <p:nvPr>
-            <p:ph type="title"/>
-          </p:nvPr>
-        </p:nvSpPr>
-        <p:spPr>
-          <a:xfrm>
-            <a:off x="1371599" y="294538"/>
-            <a:ext cx="9895951" cy="1033669"/>
-          </a:xfrm>
+          <a:noFill/>
         </p:spPr>
         <p:txBody>
-          <a:bodyPr>
-            <a:normAutofit/>
+          <a:bodyPr wrap="square">
+            <a:spAutoFit/>
           </a:bodyPr>
           <a:lstStyle/>
           <a:p>
-            <a:r>
-              <a:rPr lang="en-US" sz="4000" dirty="0">
-                <a:solidFill>
-                  <a:srgbClr val="FFFFFF"/>
-                </a:solidFill>
-                <a:latin typeface="Arial" panose="020B0604020202020204" pitchFamily="34" charset="0"/>
-                <a:cs typeface="Arial" panose="020B0604020202020204" pitchFamily="34" charset="0"/>
-              </a:rPr>
-              <a:t>If I had more time, what next?</a:t>
-            </a:r>
-          </a:p>
-        </p:txBody>
-      </p:sp>
-      <p:sp>
-        <p:nvSpPr>
-          <p:cNvPr id="3" name="Content Placeholder 2">
-            <a:extLst>
-              <a:ext uri="{FF2B5EF4-FFF2-40B4-BE49-F238E27FC236}">
-                <a16:creationId xmlns:a16="http://schemas.microsoft.com/office/drawing/2014/main" id="{88235CDE-7A21-4B75-C951-3F008AFBAE11}"/>
-              </a:ext>
-            </a:extLst>
-          </p:cNvPr>
-          <p:cNvSpPr>
-            <a:spLocks noGrp="1"/>
-          </p:cNvSpPr>
-          <p:nvPr>
-            <p:ph idx="1"/>
-          </p:nvPr>
-        </p:nvSpPr>
-        <p:spPr>
-          <a:xfrm>
-            <a:off x="200025" y="1622746"/>
-            <a:ext cx="11732646" cy="4846148"/>
-          </a:xfrm>
-        </p:spPr>
-        <p:txBody>
-          <a:bodyPr anchor="t">
-            <a:normAutofit fontScale="85000" lnSpcReduction="20000"/>
-          </a:bodyPr>
-          <a:lstStyle/>
-          <a:p>
             <a:pPr marL="0" indent="0" algn="ctr">
-              <a:lnSpc>
-                <a:spcPct val="110000"/>
-              </a:lnSpc>
               <a:buNone/>
             </a:pPr>
-            <a:r>
-              <a:rPr lang="en-US" sz="2000" dirty="0">
-                <a:latin typeface="Arial" panose="020B0604020202020204" pitchFamily="34" charset="0"/>
-                <a:cs typeface="Arial" panose="020B0604020202020204" pitchFamily="34" charset="0"/>
-              </a:rPr>
-              <a:t>Because the experimentation and machine learning optimization for classification problems portions of this assignment can be a cyclic process of repeated improving and tweaking, there are many steps that I have yet to explore due to the project time constraint.</a:t>
-            </a:r>
-          </a:p>
-          <a:p>
-            <a:pPr marL="457200" indent="-457200">
-              <a:lnSpc>
-                <a:spcPct val="110000"/>
-              </a:lnSpc>
-              <a:buFont typeface="+mj-lt"/>
-              <a:buAutoNum type="arabicPeriod"/>
-            </a:pPr>
-            <a:endParaRPr lang="en-US" sz="2000" dirty="0">
-              <a:latin typeface="Arial" panose="020B0604020202020204" pitchFamily="34" charset="0"/>
-              <a:cs typeface="Arial" panose="020B0604020202020204" pitchFamily="34" charset="0"/>
-            </a:endParaRPr>
-          </a:p>
-          <a:p>
-            <a:pPr marL="457200" indent="-457200">
-              <a:lnSpc>
-                <a:spcPct val="110000"/>
-              </a:lnSpc>
-              <a:buFont typeface="+mj-lt"/>
-              <a:buAutoNum type="arabicPeriod"/>
-            </a:pPr>
-            <a:r>
-              <a:rPr lang="en-US" sz="2000" dirty="0">
-                <a:latin typeface="Arial" panose="020B0604020202020204" pitchFamily="34" charset="0"/>
-                <a:cs typeface="Arial" panose="020B0604020202020204" pitchFamily="34" charset="0"/>
-              </a:rPr>
-              <a:t>Optimize the model further with a broader range of values for Grid Search to optimize these three models first, then potentially include the other models, as well as models that were not included in the list. </a:t>
-            </a:r>
-          </a:p>
-          <a:p>
-            <a:pPr marL="914400" lvl="1" indent="-457200">
-              <a:lnSpc>
-                <a:spcPct val="110000"/>
-              </a:lnSpc>
-              <a:buFont typeface="+mj-lt"/>
-              <a:buAutoNum type="romanUcPeriod"/>
-            </a:pPr>
-            <a:r>
-              <a:rPr lang="en-US" sz="1600" dirty="0">
-                <a:latin typeface="Arial" panose="020B0604020202020204" pitchFamily="34" charset="0"/>
-                <a:cs typeface="Arial" panose="020B0604020202020204" pitchFamily="34" charset="0"/>
-              </a:rPr>
-              <a:t>With the way this notebook is structured, it will be simple to go back and experiment with other choices (changing the way the unbalanced classes are handled and/or removing columns that are deemed irrelevant).</a:t>
-            </a:r>
-          </a:p>
-          <a:p>
-            <a:pPr marL="914400" lvl="1" indent="-457200">
-              <a:lnSpc>
-                <a:spcPct val="110000"/>
-              </a:lnSpc>
-              <a:buFont typeface="+mj-lt"/>
-              <a:buAutoNum type="romanUcPeriod"/>
-            </a:pPr>
-            <a:r>
-              <a:rPr lang="en-US" sz="1600" dirty="0">
-                <a:latin typeface="Arial" panose="020B0604020202020204" pitchFamily="34" charset="0"/>
-                <a:cs typeface="Arial" panose="020B0604020202020204" pitchFamily="34" charset="0"/>
-              </a:rPr>
-              <a:t>Consider even including new features (such as Race/Ethnicity or Family history) either through changing collection methods or feature engineering: </a:t>
-            </a:r>
-            <a:r>
-              <a:rPr lang="en-US" sz="1600" dirty="0" err="1">
-                <a:latin typeface="Arial" panose="020B0604020202020204" pitchFamily="34" charset="0"/>
-                <a:cs typeface="Arial" panose="020B0604020202020204" pitchFamily="34" charset="0"/>
-              </a:rPr>
-              <a:t>ie</a:t>
-            </a:r>
-            <a:r>
-              <a:rPr lang="en-US" sz="1600" dirty="0">
-                <a:latin typeface="Arial" panose="020B0604020202020204" pitchFamily="34" charset="0"/>
-                <a:cs typeface="Arial" panose="020B0604020202020204" pitchFamily="34" charset="0"/>
-              </a:rPr>
-              <a:t>. Considering that </a:t>
-            </a:r>
-            <a:r>
-              <a:rPr lang="en-US" sz="1600" dirty="0" err="1">
-                <a:latin typeface="Arial" panose="020B0604020202020204" pitchFamily="34" charset="0"/>
-                <a:cs typeface="Arial" panose="020B0604020202020204" pitchFamily="34" charset="0"/>
-              </a:rPr>
-              <a:t>Type_Of_Work</a:t>
-            </a:r>
-            <a:r>
-              <a:rPr lang="en-US" sz="1600" dirty="0">
-                <a:latin typeface="Arial" panose="020B0604020202020204" pitchFamily="34" charset="0"/>
-                <a:cs typeface="Arial" panose="020B0604020202020204" pitchFamily="34" charset="0"/>
-              </a:rPr>
-              <a:t> might be a variable that measure one modality of stress and use that information to either create a new feature or design a feature through merging multiple correlated columns.</a:t>
-            </a:r>
-          </a:p>
-          <a:p>
-            <a:pPr marL="914400" lvl="1" indent="-457200">
-              <a:lnSpc>
-                <a:spcPct val="110000"/>
-              </a:lnSpc>
-              <a:buFont typeface="+mj-lt"/>
-              <a:buAutoNum type="romanUcPeriod"/>
-            </a:pPr>
-            <a:r>
-              <a:rPr lang="en-US" sz="1600" dirty="0">
-                <a:latin typeface="Arial" panose="020B0604020202020204" pitchFamily="34" charset="0"/>
-                <a:cs typeface="Arial" panose="020B0604020202020204" pitchFamily="34" charset="0"/>
-              </a:rPr>
-              <a:t>I</a:t>
-            </a:r>
             <a:r>
               <a:rPr lang="en-US" sz="1800" dirty="0">
                 <a:latin typeface="Arial" panose="020B0604020202020204" pitchFamily="34" charset="0"/>
                 <a:cs typeface="Arial" panose="020B0604020202020204" pitchFamily="34" charset="0"/>
               </a:rPr>
-              <a:t>n order to more accurately capture the distribution of class data it might be also important to optimize the model on the imbalanced class data (original) and emphasize the </a:t>
+              <a:t>The modeling portion of this project was very exciting and fruitful. Having the opportunity to work with data for the proposed goal of stroke diagnosis and potentially improving health care was a rewarding experience.</a:t>
             </a:r>
-            <a:r>
-              <a:rPr lang="en-US" sz="1800" dirty="0" err="1">
-                <a:latin typeface="Arial" panose="020B0604020202020204" pitchFamily="34" charset="0"/>
-                <a:cs typeface="Arial" panose="020B0604020202020204" pitchFamily="34" charset="0"/>
-              </a:rPr>
-              <a:t>class_weights</a:t>
-            </a:r>
-            <a:r>
-              <a:rPr lang="en-US" sz="1800" dirty="0">
-                <a:latin typeface="Arial" panose="020B0604020202020204" pitchFamily="34" charset="0"/>
-                <a:cs typeface="Arial" panose="020B0604020202020204" pitchFamily="34" charset="0"/>
-              </a:rPr>
-              <a:t> parameter for each model, since this more accurately resembles the real-world situation.</a:t>
-            </a:r>
-            <a:endParaRPr lang="en-US" sz="1800" b="1" dirty="0"/>
-          </a:p>
-          <a:p>
-            <a:pPr marL="914400" lvl="1" indent="-457200">
-              <a:lnSpc>
-                <a:spcPct val="110000"/>
-              </a:lnSpc>
-              <a:buFont typeface="+mj-lt"/>
-              <a:buAutoNum type="romanUcPeriod"/>
-            </a:pPr>
-            <a:endParaRPr lang="en-US" sz="1600" dirty="0">
-              <a:latin typeface="Arial" panose="020B0604020202020204" pitchFamily="34" charset="0"/>
-              <a:cs typeface="Arial" panose="020B0604020202020204" pitchFamily="34" charset="0"/>
-            </a:endParaRPr>
-          </a:p>
-          <a:p>
-            <a:pPr marL="457200" indent="-457200">
-              <a:lnSpc>
-                <a:spcPct val="110000"/>
-              </a:lnSpc>
-              <a:buFont typeface="+mj-lt"/>
-              <a:buAutoNum type="arabicPeriod"/>
-            </a:pPr>
-            <a:r>
-              <a:rPr lang="en-US" sz="2000" dirty="0">
-                <a:latin typeface="Arial" panose="020B0604020202020204" pitchFamily="34" charset="0"/>
-                <a:cs typeface="Arial" panose="020B0604020202020204" pitchFamily="34" charset="0"/>
-              </a:rPr>
-              <a:t>After optimizing the model further using the proposed methods, and perhaps after discussion with experts / client, it would be great to deploy this model using a web application framework such as Flask or Django or even in Shiny to make this model more accessible for hospital use during stroke treatment recommendation for patients.</a:t>
-            </a:r>
-          </a:p>
-          <a:p>
-            <a:pPr marL="457200" indent="-457200">
-              <a:lnSpc>
-                <a:spcPct val="110000"/>
-              </a:lnSpc>
-              <a:buFont typeface="+mj-lt"/>
-              <a:buAutoNum type="arabicPeriod"/>
-            </a:pPr>
-            <a:endParaRPr lang="en-US" sz="2000" dirty="0">
-              <a:latin typeface="Arial" panose="020B0604020202020204" pitchFamily="34" charset="0"/>
-              <a:cs typeface="Arial" panose="020B0604020202020204" pitchFamily="34" charset="0"/>
-            </a:endParaRPr>
-          </a:p>
-          <a:p>
-            <a:pPr marL="0" indent="0">
-              <a:lnSpc>
-                <a:spcPct val="110000"/>
-              </a:lnSpc>
-              <a:buNone/>
-            </a:pPr>
-            <a:endParaRPr lang="en-US" sz="2000" dirty="0">
-              <a:latin typeface="Arial" panose="020B0604020202020204" pitchFamily="34" charset="0"/>
-              <a:cs typeface="Arial" panose="020B0604020202020204" pitchFamily="34" charset="0"/>
-            </a:endParaRPr>
-          </a:p>
-          <a:p>
-            <a:pPr marL="457200" indent="-457200">
-              <a:lnSpc>
-                <a:spcPct val="110000"/>
-              </a:lnSpc>
-              <a:buFont typeface="+mj-lt"/>
-              <a:buAutoNum type="arabicPeriod"/>
-            </a:pPr>
-            <a:endParaRPr lang="en-US" sz="2000" dirty="0">
-              <a:latin typeface="Arial" panose="020B0604020202020204" pitchFamily="34" charset="0"/>
-              <a:cs typeface="Arial" panose="020B0604020202020204" pitchFamily="34" charset="0"/>
-            </a:endParaRPr>
-          </a:p>
-          <a:p>
-            <a:pPr marL="457200" indent="-457200">
-              <a:lnSpc>
-                <a:spcPct val="110000"/>
-              </a:lnSpc>
-              <a:buFont typeface="+mj-lt"/>
-              <a:buAutoNum type="arabicPeriod"/>
-            </a:pPr>
-            <a:endParaRPr lang="en-US" sz="2000" dirty="0">
-              <a:latin typeface="Arial" panose="020B0604020202020204" pitchFamily="34" charset="0"/>
-              <a:cs typeface="Arial" panose="020B0604020202020204" pitchFamily="34" charset="0"/>
-            </a:endParaRPr>
           </a:p>
         </p:txBody>
       </p:sp>
-      <p:pic>
-        <p:nvPicPr>
-          <p:cNvPr id="4" name="Picture 3">
-            <a:extLst>
-              <a:ext uri="{FF2B5EF4-FFF2-40B4-BE49-F238E27FC236}">
-                <a16:creationId xmlns:a16="http://schemas.microsoft.com/office/drawing/2014/main" id="{DDB6B6CA-45BB-3708-5A1C-CD4ABC62C71B}"/>
-              </a:ext>
-            </a:extLst>
-          </p:cNvPr>
-          <p:cNvPicPr>
-            <a:picLocks noChangeAspect="1"/>
-          </p:cNvPicPr>
-          <p:nvPr/>
-        </p:nvPicPr>
-        <p:blipFill>
-          <a:blip r:embed="rId2"/>
-          <a:stretch>
-            <a:fillRect/>
-          </a:stretch>
-        </p:blipFill>
-        <p:spPr>
-          <a:xfrm>
-            <a:off x="10469563" y="5950382"/>
-            <a:ext cx="1693861" cy="879042"/>
-          </a:xfrm>
-          <a:prstGeom prst="rect">
-            <a:avLst/>
-          </a:prstGeom>
-        </p:spPr>
-      </p:pic>
     </p:spTree>
     <p:extLst>
       <p:ext uri="{BB962C8B-B14F-4D97-AF65-F5344CB8AC3E}">
-        <p14:creationId xmlns:p14="http://schemas.microsoft.com/office/powerpoint/2010/main" val="1188377158"/>
+        <p14:creationId xmlns:p14="http://schemas.microsoft.com/office/powerpoint/2010/main" val="1503378510"/>
       </p:ext>
     </p:extLst>
   </p:cSld>
@@ -35586,7 +36299,7 @@
                 <a:latin typeface="Arial" panose="020B0604020202020204" pitchFamily="34" charset="0"/>
                 <a:cs typeface="Arial" panose="020B0604020202020204" pitchFamily="34" charset="0"/>
               </a:rPr>
-              <a:t>Build an estimator that will predict the the positivity of stroke diagnosis in patients with various biometrics data recorded. </a:t>
+              <a:t>Build an estimator that will predict the the positivity of stroke diagnosis in patients with various biometrics data recorded. Advancing technologies into more targeted treatments for stroke patients.</a:t>
             </a:r>
           </a:p>
           <a:p>
@@ -36620,7 +37333,7 @@
                 <a:latin typeface="Arial" panose="020B0604020202020204" pitchFamily="34" charset="0"/>
                 <a:cs typeface="Arial" panose="020B0604020202020204" pitchFamily="34" charset="0"/>
               </a:rPr>
-              <a:t>– An early diagnosis of stroke, or even a preventative treatment, for patients that might have stroke later is a unparalleled countermeasure, since the cognitive and systemic due to its incidence might have long-lasting consequences</a:t>
+              <a:t>– Every year around 800,000 people experience a stroke in the U.S. Therefore, an early diagnosis of stroke, or even a preventative treatment, for patients that might be at higher risk for stroke, is an unparalleled countermeasure, since the cognitive and systemic effects due to stroke might have long-lasting consequences</a:t>
             </a:r>
             <a:endParaRPr lang="en-US" sz="1800" b="1" dirty="0">
               <a:latin typeface="Arial" panose="020B0604020202020204" pitchFamily="34" charset="0"/>
@@ -36700,6 +37413,11 @@
           </p:cNvGraphicFramePr>
           <p:nvPr>
             <p:ph idx="1"/>
+            <p:extLst>
+              <p:ext uri="{D42A27DB-BD31-4B8C-83A1-F6EECF244321}">
+                <p14:modId xmlns:p14="http://schemas.microsoft.com/office/powerpoint/2010/main" val="2691161367"/>
+              </p:ext>
+            </p:extLst>
           </p:nvPr>
         </p:nvGraphicFramePr>
         <p:xfrm>
@@ -38471,8 +39189,8 @@
         </p:nvSpPr>
         <p:spPr>
           <a:xfrm>
-            <a:off x="7901959" y="5229308"/>
-            <a:ext cx="2567604" cy="1384995"/>
+            <a:off x="6028266" y="5610119"/>
+            <a:ext cx="4441296" cy="1061829"/>
           </a:xfrm>
           <a:prstGeom prst="rect">
             <a:avLst/>
@@ -38598,7 +39316,7 @@
         </p:nvSpPr>
         <p:spPr>
           <a:xfrm>
-            <a:off x="8485314" y="3991147"/>
+            <a:off x="6842769" y="4055432"/>
             <a:ext cx="4325429" cy="253916"/>
           </a:xfrm>
           <a:prstGeom prst="rect">
@@ -38635,6 +39353,13 @@
                 <a:cs typeface="Arial" panose="020B0604020202020204" pitchFamily="34" charset="0"/>
               </a:rPr>
               <a:t>dataframe</a:t>
+            </a:r>
+            <a:r>
+              <a:rPr lang="en-US" sz="1050" dirty="0">
+                <a:latin typeface="Arial" panose="020B0604020202020204" pitchFamily="34" charset="0"/>
+                <a:cs typeface="Arial" panose="020B0604020202020204" pitchFamily="34" charset="0"/>
+              </a:rPr>
+              <a:t>.</a:t>
             </a:r>
             <a:endParaRPr lang="en-US" sz="1050" b="1" dirty="0">
               <a:latin typeface="Arial" panose="020B0604020202020204" pitchFamily="34" charset="0"/>
@@ -40203,8 +40928,8 @@
         </p:nvSpPr>
         <p:spPr>
           <a:xfrm>
-            <a:off x="4905077" y="489597"/>
-            <a:ext cx="4796430" cy="5874313"/>
+            <a:off x="4900017" y="489597"/>
+            <a:ext cx="4743151" cy="5874313"/>
           </a:xfrm>
           <a:prstGeom prst="rect">
             <a:avLst/>
@@ -40246,7 +40971,7 @@
     </p:spTree>
     <p:extLst>
       <p:ext uri="{BB962C8B-B14F-4D97-AF65-F5344CB8AC3E}">
-        <p14:creationId xmlns:p14="http://schemas.microsoft.com/office/powerpoint/2010/main" val="3326238340"/>
+        <p14:creationId xmlns:p14="http://schemas.microsoft.com/office/powerpoint/2010/main" val="1517172349"/>
       </p:ext>
     </p:extLst>
   </p:cSld>
@@ -40716,8 +41441,8 @@
         </p:nvSpPr>
         <p:spPr>
           <a:xfrm>
-            <a:off x="5564350" y="2171228"/>
-            <a:ext cx="6059372" cy="2327100"/>
+            <a:off x="5564350" y="1885279"/>
+            <a:ext cx="6059372" cy="2613049"/>
           </a:xfrm>
         </p:spPr>
         <p:txBody>
@@ -40727,24 +41452,41 @@
           <a:lstStyle/>
           <a:p>
             <a:pPr marL="0" indent="0">
+              <a:lnSpc>
+                <a:spcPct val="110000"/>
+              </a:lnSpc>
               <a:buNone/>
             </a:pPr>
             <a:r>
-              <a:rPr lang="en-US" sz="2000" dirty="0">
+              <a:rPr lang="en-US" sz="1800" dirty="0">
                 <a:latin typeface="Arial" panose="020B0604020202020204" pitchFamily="34" charset="0"/>
                 <a:cs typeface="Arial" panose="020B0604020202020204" pitchFamily="34" charset="0"/>
               </a:rPr>
-              <a:t>Looking at this count plot of each of the features, I noticed something slightly off about the ‘</a:t>
+              <a:t>Looking at this count plot (</a:t>
             </a:r>
             <a:r>
-              <a:rPr lang="en-US" sz="2000" dirty="0" err="1">
+              <a:rPr lang="en-US" sz="1800" b="1" dirty="0">
+                <a:latin typeface="Arial" panose="020B0604020202020204" pitchFamily="34" charset="0"/>
+                <a:cs typeface="Arial" panose="020B0604020202020204" pitchFamily="34" charset="0"/>
+              </a:rPr>
+              <a:t>Fig.</a:t>
+            </a:r>
+            <a:r>
+              <a:rPr lang="en-US" sz="1800" dirty="0">
+                <a:latin typeface="Arial" panose="020B0604020202020204" pitchFamily="34" charset="0"/>
+                <a:cs typeface="Arial" panose="020B0604020202020204" pitchFamily="34" charset="0"/>
+              </a:rPr>
+              <a:t>4) of each of the features, I noticed something slightly off about the ‘</a:t>
+            </a:r>
+            <a:r>
+              <a:rPr lang="en-US" sz="1800" dirty="0" err="1">
                 <a:latin typeface="Arial" panose="020B0604020202020204" pitchFamily="34" charset="0"/>
                 <a:cs typeface="Arial" panose="020B0604020202020204" pitchFamily="34" charset="0"/>
               </a:rPr>
               <a:t>Age_In_Days</a:t>
             </a:r>
             <a:r>
-              <a:rPr lang="en-US" sz="2000" dirty="0">
+              <a:rPr lang="en-US" sz="1800" dirty="0">
                 <a:latin typeface="Arial" panose="020B0604020202020204" pitchFamily="34" charset="0"/>
                 <a:cs typeface="Arial" panose="020B0604020202020204" pitchFamily="34" charset="0"/>
               </a:rPr>
@@ -40753,38 +41495,41 @@
           </a:p>
           <a:p>
             <a:pPr marL="0" indent="0">
+              <a:lnSpc>
+                <a:spcPct val="110000"/>
+              </a:lnSpc>
               <a:buNone/>
             </a:pPr>
             <a:r>
-              <a:rPr lang="en-US" sz="2000" dirty="0">
+              <a:rPr lang="en-US" sz="1800" dirty="0">
                 <a:latin typeface="Arial" panose="020B0604020202020204" pitchFamily="34" charset="0"/>
                 <a:cs typeface="Arial" panose="020B0604020202020204" pitchFamily="34" charset="0"/>
               </a:rPr>
               <a:t>The average Age of the patients in this sample is 41.9 years, however the max age is </a:t>
             </a:r>
             <a:r>
-              <a:rPr lang="en-US" sz="2000" b="1" dirty="0">
+              <a:rPr lang="en-US" sz="1800" b="1" dirty="0">
                 <a:latin typeface="Arial" panose="020B0604020202020204" pitchFamily="34" charset="0"/>
                 <a:cs typeface="Arial" panose="020B0604020202020204" pitchFamily="34" charset="0"/>
               </a:rPr>
               <a:t>724</a:t>
             </a:r>
             <a:r>
-              <a:rPr lang="en-US" sz="2000" dirty="0">
+              <a:rPr lang="en-US" sz="1800" dirty="0">
                 <a:latin typeface="Arial" panose="020B0604020202020204" pitchFamily="34" charset="0"/>
                 <a:cs typeface="Arial" panose="020B0604020202020204" pitchFamily="34" charset="0"/>
               </a:rPr>
               <a:t> </a:t>
             </a:r>
             <a:r>
-              <a:rPr lang="en-US" sz="2000" b="1" dirty="0">
+              <a:rPr lang="en-US" sz="1800" b="1" dirty="0">
                 <a:latin typeface="Arial" panose="020B0604020202020204" pitchFamily="34" charset="0"/>
                 <a:cs typeface="Arial" panose="020B0604020202020204" pitchFamily="34" charset="0"/>
               </a:rPr>
               <a:t>years</a:t>
             </a:r>
             <a:r>
-              <a:rPr lang="en-US" sz="2000" dirty="0">
+              <a:rPr lang="en-US" sz="1800" dirty="0">
                 <a:latin typeface="Arial" panose="020B0604020202020204" pitchFamily="34" charset="0"/>
                 <a:cs typeface="Arial" panose="020B0604020202020204" pitchFamily="34" charset="0"/>
               </a:rPr>
@@ -40793,6 +41538,9 @@
           </a:p>
           <a:p>
             <a:pPr marL="0" indent="0">
+              <a:lnSpc>
+                <a:spcPct val="110000"/>
+              </a:lnSpc>
               <a:buNone/>
             </a:pPr>
             <a:endParaRPr lang="en-US" sz="2000" dirty="0">
@@ -40802,6 +41550,9 @@
           </a:p>
           <a:p>
             <a:pPr marL="0" indent="0">
+              <a:lnSpc>
+                <a:spcPct val="110000"/>
+              </a:lnSpc>
               <a:buNone/>
             </a:pPr>
             <a:r>
@@ -41309,7 +42060,7 @@
         <p:spPr>
           <a:xfrm>
             <a:off x="5442987" y="6017994"/>
-            <a:ext cx="2630848" cy="307777"/>
+            <a:ext cx="4929298" cy="307777"/>
           </a:xfrm>
           <a:prstGeom prst="rect">
             <a:avLst/>
@@ -41334,7 +42085,21 @@
                 <a:latin typeface="Arial" panose="020B0604020202020204" pitchFamily="34" charset="0"/>
                 <a:cs typeface="Arial" panose="020B0604020202020204" pitchFamily="34" charset="0"/>
               </a:rPr>
-              <a:t>Change in histogram</a:t>
+              <a:t>Change in histogram for the </a:t>
+            </a:r>
+            <a:r>
+              <a:rPr lang="en-US" sz="1400" dirty="0" err="1">
+                <a:latin typeface="Arial" panose="020B0604020202020204" pitchFamily="34" charset="0"/>
+                <a:cs typeface="Arial" panose="020B0604020202020204" pitchFamily="34" charset="0"/>
+              </a:rPr>
+              <a:t>Age_In_Days</a:t>
+            </a:r>
+            <a:r>
+              <a:rPr lang="en-US" sz="1400" dirty="0">
+                <a:latin typeface="Arial" panose="020B0604020202020204" pitchFamily="34" charset="0"/>
+                <a:cs typeface="Arial" panose="020B0604020202020204" pitchFamily="34" charset="0"/>
+              </a:rPr>
+              <a:t> column</a:t>
             </a:r>
             <a:endParaRPr lang="en-US" sz="1400" b="1" dirty="0">
               <a:latin typeface="Arial" panose="020B0604020202020204" pitchFamily="34" charset="0"/>

--- a/JS-case-study-presentation.pptx
+++ b/JS-case-study-presentation.pptx
@@ -12006,7 +12006,7 @@
           <a:p>
             <a:fld id="{E1AB8F1E-32E0-C246-A23F-BD530CA521F8}" type="datetimeFigureOut">
               <a:rPr lang="en-US" smtClean="0"/>
-              <a:t>7/9/23</a:t>
+              <a:t>8/4/23</a:t>
             </a:fld>
             <a:endParaRPr lang="en-US"/>
           </a:p>
@@ -13079,7 +13079,7 @@
           <a:p>
             <a:fld id="{3E263AD4-B042-7341-AD9C-10AFCC6EC6AD}" type="datetimeFigureOut">
               <a:rPr lang="en-US" smtClean="0"/>
-              <a:t>7/9/23</a:t>
+              <a:t>8/4/23</a:t>
             </a:fld>
             <a:endParaRPr lang="en-US"/>
           </a:p>
@@ -13277,7 +13277,7 @@
           <a:p>
             <a:fld id="{3E263AD4-B042-7341-AD9C-10AFCC6EC6AD}" type="datetimeFigureOut">
               <a:rPr lang="en-US" smtClean="0"/>
-              <a:t>7/9/23</a:t>
+              <a:t>8/4/23</a:t>
             </a:fld>
             <a:endParaRPr lang="en-US"/>
           </a:p>
@@ -13485,7 +13485,7 @@
           <a:p>
             <a:fld id="{3E263AD4-B042-7341-AD9C-10AFCC6EC6AD}" type="datetimeFigureOut">
               <a:rPr lang="en-US" smtClean="0"/>
-              <a:t>7/9/23</a:t>
+              <a:t>8/4/23</a:t>
             </a:fld>
             <a:endParaRPr lang="en-US"/>
           </a:p>
@@ -13683,7 +13683,7 @@
           <a:p>
             <a:fld id="{3E263AD4-B042-7341-AD9C-10AFCC6EC6AD}" type="datetimeFigureOut">
               <a:rPr lang="en-US" smtClean="0"/>
-              <a:t>7/9/23</a:t>
+              <a:t>8/4/23</a:t>
             </a:fld>
             <a:endParaRPr lang="en-US"/>
           </a:p>
@@ -13958,7 +13958,7 @@
           <a:p>
             <a:fld id="{3E263AD4-B042-7341-AD9C-10AFCC6EC6AD}" type="datetimeFigureOut">
               <a:rPr lang="en-US" smtClean="0"/>
-              <a:t>7/9/23</a:t>
+              <a:t>8/4/23</a:t>
             </a:fld>
             <a:endParaRPr lang="en-US"/>
           </a:p>
@@ -14223,7 +14223,7 @@
           <a:p>
             <a:fld id="{3E263AD4-B042-7341-AD9C-10AFCC6EC6AD}" type="datetimeFigureOut">
               <a:rPr lang="en-US" smtClean="0"/>
-              <a:t>7/9/23</a:t>
+              <a:t>8/4/23</a:t>
             </a:fld>
             <a:endParaRPr lang="en-US"/>
           </a:p>
@@ -14635,7 +14635,7 @@
           <a:p>
             <a:fld id="{3E263AD4-B042-7341-AD9C-10AFCC6EC6AD}" type="datetimeFigureOut">
               <a:rPr lang="en-US" smtClean="0"/>
-              <a:t>7/9/23</a:t>
+              <a:t>8/4/23</a:t>
             </a:fld>
             <a:endParaRPr lang="en-US"/>
           </a:p>
@@ -14776,7 +14776,7 @@
           <a:p>
             <a:fld id="{3E263AD4-B042-7341-AD9C-10AFCC6EC6AD}" type="datetimeFigureOut">
               <a:rPr lang="en-US" smtClean="0"/>
-              <a:t>7/9/23</a:t>
+              <a:t>8/4/23</a:t>
             </a:fld>
             <a:endParaRPr lang="en-US"/>
           </a:p>
@@ -14889,7 +14889,7 @@
           <a:p>
             <a:fld id="{3E263AD4-B042-7341-AD9C-10AFCC6EC6AD}" type="datetimeFigureOut">
               <a:rPr lang="en-US" smtClean="0"/>
-              <a:t>7/9/23</a:t>
+              <a:t>8/4/23</a:t>
             </a:fld>
             <a:endParaRPr lang="en-US"/>
           </a:p>
@@ -15200,7 +15200,7 @@
           <a:p>
             <a:fld id="{3E263AD4-B042-7341-AD9C-10AFCC6EC6AD}" type="datetimeFigureOut">
               <a:rPr lang="en-US" smtClean="0"/>
-              <a:t>7/9/23</a:t>
+              <a:t>8/4/23</a:t>
             </a:fld>
             <a:endParaRPr lang="en-US"/>
           </a:p>
@@ -15488,7 +15488,7 @@
           <a:p>
             <a:fld id="{3E263AD4-B042-7341-AD9C-10AFCC6EC6AD}" type="datetimeFigureOut">
               <a:rPr lang="en-US" smtClean="0"/>
-              <a:t>7/9/23</a:t>
+              <a:t>8/4/23</a:t>
             </a:fld>
             <a:endParaRPr lang="en-US"/>
           </a:p>
@@ -15729,7 +15729,7 @@
           <a:p>
             <a:fld id="{3E263AD4-B042-7341-AD9C-10AFCC6EC6AD}" type="datetimeFigureOut">
               <a:rPr lang="en-US" smtClean="0"/>
-              <a:t>7/9/23</a:t>
+              <a:t>8/4/23</a:t>
             </a:fld>
             <a:endParaRPr lang="en-US"/>
           </a:p>
@@ -16709,16 +16709,6 @@
           <a:p>
             <a:pPr algn="l"/>
             <a:r>
-              <a:rPr lang="en-US" sz="4800" b="1" dirty="0">
-                <a:solidFill>
-                  <a:srgbClr val="FFFFFF"/>
-                </a:solidFill>
-                <a:latin typeface="Arial" panose="020B0604020202020204" pitchFamily="34" charset="0"/>
-                <a:cs typeface="Arial" panose="020B0604020202020204" pitchFamily="34" charset="0"/>
-              </a:rPr>
-              <a:t>Roche</a:t>
-            </a:r>
-            <a:r>
               <a:rPr lang="en-US" sz="4800" dirty="0">
                 <a:solidFill>
                   <a:srgbClr val="FFFFFF"/>
@@ -16726,7 +16716,7 @@
                 <a:latin typeface="Arial" panose="020B0604020202020204" pitchFamily="34" charset="0"/>
                 <a:cs typeface="Arial" panose="020B0604020202020204" pitchFamily="34" charset="0"/>
               </a:rPr>
-              <a:t>: Data Science</a:t>
+              <a:t>Data Science</a:t>
             </a:r>
             <a:br>
               <a:rPr lang="en-US" sz="4800" dirty="0">
@@ -16745,7 +16735,7 @@
                 <a:latin typeface="Arial" panose="020B0604020202020204" pitchFamily="34" charset="0"/>
                 <a:cs typeface="Arial" panose="020B0604020202020204" pitchFamily="34" charset="0"/>
               </a:rPr>
-              <a:t>Home Study Case</a:t>
+              <a:t>Study Case</a:t>
             </a:r>
           </a:p>
         </p:txBody>
@@ -16784,51 +16774,11 @@
                 <a:latin typeface="Arial" panose="020B0604020202020204" pitchFamily="34" charset="0"/>
                 <a:cs typeface="Arial" panose="020B0604020202020204" pitchFamily="34" charset="0"/>
               </a:rPr>
-              <a:t>Candidate: Johnny Sin</a:t>
-            </a:r>
-          </a:p>
-          <a:p>
-            <a:pPr algn="l"/>
-            <a:r>
-              <a:rPr lang="en-US" dirty="0">
-                <a:latin typeface="Arial" panose="020B0604020202020204" pitchFamily="34" charset="0"/>
-                <a:cs typeface="Arial" panose="020B0604020202020204" pitchFamily="34" charset="0"/>
-              </a:rPr>
-              <a:t>Due: July 7-10, 2023</a:t>
+              <a:t>Created By: Johnny Sin</a:t>
             </a:r>
           </a:p>
         </p:txBody>
       </p:sp>
-      <p:pic>
-        <p:nvPicPr>
-          <p:cNvPr id="12" name="Picture 11">
-            <a:extLst>
-              <a:ext uri="{FF2B5EF4-FFF2-40B4-BE49-F238E27FC236}">
-                <a16:creationId xmlns:a16="http://schemas.microsoft.com/office/drawing/2014/main" id="{959DC499-BFF5-4773-644C-E6A4F27A0128}"/>
-              </a:ext>
-            </a:extLst>
-          </p:cNvPr>
-          <p:cNvPicPr>
-            <a:picLocks noChangeAspect="1"/>
-          </p:cNvPicPr>
-          <p:nvPr/>
-        </p:nvPicPr>
-        <p:blipFill>
-          <a:blip r:embed="rId2"/>
-          <a:stretch>
-            <a:fillRect/>
-          </a:stretch>
-        </p:blipFill>
-        <p:spPr>
-          <a:xfrm>
-            <a:off x="10469563" y="5950382"/>
-            <a:ext cx="1693861" cy="879042"/>
-          </a:xfrm>
-          <a:prstGeom prst="rect">
-            <a:avLst/>
-          </a:prstGeom>
-        </p:spPr>
-      </p:pic>
     </p:spTree>
     <p:extLst>
       <p:ext uri="{BB962C8B-B14F-4D97-AF65-F5344CB8AC3E}">
@@ -17428,36 +17378,6 @@
           </a:p>
         </p:txBody>
       </p:sp>
-      <p:pic>
-        <p:nvPicPr>
-          <p:cNvPr id="4" name="Picture 3">
-            <a:extLst>
-              <a:ext uri="{FF2B5EF4-FFF2-40B4-BE49-F238E27FC236}">
-                <a16:creationId xmlns:a16="http://schemas.microsoft.com/office/drawing/2014/main" id="{DDB6B6CA-45BB-3708-5A1C-CD4ABC62C71B}"/>
-              </a:ext>
-            </a:extLst>
-          </p:cNvPr>
-          <p:cNvPicPr>
-            <a:picLocks noChangeAspect="1"/>
-          </p:cNvPicPr>
-          <p:nvPr/>
-        </p:nvPicPr>
-        <p:blipFill>
-          <a:blip r:embed="rId3"/>
-          <a:stretch>
-            <a:fillRect/>
-          </a:stretch>
-        </p:blipFill>
-        <p:spPr>
-          <a:xfrm>
-            <a:off x="10469563" y="5950382"/>
-            <a:ext cx="1693861" cy="879042"/>
-          </a:xfrm>
-          <a:prstGeom prst="rect">
-            <a:avLst/>
-          </a:prstGeom>
-        </p:spPr>
-      </p:pic>
       <p:grpSp>
         <p:nvGrpSpPr>
           <p:cNvPr id="20" name="Group 19">
@@ -17544,7 +17464,7 @@
             <p:nvPr/>
           </p:nvPicPr>
           <p:blipFill>
-            <a:blip r:embed="rId4">
+            <a:blip r:embed="rId3">
               <a:extLst>
                 <a:ext uri="{28A0092B-C50C-407E-A947-70E740481C1C}">
                   <a14:useLocalDpi xmlns:a14="http://schemas.microsoft.com/office/drawing/2010/main" val="0"/>
@@ -17591,7 +17511,7 @@
             <p:nvPr/>
           </p:nvPicPr>
           <p:blipFill>
-            <a:blip r:embed="rId5">
+            <a:blip r:embed="rId4">
               <a:extLst>
                 <a:ext uri="{28A0092B-C50C-407E-A947-70E740481C1C}">
                   <a14:useLocalDpi xmlns:a14="http://schemas.microsoft.com/office/drawing/2010/main" val="0"/>
@@ -18278,36 +18198,6 @@
           </a:p>
         </p:txBody>
       </p:sp>
-      <p:pic>
-        <p:nvPicPr>
-          <p:cNvPr id="4" name="Picture 3">
-            <a:extLst>
-              <a:ext uri="{FF2B5EF4-FFF2-40B4-BE49-F238E27FC236}">
-                <a16:creationId xmlns:a16="http://schemas.microsoft.com/office/drawing/2014/main" id="{DDB6B6CA-45BB-3708-5A1C-CD4ABC62C71B}"/>
-              </a:ext>
-            </a:extLst>
-          </p:cNvPr>
-          <p:cNvPicPr>
-            <a:picLocks noChangeAspect="1"/>
-          </p:cNvPicPr>
-          <p:nvPr/>
-        </p:nvPicPr>
-        <p:blipFill>
-          <a:blip r:embed="rId3"/>
-          <a:stretch>
-            <a:fillRect/>
-          </a:stretch>
-        </p:blipFill>
-        <p:spPr>
-          <a:xfrm>
-            <a:off x="10469563" y="5950382"/>
-            <a:ext cx="1693861" cy="879042"/>
-          </a:xfrm>
-          <a:prstGeom prst="rect">
-            <a:avLst/>
-          </a:prstGeom>
-        </p:spPr>
-      </p:pic>
       <p:grpSp>
         <p:nvGrpSpPr>
           <p:cNvPr id="24" name="Group 23">
@@ -18394,7 +18284,7 @@
             <p:nvPr/>
           </p:nvPicPr>
           <p:blipFill>
-            <a:blip r:embed="rId4">
+            <a:blip r:embed="rId3">
               <a:extLst>
                 <a:ext uri="{28A0092B-C50C-407E-A947-70E740481C1C}">
                   <a14:useLocalDpi xmlns:a14="http://schemas.microsoft.com/office/drawing/2010/main" val="0"/>
@@ -18442,7 +18332,7 @@
           <p:nvPr/>
         </p:nvPicPr>
         <p:blipFill>
-          <a:blip r:embed="rId5">
+          <a:blip r:embed="rId4">
             <a:extLst>
               <a:ext uri="{28A0092B-C50C-407E-A947-70E740481C1C}">
                 <a14:useLocalDpi xmlns:a14="http://schemas.microsoft.com/office/drawing/2010/main" val="0"/>
@@ -18775,7 +18665,7 @@
             <p:nvPr/>
           </p:nvPicPr>
           <p:blipFill>
-            <a:blip r:embed="rId6"/>
+            <a:blip r:embed="rId5"/>
             <a:stretch>
               <a:fillRect/>
             </a:stretch>
@@ -19512,36 +19402,6 @@
           </a:p>
         </p:txBody>
       </p:sp>
-      <p:pic>
-        <p:nvPicPr>
-          <p:cNvPr id="4" name="Picture 3">
-            <a:extLst>
-              <a:ext uri="{FF2B5EF4-FFF2-40B4-BE49-F238E27FC236}">
-                <a16:creationId xmlns:a16="http://schemas.microsoft.com/office/drawing/2014/main" id="{DDB6B6CA-45BB-3708-5A1C-CD4ABC62C71B}"/>
-              </a:ext>
-            </a:extLst>
-          </p:cNvPr>
-          <p:cNvPicPr>
-            <a:picLocks noChangeAspect="1"/>
-          </p:cNvPicPr>
-          <p:nvPr/>
-        </p:nvPicPr>
-        <p:blipFill>
-          <a:blip r:embed="rId2"/>
-          <a:stretch>
-            <a:fillRect/>
-          </a:stretch>
-        </p:blipFill>
-        <p:spPr>
-          <a:xfrm>
-            <a:off x="10469563" y="5950382"/>
-            <a:ext cx="1693861" cy="879042"/>
-          </a:xfrm>
-          <a:prstGeom prst="rect">
-            <a:avLst/>
-          </a:prstGeom>
-        </p:spPr>
-      </p:pic>
       <p:sp>
         <p:nvSpPr>
           <p:cNvPr id="5" name="Rectangle 4">
@@ -19608,7 +19468,7 @@
           <p:nvPr/>
         </p:nvPicPr>
         <p:blipFill>
-          <a:blip r:embed="rId3">
+          <a:blip r:embed="rId2">
             <a:extLst>
               <a:ext uri="{28A0092B-C50C-407E-A947-70E740481C1C}">
                 <a14:useLocalDpi xmlns:a14="http://schemas.microsoft.com/office/drawing/2010/main" val="0"/>
@@ -19655,7 +19515,7 @@
           <p:nvPr/>
         </p:nvPicPr>
         <p:blipFill>
-          <a:blip r:embed="rId4">
+          <a:blip r:embed="rId3">
             <a:extLst>
               <a:ext uri="{28A0092B-C50C-407E-A947-70E740481C1C}">
                 <a14:useLocalDpi xmlns:a14="http://schemas.microsoft.com/office/drawing/2010/main" val="0"/>
@@ -20249,36 +20109,6 @@
           </a:p>
         </p:txBody>
       </p:sp>
-      <p:pic>
-        <p:nvPicPr>
-          <p:cNvPr id="4" name="Picture 3">
-            <a:extLst>
-              <a:ext uri="{FF2B5EF4-FFF2-40B4-BE49-F238E27FC236}">
-                <a16:creationId xmlns:a16="http://schemas.microsoft.com/office/drawing/2014/main" id="{DDB6B6CA-45BB-3708-5A1C-CD4ABC62C71B}"/>
-              </a:ext>
-            </a:extLst>
-          </p:cNvPr>
-          <p:cNvPicPr>
-            <a:picLocks noChangeAspect="1"/>
-          </p:cNvPicPr>
-          <p:nvPr/>
-        </p:nvPicPr>
-        <p:blipFill>
-          <a:blip r:embed="rId2"/>
-          <a:stretch>
-            <a:fillRect/>
-          </a:stretch>
-        </p:blipFill>
-        <p:spPr>
-          <a:xfrm>
-            <a:off x="10469563" y="5950382"/>
-            <a:ext cx="1693861" cy="879042"/>
-          </a:xfrm>
-          <a:prstGeom prst="rect">
-            <a:avLst/>
-          </a:prstGeom>
-        </p:spPr>
-      </p:pic>
       <p:sp>
         <p:nvSpPr>
           <p:cNvPr id="6" name="TextBox 5">
@@ -20424,7 +20254,7 @@
             <p:nvPr/>
           </p:nvPicPr>
           <p:blipFill>
-            <a:blip r:embed="rId3">
+            <a:blip r:embed="rId2">
               <a:extLst>
                 <a:ext uri="{28A0092B-C50C-407E-A947-70E740481C1C}">
                   <a14:useLocalDpi xmlns:a14="http://schemas.microsoft.com/office/drawing/2010/main" val="0"/>
@@ -20471,7 +20301,7 @@
             <p:nvPr/>
           </p:nvPicPr>
           <p:blipFill>
-            <a:blip r:embed="rId4">
+            <a:blip r:embed="rId3">
               <a:extLst>
                 <a:ext uri="{28A0092B-C50C-407E-A947-70E740481C1C}">
                   <a14:useLocalDpi xmlns:a14="http://schemas.microsoft.com/office/drawing/2010/main" val="0"/>
@@ -20518,7 +20348,7 @@
             <p:nvPr/>
           </p:nvPicPr>
           <p:blipFill>
-            <a:blip r:embed="rId5">
+            <a:blip r:embed="rId4">
               <a:extLst>
                 <a:ext uri="{28A0092B-C50C-407E-A947-70E740481C1C}">
                   <a14:useLocalDpi xmlns:a14="http://schemas.microsoft.com/office/drawing/2010/main" val="0"/>
@@ -20565,7 +20395,7 @@
             <p:nvPr/>
           </p:nvPicPr>
           <p:blipFill>
-            <a:blip r:embed="rId6"/>
+            <a:blip r:embed="rId5"/>
             <a:stretch>
               <a:fillRect/>
             </a:stretch>
@@ -20595,7 +20425,7 @@
             <p:nvPr/>
           </p:nvPicPr>
           <p:blipFill>
-            <a:blip r:embed="rId7"/>
+            <a:blip r:embed="rId6"/>
             <a:stretch>
               <a:fillRect/>
             </a:stretch>
@@ -20625,7 +20455,7 @@
             <p:nvPr/>
           </p:nvPicPr>
           <p:blipFill>
-            <a:blip r:embed="rId8"/>
+            <a:blip r:embed="rId7"/>
             <a:stretch>
               <a:fillRect/>
             </a:stretch>
@@ -21263,36 +21093,6 @@
           </a:p>
         </p:txBody>
       </p:sp>
-      <p:pic>
-        <p:nvPicPr>
-          <p:cNvPr id="4" name="Picture 3">
-            <a:extLst>
-              <a:ext uri="{FF2B5EF4-FFF2-40B4-BE49-F238E27FC236}">
-                <a16:creationId xmlns:a16="http://schemas.microsoft.com/office/drawing/2014/main" id="{DDB6B6CA-45BB-3708-5A1C-CD4ABC62C71B}"/>
-              </a:ext>
-            </a:extLst>
-          </p:cNvPr>
-          <p:cNvPicPr>
-            <a:picLocks noChangeAspect="1"/>
-          </p:cNvPicPr>
-          <p:nvPr/>
-        </p:nvPicPr>
-        <p:blipFill>
-          <a:blip r:embed="rId2"/>
-          <a:stretch>
-            <a:fillRect/>
-          </a:stretch>
-        </p:blipFill>
-        <p:spPr>
-          <a:xfrm>
-            <a:off x="10469563" y="5950382"/>
-            <a:ext cx="1693861" cy="879042"/>
-          </a:xfrm>
-          <a:prstGeom prst="rect">
-            <a:avLst/>
-          </a:prstGeom>
-        </p:spPr>
-      </p:pic>
       <p:grpSp>
         <p:nvGrpSpPr>
           <p:cNvPr id="23" name="Group 22">
@@ -21444,7 +21244,7 @@
               <p:nvPr/>
             </p:nvPicPr>
             <p:blipFill>
-              <a:blip r:embed="rId3">
+              <a:blip r:embed="rId2">
                 <a:extLst>
                   <a:ext uri="{28A0092B-C50C-407E-A947-70E740481C1C}">
                     <a14:useLocalDpi xmlns:a14="http://schemas.microsoft.com/office/drawing/2010/main" val="0"/>
@@ -21492,7 +21292,7 @@
             <p:nvPr/>
           </p:nvPicPr>
           <p:blipFill>
-            <a:blip r:embed="rId4"/>
+            <a:blip r:embed="rId3"/>
             <a:stretch>
               <a:fillRect/>
             </a:stretch>
@@ -21522,7 +21322,7 @@
             <p:nvPr/>
           </p:nvPicPr>
           <p:blipFill>
-            <a:blip r:embed="rId5"/>
+            <a:blip r:embed="rId4"/>
             <a:stretch>
               <a:fillRect/>
             </a:stretch>
@@ -21678,36 +21478,6 @@
           </a:graphicData>
         </a:graphic>
       </p:graphicFrame>
-      <p:pic>
-        <p:nvPicPr>
-          <p:cNvPr id="4" name="Picture 3">
-            <a:extLst>
-              <a:ext uri="{FF2B5EF4-FFF2-40B4-BE49-F238E27FC236}">
-                <a16:creationId xmlns:a16="http://schemas.microsoft.com/office/drawing/2014/main" id="{DDB6B6CA-45BB-3708-5A1C-CD4ABC62C71B}"/>
-              </a:ext>
-            </a:extLst>
-          </p:cNvPr>
-          <p:cNvPicPr>
-            <a:picLocks noChangeAspect="1"/>
-          </p:cNvPicPr>
-          <p:nvPr/>
-        </p:nvPicPr>
-        <p:blipFill>
-          <a:blip r:embed="rId7"/>
-          <a:stretch>
-            <a:fillRect/>
-          </a:stretch>
-        </p:blipFill>
-        <p:spPr>
-          <a:xfrm>
-            <a:off x="10498137" y="5452900"/>
-            <a:ext cx="1693861" cy="879042"/>
-          </a:xfrm>
-          <a:prstGeom prst="rect">
-            <a:avLst/>
-          </a:prstGeom>
-        </p:spPr>
-      </p:pic>
       <p:sp>
         <p:nvSpPr>
           <p:cNvPr id="5" name="Title 4">
@@ -22657,10 +22427,10 @@
       </p:sp>
       <p:pic>
         <p:nvPicPr>
-          <p:cNvPr id="4" name="Picture 3">
+          <p:cNvPr id="6" name="Picture 5">
             <a:extLst>
               <a:ext uri="{FF2B5EF4-FFF2-40B4-BE49-F238E27FC236}">
-                <a16:creationId xmlns:a16="http://schemas.microsoft.com/office/drawing/2014/main" id="{DDB6B6CA-45BB-3708-5A1C-CD4ABC62C71B}"/>
+                <a16:creationId xmlns:a16="http://schemas.microsoft.com/office/drawing/2014/main" id="{75BB420D-D870-24B2-0359-891F1B294B69}"/>
               </a:ext>
             </a:extLst>
           </p:cNvPr>
@@ -22671,36 +22441,6 @@
         </p:nvPicPr>
         <p:blipFill>
           <a:blip r:embed="rId2"/>
-          <a:stretch>
-            <a:fillRect/>
-          </a:stretch>
-        </p:blipFill>
-        <p:spPr>
-          <a:xfrm>
-            <a:off x="10469563" y="5950382"/>
-            <a:ext cx="1693861" cy="879042"/>
-          </a:xfrm>
-          <a:prstGeom prst="rect">
-            <a:avLst/>
-          </a:prstGeom>
-        </p:spPr>
-      </p:pic>
-      <p:pic>
-        <p:nvPicPr>
-          <p:cNvPr id="6" name="Picture 5">
-            <a:extLst>
-              <a:ext uri="{FF2B5EF4-FFF2-40B4-BE49-F238E27FC236}">
-                <a16:creationId xmlns:a16="http://schemas.microsoft.com/office/drawing/2014/main" id="{75BB420D-D870-24B2-0359-891F1B294B69}"/>
-              </a:ext>
-            </a:extLst>
-          </p:cNvPr>
-          <p:cNvPicPr>
-            <a:picLocks noChangeAspect="1"/>
-          </p:cNvPicPr>
-          <p:nvPr/>
-        </p:nvPicPr>
-        <p:blipFill>
-          <a:blip r:embed="rId3"/>
           <a:stretch>
             <a:fillRect/>
           </a:stretch>
@@ -22730,7 +22470,7 @@
           <p:nvPr/>
         </p:nvPicPr>
         <p:blipFill>
-          <a:blip r:embed="rId4"/>
+          <a:blip r:embed="rId3"/>
           <a:stretch>
             <a:fillRect/>
           </a:stretch>
@@ -22760,7 +22500,7 @@
           <p:nvPr/>
         </p:nvPicPr>
         <p:blipFill>
-          <a:blip r:embed="rId5">
+          <a:blip r:embed="rId4">
             <a:extLst>
               <a:ext uri="{28A0092B-C50C-407E-A947-70E740481C1C}">
                 <a14:useLocalDpi xmlns:a14="http://schemas.microsoft.com/office/drawing/2010/main" val="0"/>
@@ -23526,10 +23266,10 @@
       </p:sp>
       <p:pic>
         <p:nvPicPr>
-          <p:cNvPr id="4" name="Picture 3">
+          <p:cNvPr id="6" name="Picture 5">
             <a:extLst>
               <a:ext uri="{FF2B5EF4-FFF2-40B4-BE49-F238E27FC236}">
-                <a16:creationId xmlns:a16="http://schemas.microsoft.com/office/drawing/2014/main" id="{DDB6B6CA-45BB-3708-5A1C-CD4ABC62C71B}"/>
+                <a16:creationId xmlns:a16="http://schemas.microsoft.com/office/drawing/2014/main" id="{75BB420D-D870-24B2-0359-891F1B294B69}"/>
               </a:ext>
             </a:extLst>
           </p:cNvPr>
@@ -23540,36 +23280,6 @@
         </p:nvPicPr>
         <p:blipFill>
           <a:blip r:embed="rId2"/>
-          <a:stretch>
-            <a:fillRect/>
-          </a:stretch>
-        </p:blipFill>
-        <p:spPr>
-          <a:xfrm>
-            <a:off x="10469563" y="5950382"/>
-            <a:ext cx="1693861" cy="879042"/>
-          </a:xfrm>
-          <a:prstGeom prst="rect">
-            <a:avLst/>
-          </a:prstGeom>
-        </p:spPr>
-      </p:pic>
-      <p:pic>
-        <p:nvPicPr>
-          <p:cNvPr id="6" name="Picture 5">
-            <a:extLst>
-              <a:ext uri="{FF2B5EF4-FFF2-40B4-BE49-F238E27FC236}">
-                <a16:creationId xmlns:a16="http://schemas.microsoft.com/office/drawing/2014/main" id="{75BB420D-D870-24B2-0359-891F1B294B69}"/>
-              </a:ext>
-            </a:extLst>
-          </p:cNvPr>
-          <p:cNvPicPr>
-            <a:picLocks noChangeAspect="1"/>
-          </p:cNvPicPr>
-          <p:nvPr/>
-        </p:nvPicPr>
-        <p:blipFill>
-          <a:blip r:embed="rId3"/>
           <a:stretch>
             <a:fillRect/>
           </a:stretch>
@@ -23599,7 +23309,7 @@
           <p:nvPr/>
         </p:nvPicPr>
         <p:blipFill>
-          <a:blip r:embed="rId4"/>
+          <a:blip r:embed="rId3"/>
           <a:stretch>
             <a:fillRect/>
           </a:stretch>
@@ -23629,7 +23339,7 @@
           <p:nvPr/>
         </p:nvPicPr>
         <p:blipFill>
-          <a:blip r:embed="rId5">
+          <a:blip r:embed="rId4">
             <a:extLst>
               <a:ext uri="{28A0092B-C50C-407E-A947-70E740481C1C}">
                 <a14:useLocalDpi xmlns:a14="http://schemas.microsoft.com/office/drawing/2010/main" val="0"/>
@@ -24649,36 +24359,6 @@
           </a:p>
         </p:txBody>
       </p:sp>
-      <p:pic>
-        <p:nvPicPr>
-          <p:cNvPr id="4" name="Picture 3">
-            <a:extLst>
-              <a:ext uri="{FF2B5EF4-FFF2-40B4-BE49-F238E27FC236}">
-                <a16:creationId xmlns:a16="http://schemas.microsoft.com/office/drawing/2014/main" id="{DDB6B6CA-45BB-3708-5A1C-CD4ABC62C71B}"/>
-              </a:ext>
-            </a:extLst>
-          </p:cNvPr>
-          <p:cNvPicPr>
-            <a:picLocks noChangeAspect="1"/>
-          </p:cNvPicPr>
-          <p:nvPr/>
-        </p:nvPicPr>
-        <p:blipFill>
-          <a:blip r:embed="rId3"/>
-          <a:stretch>
-            <a:fillRect/>
-          </a:stretch>
-        </p:blipFill>
-        <p:spPr>
-          <a:xfrm>
-            <a:off x="10469563" y="5950382"/>
-            <a:ext cx="1693861" cy="879042"/>
-          </a:xfrm>
-          <a:prstGeom prst="rect">
-            <a:avLst/>
-          </a:prstGeom>
-        </p:spPr>
-      </p:pic>
       <p:sp>
         <p:nvSpPr>
           <p:cNvPr id="16" name="Content Placeholder 2">
@@ -25818,7 +25498,7 @@
       <p:pic>
         <p:nvPicPr>
           <p:cNvPr id="31746" name="Picture 2" descr="Scikit Learn - Support Vector Machines">
-            <a:hlinkClick r:id="rId4"/>
+            <a:hlinkClick r:id="rId3"/>
             <a:extLst>
               <a:ext uri="{FF2B5EF4-FFF2-40B4-BE49-F238E27FC236}">
                 <a16:creationId xmlns:a16="http://schemas.microsoft.com/office/drawing/2014/main" id="{ABB92044-FF70-6D04-C7EF-B177B8EAEDDE}"/>
@@ -25831,7 +25511,7 @@
           <p:nvPr/>
         </p:nvPicPr>
         <p:blipFill>
-          <a:blip r:embed="rId5">
+          <a:blip r:embed="rId4">
             <a:extLst>
               <a:ext uri="{28A0092B-C50C-407E-A947-70E740481C1C}">
                 <a14:useLocalDpi xmlns:a14="http://schemas.microsoft.com/office/drawing/2010/main" val="0"/>
@@ -25878,7 +25558,7 @@
           <p:nvPr/>
         </p:nvPicPr>
         <p:blipFill>
-          <a:blip r:embed="rId6">
+          <a:blip r:embed="rId5">
             <a:extLst>
               <a:ext uri="{28A0092B-C50C-407E-A947-70E740481C1C}">
                 <a14:useLocalDpi xmlns:a14="http://schemas.microsoft.com/office/drawing/2010/main" val="0"/>
@@ -25925,7 +25605,7 @@
           <p:nvPr/>
         </p:nvPicPr>
         <p:blipFill>
-          <a:blip r:embed="rId7">
+          <a:blip r:embed="rId6">
             <a:extLst>
               <a:ext uri="{28A0092B-C50C-407E-A947-70E740481C1C}">
                 <a14:useLocalDpi xmlns:a14="http://schemas.microsoft.com/office/drawing/2010/main" val="0"/>
@@ -26220,36 +25900,6 @@
           </a:p>
         </p:txBody>
       </p:sp>
-      <p:pic>
-        <p:nvPicPr>
-          <p:cNvPr id="4" name="Picture 3">
-            <a:extLst>
-              <a:ext uri="{FF2B5EF4-FFF2-40B4-BE49-F238E27FC236}">
-                <a16:creationId xmlns:a16="http://schemas.microsoft.com/office/drawing/2014/main" id="{DDB6B6CA-45BB-3708-5A1C-CD4ABC62C71B}"/>
-              </a:ext>
-            </a:extLst>
-          </p:cNvPr>
-          <p:cNvPicPr>
-            <a:picLocks noChangeAspect="1"/>
-          </p:cNvPicPr>
-          <p:nvPr/>
-        </p:nvPicPr>
-        <p:blipFill>
-          <a:blip r:embed="rId2"/>
-          <a:stretch>
-            <a:fillRect/>
-          </a:stretch>
-        </p:blipFill>
-        <p:spPr>
-          <a:xfrm>
-            <a:off x="10469563" y="5950382"/>
-            <a:ext cx="1693861" cy="879042"/>
-          </a:xfrm>
-          <a:prstGeom prst="rect">
-            <a:avLst/>
-          </a:prstGeom>
-        </p:spPr>
-      </p:pic>
       <p:sp>
         <p:nvSpPr>
           <p:cNvPr id="15" name="Rectangle 14">
@@ -26593,7 +26243,7 @@
           <p:nvPr/>
         </p:nvPicPr>
         <p:blipFill>
-          <a:blip r:embed="rId3"/>
+          <a:blip r:embed="rId2"/>
           <a:stretch>
             <a:fillRect/>
           </a:stretch>
@@ -26734,7 +26384,7 @@
           <p:nvPr/>
         </p:nvPicPr>
         <p:blipFill>
-          <a:blip r:embed="rId4">
+          <a:blip r:embed="rId3">
             <a:extLst>
               <a:ext uri="{28A0092B-C50C-407E-A947-70E740481C1C}">
                 <a14:useLocalDpi xmlns:a14="http://schemas.microsoft.com/office/drawing/2010/main" val="0"/>
@@ -26781,7 +26431,7 @@
           <p:nvPr/>
         </p:nvPicPr>
         <p:blipFill>
-          <a:blip r:embed="rId5"/>
+          <a:blip r:embed="rId4"/>
           <a:stretch>
             <a:fillRect/>
           </a:stretch>
@@ -26813,7 +26463,7 @@
           </p:nvPr>
         </p:nvPicPr>
         <p:blipFill>
-          <a:blip r:embed="rId6">
+          <a:blip r:embed="rId5">
             <a:extLst>
               <a:ext uri="{28A0092B-C50C-407E-A947-70E740481C1C}">
                 <a14:useLocalDpi xmlns:a14="http://schemas.microsoft.com/office/drawing/2010/main" val="0"/>
@@ -26860,7 +26510,7 @@
           <p:nvPr/>
         </p:nvPicPr>
         <p:blipFill>
-          <a:blip r:embed="rId7"/>
+          <a:blip r:embed="rId6"/>
           <a:stretch>
             <a:fillRect/>
           </a:stretch>
@@ -26890,7 +26540,7 @@
           <p:nvPr/>
         </p:nvPicPr>
         <p:blipFill>
-          <a:blip r:embed="rId8">
+          <a:blip r:embed="rId7">
             <a:extLst>
               <a:ext uri="{28A0092B-C50C-407E-A947-70E740481C1C}">
                 <a14:useLocalDpi xmlns:a14="http://schemas.microsoft.com/office/drawing/2010/main" val="0"/>
@@ -26937,7 +26587,7 @@
           <p:nvPr/>
         </p:nvPicPr>
         <p:blipFill>
-          <a:blip r:embed="rId9">
+          <a:blip r:embed="rId8">
             <a:extLst>
               <a:ext uri="{28A0092B-C50C-407E-A947-70E740481C1C}">
                 <a14:useLocalDpi xmlns:a14="http://schemas.microsoft.com/office/drawing/2010/main" val="0"/>
@@ -27186,45 +26836,19 @@
           <a:lstStyle/>
           <a:p>
             <a:r>
-              <a:rPr lang="en-US" sz="4000" dirty="0">
+              <a:rPr lang="en-US" sz="4000">
                 <a:latin typeface="Arial" panose="020B0604020202020204" pitchFamily="34" charset="0"/>
                 <a:cs typeface="Arial" panose="020B0604020202020204" pitchFamily="34" charset="0"/>
               </a:rPr>
               <a:t>Project Overview</a:t>
             </a:r>
+            <a:endParaRPr lang="en-US" sz="4000" dirty="0">
+              <a:latin typeface="Arial" panose="020B0604020202020204" pitchFamily="34" charset="0"/>
+              <a:cs typeface="Arial" panose="020B0604020202020204" pitchFamily="34" charset="0"/>
+            </a:endParaRPr>
           </a:p>
         </p:txBody>
       </p:sp>
-      <p:pic>
-        <p:nvPicPr>
-          <p:cNvPr id="4" name="Picture 3">
-            <a:extLst>
-              <a:ext uri="{FF2B5EF4-FFF2-40B4-BE49-F238E27FC236}">
-                <a16:creationId xmlns:a16="http://schemas.microsoft.com/office/drawing/2014/main" id="{DDB6B6CA-45BB-3708-5A1C-CD4ABC62C71B}"/>
-              </a:ext>
-            </a:extLst>
-          </p:cNvPr>
-          <p:cNvPicPr>
-            <a:picLocks noChangeAspect="1"/>
-          </p:cNvPicPr>
-          <p:nvPr/>
-        </p:nvPicPr>
-        <p:blipFill>
-          <a:blip r:embed="rId2"/>
-          <a:stretch>
-            <a:fillRect/>
-          </a:stretch>
-        </p:blipFill>
-        <p:spPr>
-          <a:xfrm>
-            <a:off x="1068130" y="2207731"/>
-            <a:ext cx="3876165" cy="2010843"/>
-          </a:xfrm>
-          <a:prstGeom prst="rect">
-            <a:avLst/>
-          </a:prstGeom>
-        </p:spPr>
-      </p:pic>
       <p:sp>
         <p:nvSpPr>
           <p:cNvPr id="84" name="Content Placeholder 2">
@@ -27257,7 +26881,7 @@
               <a:buAutoNum type="arabicPeriod"/>
             </a:pPr>
             <a:r>
-              <a:rPr lang="en-US" sz="2000" dirty="0">
+              <a:rPr lang="en-US" sz="2000">
                 <a:latin typeface="Arial" panose="020B0604020202020204" pitchFamily="34" charset="0"/>
                 <a:cs typeface="Arial" panose="020B0604020202020204" pitchFamily="34" charset="0"/>
               </a:rPr>
@@ -27269,7 +26893,7 @@
               <a:buAutoNum type="arabicPeriod"/>
             </a:pPr>
             <a:r>
-              <a:rPr lang="en-US" sz="2000" dirty="0">
+              <a:rPr lang="en-US" sz="2000">
                 <a:latin typeface="Arial" panose="020B0604020202020204" pitchFamily="34" charset="0"/>
                 <a:cs typeface="Arial" panose="020B0604020202020204" pitchFamily="34" charset="0"/>
               </a:rPr>
@@ -27281,7 +26905,7 @@
               <a:buAutoNum type="arabicPeriod"/>
             </a:pPr>
             <a:r>
-              <a:rPr lang="en-US" sz="2000" dirty="0">
+              <a:rPr lang="en-US" sz="2000">
                 <a:latin typeface="Arial" panose="020B0604020202020204" pitchFamily="34" charset="0"/>
                 <a:cs typeface="Arial" panose="020B0604020202020204" pitchFamily="34" charset="0"/>
               </a:rPr>
@@ -27293,7 +26917,7 @@
               <a:buAutoNum type="arabicPeriod"/>
             </a:pPr>
             <a:r>
-              <a:rPr lang="en-US" sz="2000" dirty="0">
+              <a:rPr lang="en-US" sz="2000">
                 <a:latin typeface="Arial" panose="020B0604020202020204" pitchFamily="34" charset="0"/>
                 <a:cs typeface="Arial" panose="020B0604020202020204" pitchFamily="34" charset="0"/>
               </a:rPr>
@@ -27305,7 +26929,7 @@
               <a:buAutoNum type="arabicPeriod"/>
             </a:pPr>
             <a:r>
-              <a:rPr lang="en-US" sz="2000" dirty="0">
+              <a:rPr lang="en-US" sz="2000">
                 <a:latin typeface="Arial" panose="020B0604020202020204" pitchFamily="34" charset="0"/>
                 <a:cs typeface="Arial" panose="020B0604020202020204" pitchFamily="34" charset="0"/>
               </a:rPr>
@@ -27317,7 +26941,7 @@
               <a:buAutoNum type="arabicPeriod"/>
             </a:pPr>
             <a:r>
-              <a:rPr lang="en-US" sz="2000" dirty="0">
+              <a:rPr lang="en-US" sz="2000">
                 <a:latin typeface="Arial" panose="020B0604020202020204" pitchFamily="34" charset="0"/>
                 <a:cs typeface="Arial" panose="020B0604020202020204" pitchFamily="34" charset="0"/>
               </a:rPr>
@@ -27329,7 +26953,7 @@
               <a:buAutoNum type="arabicPeriod"/>
             </a:pPr>
             <a:r>
-              <a:rPr lang="en-US" sz="2000" dirty="0">
+              <a:rPr lang="en-US" sz="2000">
                 <a:latin typeface="Arial" panose="020B0604020202020204" pitchFamily="34" charset="0"/>
                 <a:cs typeface="Arial" panose="020B0604020202020204" pitchFamily="34" charset="0"/>
               </a:rPr>
@@ -27493,6 +27117,53 @@
           </a:p>
         </p:txBody>
       </p:sp>
+      <p:pic>
+        <p:nvPicPr>
+          <p:cNvPr id="1026" name="Picture 2" descr="dextrose hanging on stainless steel IV stand">
+            <a:extLst>
+              <a:ext uri="{FF2B5EF4-FFF2-40B4-BE49-F238E27FC236}">
+                <a16:creationId xmlns:a16="http://schemas.microsoft.com/office/drawing/2014/main" id="{3389C012-52E4-B7B6-9691-6339231B2F10}"/>
+              </a:ext>
+            </a:extLst>
+          </p:cNvPr>
+          <p:cNvPicPr>
+            <a:picLocks noChangeAspect="1" noChangeArrowheads="1"/>
+          </p:cNvPicPr>
+          <p:nvPr/>
+        </p:nvPicPr>
+        <p:blipFill>
+          <a:blip r:embed="rId2">
+            <a:extLst>
+              <a:ext uri="{28A0092B-C50C-407E-A947-70E740481C1C}">
+                <a14:useLocalDpi xmlns:a14="http://schemas.microsoft.com/office/drawing/2010/main" val="0"/>
+              </a:ext>
+            </a:extLst>
+          </a:blip>
+          <a:srcRect/>
+          <a:stretch>
+            <a:fillRect/>
+          </a:stretch>
+        </p:blipFill>
+        <p:spPr bwMode="auto">
+          <a:xfrm>
+            <a:off x="1046602" y="2085079"/>
+            <a:ext cx="4029896" cy="2687841"/>
+          </a:xfrm>
+          <a:prstGeom prst="rect">
+            <a:avLst/>
+          </a:prstGeom>
+          <a:noFill/>
+          <a:extLst>
+            <a:ext uri="{909E8E84-426E-40DD-AFC4-6F175D3DCCD1}">
+              <a14:hiddenFill xmlns:a14="http://schemas.microsoft.com/office/drawing/2010/main">
+                <a:solidFill>
+                  <a:srgbClr val="FFFFFF"/>
+                </a:solidFill>
+              </a14:hiddenFill>
+            </a:ext>
+          </a:extLst>
+        </p:spPr>
+      </p:pic>
     </p:spTree>
     <p:extLst>
       <p:ext uri="{BB962C8B-B14F-4D97-AF65-F5344CB8AC3E}">
@@ -27756,36 +27427,6 @@
           </a:p>
         </p:txBody>
       </p:sp>
-      <p:pic>
-        <p:nvPicPr>
-          <p:cNvPr id="4" name="Picture 3">
-            <a:extLst>
-              <a:ext uri="{FF2B5EF4-FFF2-40B4-BE49-F238E27FC236}">
-                <a16:creationId xmlns:a16="http://schemas.microsoft.com/office/drawing/2014/main" id="{DDB6B6CA-45BB-3708-5A1C-CD4ABC62C71B}"/>
-              </a:ext>
-            </a:extLst>
-          </p:cNvPr>
-          <p:cNvPicPr>
-            <a:picLocks noChangeAspect="1"/>
-          </p:cNvPicPr>
-          <p:nvPr/>
-        </p:nvPicPr>
-        <p:blipFill>
-          <a:blip r:embed="rId3"/>
-          <a:stretch>
-            <a:fillRect/>
-          </a:stretch>
-        </p:blipFill>
-        <p:spPr>
-          <a:xfrm>
-            <a:off x="10469563" y="5950382"/>
-            <a:ext cx="1693861" cy="879042"/>
-          </a:xfrm>
-          <a:prstGeom prst="rect">
-            <a:avLst/>
-          </a:prstGeom>
-        </p:spPr>
-      </p:pic>
       <p:sp>
         <p:nvSpPr>
           <p:cNvPr id="15" name="Rectangle 14">
@@ -28090,7 +27731,7 @@
           <p:nvPr/>
         </p:nvPicPr>
         <p:blipFill>
-          <a:blip r:embed="rId4">
+          <a:blip r:embed="rId3">
             <a:extLst>
               <a:ext uri="{28A0092B-C50C-407E-A947-70E740481C1C}">
                 <a14:useLocalDpi xmlns:a14="http://schemas.microsoft.com/office/drawing/2010/main" val="0"/>
@@ -28137,7 +27778,7 @@
           <p:nvPr/>
         </p:nvPicPr>
         <p:blipFill>
-          <a:blip r:embed="rId5">
+          <a:blip r:embed="rId4">
             <a:extLst>
               <a:ext uri="{28A0092B-C50C-407E-A947-70E740481C1C}">
                 <a14:useLocalDpi xmlns:a14="http://schemas.microsoft.com/office/drawing/2010/main" val="0"/>
@@ -28184,7 +27825,7 @@
           <p:nvPr/>
         </p:nvPicPr>
         <p:blipFill>
-          <a:blip r:embed="rId6"/>
+          <a:blip r:embed="rId5"/>
           <a:stretch>
             <a:fillRect/>
           </a:stretch>
@@ -28253,7 +27894,7 @@
           <p:nvPr/>
         </p:nvPicPr>
         <p:blipFill>
-          <a:blip r:embed="rId7"/>
+          <a:blip r:embed="rId6"/>
           <a:stretch>
             <a:fillRect/>
           </a:stretch>
@@ -28393,7 +28034,7 @@
             <p:nvPr/>
           </p:nvPicPr>
           <p:blipFill>
-            <a:blip r:embed="rId8"/>
+            <a:blip r:embed="rId7"/>
             <a:stretch>
               <a:fillRect/>
             </a:stretch>
@@ -28423,7 +28064,7 @@
             <p:nvPr/>
           </p:nvPicPr>
           <p:blipFill>
-            <a:blip r:embed="rId5">
+            <a:blip r:embed="rId4">
               <a:extLst>
                 <a:ext uri="{28A0092B-C50C-407E-A947-70E740481C1C}">
                   <a14:useLocalDpi xmlns:a14="http://schemas.microsoft.com/office/drawing/2010/main" val="0"/>
@@ -28470,7 +28111,7 @@
             <p:nvPr/>
           </p:nvPicPr>
           <p:blipFill>
-            <a:blip r:embed="rId9">
+            <a:blip r:embed="rId8">
               <a:extLst>
                 <a:ext uri="{28A0092B-C50C-407E-A947-70E740481C1C}">
                   <a14:useLocalDpi xmlns:a14="http://schemas.microsoft.com/office/drawing/2010/main" val="0"/>
@@ -29032,36 +28673,6 @@
           </a:p>
         </p:txBody>
       </p:sp>
-      <p:pic>
-        <p:nvPicPr>
-          <p:cNvPr id="4" name="Picture 3">
-            <a:extLst>
-              <a:ext uri="{FF2B5EF4-FFF2-40B4-BE49-F238E27FC236}">
-                <a16:creationId xmlns:a16="http://schemas.microsoft.com/office/drawing/2014/main" id="{DDB6B6CA-45BB-3708-5A1C-CD4ABC62C71B}"/>
-              </a:ext>
-            </a:extLst>
-          </p:cNvPr>
-          <p:cNvPicPr>
-            <a:picLocks noChangeAspect="1"/>
-          </p:cNvPicPr>
-          <p:nvPr/>
-        </p:nvPicPr>
-        <p:blipFill>
-          <a:blip r:embed="rId2"/>
-          <a:stretch>
-            <a:fillRect/>
-          </a:stretch>
-        </p:blipFill>
-        <p:spPr>
-          <a:xfrm>
-            <a:off x="10469563" y="5950382"/>
-            <a:ext cx="1693861" cy="879042"/>
-          </a:xfrm>
-          <a:prstGeom prst="rect">
-            <a:avLst/>
-          </a:prstGeom>
-        </p:spPr>
-      </p:pic>
       <p:sp>
         <p:nvSpPr>
           <p:cNvPr id="8" name="Rectangle 7">
@@ -29213,7 +28824,7 @@
           <p:nvPr/>
         </p:nvPicPr>
         <p:blipFill>
-          <a:blip r:embed="rId3"/>
+          <a:blip r:embed="rId2"/>
           <a:stretch>
             <a:fillRect/>
           </a:stretch>
@@ -29243,7 +28854,7 @@
           <p:nvPr/>
         </p:nvPicPr>
         <p:blipFill>
-          <a:blip r:embed="rId4">
+          <a:blip r:embed="rId3">
             <a:extLst>
               <a:ext uri="{28A0092B-C50C-407E-A947-70E740481C1C}">
                 <a14:useLocalDpi xmlns:a14="http://schemas.microsoft.com/office/drawing/2010/main" val="0"/>
@@ -29290,7 +28901,7 @@
           <p:nvPr/>
         </p:nvPicPr>
         <p:blipFill>
-          <a:blip r:embed="rId5">
+          <a:blip r:embed="rId4">
             <a:extLst>
               <a:ext uri="{28A0092B-C50C-407E-A947-70E740481C1C}">
                 <a14:useLocalDpi xmlns:a14="http://schemas.microsoft.com/office/drawing/2010/main" val="0"/>
@@ -29337,7 +28948,7 @@
           <p:nvPr/>
         </p:nvPicPr>
         <p:blipFill>
-          <a:blip r:embed="rId6"/>
+          <a:blip r:embed="rId5"/>
           <a:stretch>
             <a:fillRect/>
           </a:stretch>
@@ -29477,7 +29088,7 @@
             <p:nvPr/>
           </p:nvPicPr>
           <p:blipFill>
-            <a:blip r:embed="rId7">
+            <a:blip r:embed="rId6">
               <a:extLst>
                 <a:ext uri="{28A0092B-C50C-407E-A947-70E740481C1C}">
                   <a14:useLocalDpi xmlns:a14="http://schemas.microsoft.com/office/drawing/2010/main" val="0"/>
@@ -29524,7 +29135,7 @@
             <p:nvPr/>
           </p:nvPicPr>
           <p:blipFill>
-            <a:blip r:embed="rId8">
+            <a:blip r:embed="rId7">
               <a:extLst>
                 <a:ext uri="{28A0092B-C50C-407E-A947-70E740481C1C}">
                   <a14:useLocalDpi xmlns:a14="http://schemas.microsoft.com/office/drawing/2010/main" val="0"/>
@@ -29571,7 +29182,7 @@
             <p:nvPr/>
           </p:nvPicPr>
           <p:blipFill>
-            <a:blip r:embed="rId9"/>
+            <a:blip r:embed="rId8"/>
             <a:stretch>
               <a:fillRect/>
             </a:stretch>
@@ -30157,36 +29768,6 @@
       </p:sp>
       <p:pic>
         <p:nvPicPr>
-          <p:cNvPr id="4" name="Picture 3">
-            <a:extLst>
-              <a:ext uri="{FF2B5EF4-FFF2-40B4-BE49-F238E27FC236}">
-                <a16:creationId xmlns:a16="http://schemas.microsoft.com/office/drawing/2014/main" id="{DDB6B6CA-45BB-3708-5A1C-CD4ABC62C71B}"/>
-              </a:ext>
-            </a:extLst>
-          </p:cNvPr>
-          <p:cNvPicPr>
-            <a:picLocks noChangeAspect="1"/>
-          </p:cNvPicPr>
-          <p:nvPr/>
-        </p:nvPicPr>
-        <p:blipFill>
-          <a:blip r:embed="rId3"/>
-          <a:stretch>
-            <a:fillRect/>
-          </a:stretch>
-        </p:blipFill>
-        <p:spPr>
-          <a:xfrm>
-            <a:off x="10469563" y="5950382"/>
-            <a:ext cx="1693861" cy="879042"/>
-          </a:xfrm>
-          <a:prstGeom prst="rect">
-            <a:avLst/>
-          </a:prstGeom>
-        </p:spPr>
-      </p:pic>
-      <p:pic>
-        <p:nvPicPr>
           <p:cNvPr id="30722" name="Picture 2">
             <a:extLst>
               <a:ext uri="{FF2B5EF4-FFF2-40B4-BE49-F238E27FC236}">
@@ -30200,7 +29781,7 @@
           <p:nvPr/>
         </p:nvPicPr>
         <p:blipFill>
-          <a:blip r:embed="rId4">
+          <a:blip r:embed="rId3">
             <a:extLst>
               <a:ext uri="{28A0092B-C50C-407E-A947-70E740481C1C}">
                 <a14:useLocalDpi xmlns:a14="http://schemas.microsoft.com/office/drawing/2010/main" val="0"/>
@@ -30247,7 +29828,7 @@
           <p:nvPr/>
         </p:nvPicPr>
         <p:blipFill>
-          <a:blip r:embed="rId5">
+          <a:blip r:embed="rId4">
             <a:extLst>
               <a:ext uri="{28A0092B-C50C-407E-A947-70E740481C1C}">
                 <a14:useLocalDpi xmlns:a14="http://schemas.microsoft.com/office/drawing/2010/main" val="0"/>
@@ -30296,7 +29877,7 @@
           </p:nvPr>
         </p:nvPicPr>
         <p:blipFill>
-          <a:blip r:embed="rId6">
+          <a:blip r:embed="rId5">
             <a:extLst>
               <a:ext uri="{28A0092B-C50C-407E-A947-70E740481C1C}">
                 <a14:useLocalDpi xmlns:a14="http://schemas.microsoft.com/office/drawing/2010/main" val="0"/>
@@ -31066,36 +30647,6 @@
           </a:p>
         </p:txBody>
       </p:sp>
-      <p:pic>
-        <p:nvPicPr>
-          <p:cNvPr id="4" name="Picture 3">
-            <a:extLst>
-              <a:ext uri="{FF2B5EF4-FFF2-40B4-BE49-F238E27FC236}">
-                <a16:creationId xmlns:a16="http://schemas.microsoft.com/office/drawing/2014/main" id="{DDB6B6CA-45BB-3708-5A1C-CD4ABC62C71B}"/>
-              </a:ext>
-            </a:extLst>
-          </p:cNvPr>
-          <p:cNvPicPr>
-            <a:picLocks noChangeAspect="1"/>
-          </p:cNvPicPr>
-          <p:nvPr/>
-        </p:nvPicPr>
-        <p:blipFill>
-          <a:blip r:embed="rId2"/>
-          <a:stretch>
-            <a:fillRect/>
-          </a:stretch>
-        </p:blipFill>
-        <p:spPr>
-          <a:xfrm>
-            <a:off x="10469563" y="5950382"/>
-            <a:ext cx="1693861" cy="879042"/>
-          </a:xfrm>
-          <a:prstGeom prst="rect">
-            <a:avLst/>
-          </a:prstGeom>
-        </p:spPr>
-      </p:pic>
       <p:sp>
         <p:nvSpPr>
           <p:cNvPr id="3" name="Content Placeholder 2">
@@ -31202,35 +30753,7 @@
                 <a:latin typeface="Arial" panose="020B0604020202020204" pitchFamily="34" charset="0"/>
                 <a:cs typeface="Arial" panose="020B0604020202020204" pitchFamily="34" charset="0"/>
               </a:rPr>
-              <a:t>Note to Director </a:t>
-            </a:r>
-            <a:r>
-              <a:rPr lang="en-US" sz="1800" b="1" dirty="0" err="1">
-                <a:latin typeface="Arial" panose="020B0604020202020204" pitchFamily="34" charset="0"/>
-                <a:cs typeface="Arial" panose="020B0604020202020204" pitchFamily="34" charset="0"/>
-              </a:rPr>
-              <a:t>Jurian</a:t>
-            </a:r>
-            <a:r>
-              <a:rPr lang="en-US" sz="1800" b="1" dirty="0">
-                <a:latin typeface="Arial" panose="020B0604020202020204" pitchFamily="34" charset="0"/>
-                <a:cs typeface="Arial" panose="020B0604020202020204" pitchFamily="34" charset="0"/>
-              </a:rPr>
-              <a:t> </a:t>
-            </a:r>
-            <a:r>
-              <a:rPr lang="en-US" sz="1800" b="1" dirty="0" err="1">
-                <a:latin typeface="Arial" panose="020B0604020202020204" pitchFamily="34" charset="0"/>
-                <a:cs typeface="Arial" panose="020B0604020202020204" pitchFamily="34" charset="0"/>
-              </a:rPr>
-              <a:t>Kuyvenhoven</a:t>
-            </a:r>
-            <a:r>
-              <a:rPr lang="en-US" sz="1800" b="1" dirty="0">
-                <a:latin typeface="Arial" panose="020B0604020202020204" pitchFamily="34" charset="0"/>
-                <a:cs typeface="Arial" panose="020B0604020202020204" pitchFamily="34" charset="0"/>
-              </a:rPr>
-              <a:t>: </a:t>
+              <a:t>Note to Stakeholder: </a:t>
             </a:r>
             <a:r>
               <a:rPr lang="en-US" sz="1800" dirty="0">
@@ -31948,36 +31471,6 @@
           </a:p>
         </p:txBody>
       </p:sp>
-      <p:pic>
-        <p:nvPicPr>
-          <p:cNvPr id="4" name="Picture 3">
-            <a:extLst>
-              <a:ext uri="{FF2B5EF4-FFF2-40B4-BE49-F238E27FC236}">
-                <a16:creationId xmlns:a16="http://schemas.microsoft.com/office/drawing/2014/main" id="{DDB6B6CA-45BB-3708-5A1C-CD4ABC62C71B}"/>
-              </a:ext>
-            </a:extLst>
-          </p:cNvPr>
-          <p:cNvPicPr>
-            <a:picLocks noChangeAspect="1"/>
-          </p:cNvPicPr>
-          <p:nvPr/>
-        </p:nvPicPr>
-        <p:blipFill>
-          <a:blip r:embed="rId2"/>
-          <a:stretch>
-            <a:fillRect/>
-          </a:stretch>
-        </p:blipFill>
-        <p:spPr>
-          <a:xfrm>
-            <a:off x="10469563" y="5950382"/>
-            <a:ext cx="1693861" cy="879042"/>
-          </a:xfrm>
-          <a:prstGeom prst="rect">
-            <a:avLst/>
-          </a:prstGeom>
-        </p:spPr>
-      </p:pic>
     </p:spTree>
     <p:extLst>
       <p:ext uri="{BB962C8B-B14F-4D97-AF65-F5344CB8AC3E}">
@@ -32507,36 +32000,6 @@
           </a:p>
         </p:txBody>
       </p:sp>
-      <p:pic>
-        <p:nvPicPr>
-          <p:cNvPr id="4" name="Picture 3">
-            <a:extLst>
-              <a:ext uri="{FF2B5EF4-FFF2-40B4-BE49-F238E27FC236}">
-                <a16:creationId xmlns:a16="http://schemas.microsoft.com/office/drawing/2014/main" id="{DDB6B6CA-45BB-3708-5A1C-CD4ABC62C71B}"/>
-              </a:ext>
-            </a:extLst>
-          </p:cNvPr>
-          <p:cNvPicPr>
-            <a:picLocks noChangeAspect="1"/>
-          </p:cNvPicPr>
-          <p:nvPr/>
-        </p:nvPicPr>
-        <p:blipFill>
-          <a:blip r:embed="rId2"/>
-          <a:stretch>
-            <a:fillRect/>
-          </a:stretch>
-        </p:blipFill>
-        <p:spPr>
-          <a:xfrm>
-            <a:off x="10469563" y="5950382"/>
-            <a:ext cx="1693861" cy="879042"/>
-          </a:xfrm>
-          <a:prstGeom prst="rect">
-            <a:avLst/>
-          </a:prstGeom>
-        </p:spPr>
-      </p:pic>
       <p:sp>
         <p:nvSpPr>
           <p:cNvPr id="5" name="Content Placeholder 2">
@@ -32867,7 +32330,7 @@
           <p:nvPr/>
         </p:nvPicPr>
         <p:blipFill>
-          <a:blip r:embed="rId3">
+          <a:blip r:embed="rId2">
             <a:extLst>
               <a:ext uri="{28A0092B-C50C-407E-A947-70E740481C1C}">
                 <a14:useLocalDpi xmlns:a14="http://schemas.microsoft.com/office/drawing/2010/main" val="0"/>
@@ -33540,36 +33003,6 @@
           </a:p>
         </p:txBody>
       </p:sp>
-      <p:pic>
-        <p:nvPicPr>
-          <p:cNvPr id="4" name="Picture 3">
-            <a:extLst>
-              <a:ext uri="{FF2B5EF4-FFF2-40B4-BE49-F238E27FC236}">
-                <a16:creationId xmlns:a16="http://schemas.microsoft.com/office/drawing/2014/main" id="{DDB6B6CA-45BB-3708-5A1C-CD4ABC62C71B}"/>
-              </a:ext>
-            </a:extLst>
-          </p:cNvPr>
-          <p:cNvPicPr>
-            <a:picLocks noChangeAspect="1"/>
-          </p:cNvPicPr>
-          <p:nvPr/>
-        </p:nvPicPr>
-        <p:blipFill>
-          <a:blip r:embed="rId2"/>
-          <a:stretch>
-            <a:fillRect/>
-          </a:stretch>
-        </p:blipFill>
-        <p:spPr>
-          <a:xfrm>
-            <a:off x="10469563" y="5950382"/>
-            <a:ext cx="1693861" cy="879042"/>
-          </a:xfrm>
-          <a:prstGeom prst="rect">
-            <a:avLst/>
-          </a:prstGeom>
-        </p:spPr>
-      </p:pic>
     </p:spTree>
     <p:extLst>
       <p:ext uri="{BB962C8B-B14F-4D97-AF65-F5344CB8AC3E}">
@@ -34170,36 +33603,6 @@
           </a:p>
         </p:txBody>
       </p:sp>
-      <p:pic>
-        <p:nvPicPr>
-          <p:cNvPr id="4" name="Picture 3">
-            <a:extLst>
-              <a:ext uri="{FF2B5EF4-FFF2-40B4-BE49-F238E27FC236}">
-                <a16:creationId xmlns:a16="http://schemas.microsoft.com/office/drawing/2014/main" id="{DDB6B6CA-45BB-3708-5A1C-CD4ABC62C71B}"/>
-              </a:ext>
-            </a:extLst>
-          </p:cNvPr>
-          <p:cNvPicPr>
-            <a:picLocks noChangeAspect="1"/>
-          </p:cNvPicPr>
-          <p:nvPr/>
-        </p:nvPicPr>
-        <p:blipFill>
-          <a:blip r:embed="rId2"/>
-          <a:stretch>
-            <a:fillRect/>
-          </a:stretch>
-        </p:blipFill>
-        <p:spPr>
-          <a:xfrm>
-            <a:off x="10469563" y="5950382"/>
-            <a:ext cx="1693861" cy="879042"/>
-          </a:xfrm>
-          <a:prstGeom prst="rect">
-            <a:avLst/>
-          </a:prstGeom>
-        </p:spPr>
-      </p:pic>
     </p:spTree>
     <p:extLst>
       <p:ext uri="{BB962C8B-B14F-4D97-AF65-F5344CB8AC3E}">
@@ -34841,10 +34244,10 @@
       </p:sp>
       <p:pic>
         <p:nvPicPr>
-          <p:cNvPr id="4" name="Picture 3">
+          <p:cNvPr id="10" name="Picture 9">
             <a:extLst>
               <a:ext uri="{FF2B5EF4-FFF2-40B4-BE49-F238E27FC236}">
-                <a16:creationId xmlns:a16="http://schemas.microsoft.com/office/drawing/2014/main" id="{DDB6B6CA-45BB-3708-5A1C-CD4ABC62C71B}"/>
+                <a16:creationId xmlns:a16="http://schemas.microsoft.com/office/drawing/2014/main" id="{2D890FE2-1987-F480-0E15-7BFB135AF77B}"/>
               </a:ext>
             </a:extLst>
           </p:cNvPr>
@@ -34855,36 +34258,6 @@
         </p:nvPicPr>
         <p:blipFill>
           <a:blip r:embed="rId2"/>
-          <a:stretch>
-            <a:fillRect/>
-          </a:stretch>
-        </p:blipFill>
-        <p:spPr>
-          <a:xfrm>
-            <a:off x="10469563" y="5950382"/>
-            <a:ext cx="1693861" cy="879042"/>
-          </a:xfrm>
-          <a:prstGeom prst="rect">
-            <a:avLst/>
-          </a:prstGeom>
-        </p:spPr>
-      </p:pic>
-      <p:pic>
-        <p:nvPicPr>
-          <p:cNvPr id="10" name="Picture 9">
-            <a:extLst>
-              <a:ext uri="{FF2B5EF4-FFF2-40B4-BE49-F238E27FC236}">
-                <a16:creationId xmlns:a16="http://schemas.microsoft.com/office/drawing/2014/main" id="{2D890FE2-1987-F480-0E15-7BFB135AF77B}"/>
-              </a:ext>
-            </a:extLst>
-          </p:cNvPr>
-          <p:cNvPicPr>
-            <a:picLocks noChangeAspect="1"/>
-          </p:cNvPicPr>
-          <p:nvPr/>
-        </p:nvPicPr>
-        <p:blipFill>
-          <a:blip r:embed="rId3"/>
           <a:stretch>
             <a:fillRect/>
           </a:stretch>
@@ -34914,7 +34287,7 @@
           <p:nvPr/>
         </p:nvPicPr>
         <p:blipFill>
-          <a:blip r:embed="rId4"/>
+          <a:blip r:embed="rId3"/>
           <a:stretch>
             <a:fillRect/>
           </a:stretch>
@@ -34944,7 +34317,7 @@
           <p:nvPr/>
         </p:nvPicPr>
         <p:blipFill>
-          <a:blip r:embed="rId5"/>
+          <a:blip r:embed="rId4"/>
           <a:stretch>
             <a:fillRect/>
           </a:stretch>
@@ -35596,10 +34969,10 @@
       </p:sp>
       <p:pic>
         <p:nvPicPr>
-          <p:cNvPr id="4" name="Picture 3">
+          <p:cNvPr id="6" name="Picture 5">
             <a:extLst>
               <a:ext uri="{FF2B5EF4-FFF2-40B4-BE49-F238E27FC236}">
-                <a16:creationId xmlns:a16="http://schemas.microsoft.com/office/drawing/2014/main" id="{DDB6B6CA-45BB-3708-5A1C-CD4ABC62C71B}"/>
+                <a16:creationId xmlns:a16="http://schemas.microsoft.com/office/drawing/2014/main" id="{684570EF-A9F0-C29B-1E82-F73C67FB4D5A}"/>
               </a:ext>
             </a:extLst>
           </p:cNvPr>
@@ -35610,36 +34983,6 @@
         </p:nvPicPr>
         <p:blipFill>
           <a:blip r:embed="rId2"/>
-          <a:stretch>
-            <a:fillRect/>
-          </a:stretch>
-        </p:blipFill>
-        <p:spPr>
-          <a:xfrm>
-            <a:off x="10469563" y="5950382"/>
-            <a:ext cx="1693861" cy="879042"/>
-          </a:xfrm>
-          <a:prstGeom prst="rect">
-            <a:avLst/>
-          </a:prstGeom>
-        </p:spPr>
-      </p:pic>
-      <p:pic>
-        <p:nvPicPr>
-          <p:cNvPr id="6" name="Picture 5">
-            <a:extLst>
-              <a:ext uri="{FF2B5EF4-FFF2-40B4-BE49-F238E27FC236}">
-                <a16:creationId xmlns:a16="http://schemas.microsoft.com/office/drawing/2014/main" id="{684570EF-A9F0-C29B-1E82-F73C67FB4D5A}"/>
-              </a:ext>
-            </a:extLst>
-          </p:cNvPr>
-          <p:cNvPicPr>
-            <a:picLocks noChangeAspect="1"/>
-          </p:cNvPicPr>
-          <p:nvPr/>
-        </p:nvPicPr>
-        <p:blipFill>
-          <a:blip r:embed="rId3"/>
           <a:stretch>
             <a:fillRect/>
           </a:stretch>
@@ -35949,7 +35292,7 @@
           <p:nvPr/>
         </p:nvPicPr>
         <p:blipFill>
-          <a:blip r:embed="rId4"/>
+          <a:blip r:embed="rId3"/>
           <a:stretch>
             <a:fillRect/>
           </a:stretch>
@@ -35979,7 +35322,7 @@
           <p:nvPr/>
         </p:nvPicPr>
         <p:blipFill>
-          <a:blip r:embed="rId5"/>
+          <a:blip r:embed="rId4"/>
           <a:stretch>
             <a:fillRect/>
           </a:stretch>
@@ -36009,7 +35352,7 @@
           <p:nvPr/>
         </p:nvPicPr>
         <p:blipFill>
-          <a:blip r:embed="rId6"/>
+          <a:blip r:embed="rId5"/>
           <a:stretch>
             <a:fillRect/>
           </a:stretch>
@@ -36220,14 +35563,7 @@
                 <a:latin typeface="Arial" panose="020B0604020202020204" pitchFamily="34" charset="0"/>
                 <a:cs typeface="Arial" panose="020B0604020202020204" pitchFamily="34" charset="0"/>
               </a:rPr>
-              <a:t>: Digital Transformation Managing Partner – </a:t>
-            </a:r>
-            <a:r>
-              <a:rPr lang="en-US" sz="1700" u="sng" dirty="0">
-                <a:latin typeface="Arial" panose="020B0604020202020204" pitchFamily="34" charset="0"/>
-                <a:cs typeface="Arial" panose="020B0604020202020204" pitchFamily="34" charset="0"/>
-              </a:rPr>
-              <a:t>Simon</a:t>
+              <a:t>: Digital Transformation Managing Partner </a:t>
             </a:r>
           </a:p>
           <a:p>
@@ -36246,33 +35582,8 @@
                 <a:latin typeface="Arial" panose="020B0604020202020204" pitchFamily="34" charset="0"/>
                 <a:cs typeface="Arial" panose="020B0604020202020204" pitchFamily="34" charset="0"/>
               </a:rPr>
-              <a:t>: Director of VU University Medical Center – </a:t>
+              <a:t>: Director of VU University Medical Center</a:t>
             </a:r>
-            <a:r>
-              <a:rPr lang="en-US" sz="1700" u="sng" dirty="0" err="1">
-                <a:latin typeface="Arial" panose="020B0604020202020204" pitchFamily="34" charset="0"/>
-                <a:cs typeface="Arial" panose="020B0604020202020204" pitchFamily="34" charset="0"/>
-              </a:rPr>
-              <a:t>Jurian</a:t>
-            </a:r>
-            <a:r>
-              <a:rPr lang="en-US" sz="1700" u="sng" dirty="0">
-                <a:latin typeface="Arial" panose="020B0604020202020204" pitchFamily="34" charset="0"/>
-                <a:cs typeface="Arial" panose="020B0604020202020204" pitchFamily="34" charset="0"/>
-              </a:rPr>
-              <a:t> </a:t>
-            </a:r>
-            <a:r>
-              <a:rPr lang="en-US" sz="1700" u="sng" dirty="0" err="1">
-                <a:latin typeface="Arial" panose="020B0604020202020204" pitchFamily="34" charset="0"/>
-                <a:cs typeface="Arial" panose="020B0604020202020204" pitchFamily="34" charset="0"/>
-              </a:rPr>
-              <a:t>Kuyvenhoven</a:t>
-            </a:r>
-            <a:endParaRPr lang="en-US" sz="1700" u="sng" dirty="0">
-              <a:latin typeface="Arial" panose="020B0604020202020204" pitchFamily="34" charset="0"/>
-              <a:cs typeface="Arial" panose="020B0604020202020204" pitchFamily="34" charset="0"/>
-            </a:endParaRPr>
           </a:p>
           <a:p>
             <a:pPr marL="0" indent="0">
@@ -36611,36 +35922,6 @@
           </a:p>
         </p:txBody>
       </p:sp>
-      <p:pic>
-        <p:nvPicPr>
-          <p:cNvPr id="4" name="Picture 3">
-            <a:extLst>
-              <a:ext uri="{FF2B5EF4-FFF2-40B4-BE49-F238E27FC236}">
-                <a16:creationId xmlns:a16="http://schemas.microsoft.com/office/drawing/2014/main" id="{DDB6B6CA-45BB-3708-5A1C-CD4ABC62C71B}"/>
-              </a:ext>
-            </a:extLst>
-          </p:cNvPr>
-          <p:cNvPicPr>
-            <a:picLocks noChangeAspect="1"/>
-          </p:cNvPicPr>
-          <p:nvPr/>
-        </p:nvPicPr>
-        <p:blipFill>
-          <a:blip r:embed="rId3"/>
-          <a:stretch>
-            <a:fillRect/>
-          </a:stretch>
-        </p:blipFill>
-        <p:spPr>
-          <a:xfrm>
-            <a:off x="10498137" y="5452900"/>
-            <a:ext cx="1693861" cy="879042"/>
-          </a:xfrm>
-          <a:prstGeom prst="rect">
-            <a:avLst/>
-          </a:prstGeom>
-        </p:spPr>
-      </p:pic>
     </p:spTree>
     <p:extLst>
       <p:ext uri="{BB962C8B-B14F-4D97-AF65-F5344CB8AC3E}">
@@ -37098,36 +36379,6 @@
       </p:sp>
       <p:pic>
         <p:nvPicPr>
-          <p:cNvPr id="4" name="Picture 3">
-            <a:extLst>
-              <a:ext uri="{FF2B5EF4-FFF2-40B4-BE49-F238E27FC236}">
-                <a16:creationId xmlns:a16="http://schemas.microsoft.com/office/drawing/2014/main" id="{DDB6B6CA-45BB-3708-5A1C-CD4ABC62C71B}"/>
-              </a:ext>
-            </a:extLst>
-          </p:cNvPr>
-          <p:cNvPicPr>
-            <a:picLocks noChangeAspect="1"/>
-          </p:cNvPicPr>
-          <p:nvPr/>
-        </p:nvPicPr>
-        <p:blipFill>
-          <a:blip r:embed="rId3"/>
-          <a:stretch>
-            <a:fillRect/>
-          </a:stretch>
-        </p:blipFill>
-        <p:spPr>
-          <a:xfrm>
-            <a:off x="10469563" y="5950382"/>
-            <a:ext cx="1693861" cy="879042"/>
-          </a:xfrm>
-          <a:prstGeom prst="rect">
-            <a:avLst/>
-          </a:prstGeom>
-        </p:spPr>
-      </p:pic>
-      <p:pic>
-        <p:nvPicPr>
           <p:cNvPr id="38914" name="Picture 2" descr="Stroke Signs and Symptoms | cdc.gov">
             <a:extLst>
               <a:ext uri="{FF2B5EF4-FFF2-40B4-BE49-F238E27FC236}">
@@ -37141,7 +36392,7 @@
           <p:nvPr/>
         </p:nvPicPr>
         <p:blipFill>
-          <a:blip r:embed="rId4">
+          <a:blip r:embed="rId3">
             <a:extLst>
               <a:ext uri="{28A0092B-C50C-407E-A947-70E740481C1C}">
                 <a14:useLocalDpi xmlns:a14="http://schemas.microsoft.com/office/drawing/2010/main" val="0"/>
@@ -37188,7 +36439,7 @@
           <p:nvPr/>
         </p:nvPicPr>
         <p:blipFill>
-          <a:blip r:embed="rId5">
+          <a:blip r:embed="rId4">
             <a:extLst>
               <a:ext uri="{28A0092B-C50C-407E-A947-70E740481C1C}">
                 <a14:useLocalDpi xmlns:a14="http://schemas.microsoft.com/office/drawing/2010/main" val="0"/>
@@ -37430,36 +36681,6 @@
           </a:graphicData>
         </a:graphic>
       </p:graphicFrame>
-      <p:pic>
-        <p:nvPicPr>
-          <p:cNvPr id="4" name="Picture 3">
-            <a:extLst>
-              <a:ext uri="{FF2B5EF4-FFF2-40B4-BE49-F238E27FC236}">
-                <a16:creationId xmlns:a16="http://schemas.microsoft.com/office/drawing/2014/main" id="{DDB6B6CA-45BB-3708-5A1C-CD4ABC62C71B}"/>
-              </a:ext>
-            </a:extLst>
-          </p:cNvPr>
-          <p:cNvPicPr>
-            <a:picLocks noChangeAspect="1"/>
-          </p:cNvPicPr>
-          <p:nvPr/>
-        </p:nvPicPr>
-        <p:blipFill>
-          <a:blip r:embed="rId7"/>
-          <a:stretch>
-            <a:fillRect/>
-          </a:stretch>
-        </p:blipFill>
-        <p:spPr>
-          <a:xfrm>
-            <a:off x="10498137" y="5452900"/>
-            <a:ext cx="1693861" cy="879042"/>
-          </a:xfrm>
-          <a:prstGeom prst="rect">
-            <a:avLst/>
-          </a:prstGeom>
-        </p:spPr>
-      </p:pic>
       <p:sp>
         <p:nvSpPr>
           <p:cNvPr id="5" name="Title 4">
@@ -38255,36 +37476,6 @@
           </a:p>
         </p:txBody>
       </p:sp>
-      <p:pic>
-        <p:nvPicPr>
-          <p:cNvPr id="4" name="Picture 3">
-            <a:extLst>
-              <a:ext uri="{FF2B5EF4-FFF2-40B4-BE49-F238E27FC236}">
-                <a16:creationId xmlns:a16="http://schemas.microsoft.com/office/drawing/2014/main" id="{DDB6B6CA-45BB-3708-5A1C-CD4ABC62C71B}"/>
-              </a:ext>
-            </a:extLst>
-          </p:cNvPr>
-          <p:cNvPicPr>
-            <a:picLocks noChangeAspect="1"/>
-          </p:cNvPicPr>
-          <p:nvPr/>
-        </p:nvPicPr>
-        <p:blipFill>
-          <a:blip r:embed="rId2"/>
-          <a:stretch>
-            <a:fillRect/>
-          </a:stretch>
-        </p:blipFill>
-        <p:spPr>
-          <a:xfrm>
-            <a:off x="10469563" y="5950382"/>
-            <a:ext cx="1693861" cy="879042"/>
-          </a:xfrm>
-          <a:prstGeom prst="rect">
-            <a:avLst/>
-          </a:prstGeom>
-        </p:spPr>
-      </p:pic>
       <p:graphicFrame>
         <p:nvGraphicFramePr>
           <p:cNvPr id="6" name="Table 6">
@@ -39287,7 +38478,7 @@
           <p:nvPr/>
         </p:nvPicPr>
         <p:blipFill>
-          <a:blip r:embed="rId3"/>
+          <a:blip r:embed="rId2"/>
           <a:stretch>
             <a:fillRect/>
           </a:stretch>
@@ -40014,36 +39205,6 @@
           </a:p>
         </p:txBody>
       </p:sp>
-      <p:pic>
-        <p:nvPicPr>
-          <p:cNvPr id="4" name="Picture 3">
-            <a:extLst>
-              <a:ext uri="{FF2B5EF4-FFF2-40B4-BE49-F238E27FC236}">
-                <a16:creationId xmlns:a16="http://schemas.microsoft.com/office/drawing/2014/main" id="{DDB6B6CA-45BB-3708-5A1C-CD4ABC62C71B}"/>
-              </a:ext>
-            </a:extLst>
-          </p:cNvPr>
-          <p:cNvPicPr>
-            <a:picLocks noChangeAspect="1"/>
-          </p:cNvPicPr>
-          <p:nvPr/>
-        </p:nvPicPr>
-        <p:blipFill>
-          <a:blip r:embed="rId3"/>
-          <a:stretch>
-            <a:fillRect/>
-          </a:stretch>
-        </p:blipFill>
-        <p:spPr>
-          <a:xfrm>
-            <a:off x="10469563" y="5950382"/>
-            <a:ext cx="1693861" cy="879042"/>
-          </a:xfrm>
-          <a:prstGeom prst="rect">
-            <a:avLst/>
-          </a:prstGeom>
-        </p:spPr>
-      </p:pic>
       <p:sp>
         <p:nvSpPr>
           <p:cNvPr id="14" name="Content Placeholder 2">
@@ -40326,7 +39487,7 @@
           <p:nvPr/>
         </p:nvPicPr>
         <p:blipFill rotWithShape="1">
-          <a:blip r:embed="rId4"/>
+          <a:blip r:embed="rId3"/>
           <a:srcRect l="5545"/>
           <a:stretch/>
         </p:blipFill>
@@ -40355,7 +39516,7 @@
           <p:nvPr/>
         </p:nvPicPr>
         <p:blipFill rotWithShape="1">
-          <a:blip r:embed="rId5"/>
+          <a:blip r:embed="rId4"/>
           <a:srcRect l="2913"/>
           <a:stretch/>
         </p:blipFill>
@@ -40482,7 +39643,7 @@
           <p:nvPr/>
         </p:nvPicPr>
         <p:blipFill rotWithShape="1">
-          <a:blip r:embed="rId6"/>
+          <a:blip r:embed="rId5"/>
           <a:srcRect l="5733"/>
           <a:stretch/>
         </p:blipFill>
@@ -40598,36 +39759,6 @@
           </a:graphicData>
         </a:graphic>
       </p:graphicFrame>
-      <p:pic>
-        <p:nvPicPr>
-          <p:cNvPr id="4" name="Picture 3">
-            <a:extLst>
-              <a:ext uri="{FF2B5EF4-FFF2-40B4-BE49-F238E27FC236}">
-                <a16:creationId xmlns:a16="http://schemas.microsoft.com/office/drawing/2014/main" id="{DDB6B6CA-45BB-3708-5A1C-CD4ABC62C71B}"/>
-              </a:ext>
-            </a:extLst>
-          </p:cNvPr>
-          <p:cNvPicPr>
-            <a:picLocks noChangeAspect="1"/>
-          </p:cNvPicPr>
-          <p:nvPr/>
-        </p:nvPicPr>
-        <p:blipFill>
-          <a:blip r:embed="rId7"/>
-          <a:stretch>
-            <a:fillRect/>
-          </a:stretch>
-        </p:blipFill>
-        <p:spPr>
-          <a:xfrm>
-            <a:off x="10498137" y="5452900"/>
-            <a:ext cx="1693861" cy="879042"/>
-          </a:xfrm>
-          <a:prstGeom prst="rect">
-            <a:avLst/>
-          </a:prstGeom>
-        </p:spPr>
-      </p:pic>
       <p:sp>
         <p:nvSpPr>
           <p:cNvPr id="5" name="Title 4">
@@ -41565,36 +40696,6 @@
           </a:p>
         </p:txBody>
       </p:sp>
-      <p:pic>
-        <p:nvPicPr>
-          <p:cNvPr id="4" name="Picture 3">
-            <a:extLst>
-              <a:ext uri="{FF2B5EF4-FFF2-40B4-BE49-F238E27FC236}">
-                <a16:creationId xmlns:a16="http://schemas.microsoft.com/office/drawing/2014/main" id="{DDB6B6CA-45BB-3708-5A1C-CD4ABC62C71B}"/>
-              </a:ext>
-            </a:extLst>
-          </p:cNvPr>
-          <p:cNvPicPr>
-            <a:picLocks noChangeAspect="1"/>
-          </p:cNvPicPr>
-          <p:nvPr/>
-        </p:nvPicPr>
-        <p:blipFill>
-          <a:blip r:embed="rId2"/>
-          <a:stretch>
-            <a:fillRect/>
-          </a:stretch>
-        </p:blipFill>
-        <p:spPr>
-          <a:xfrm>
-            <a:off x="10469563" y="5950382"/>
-            <a:ext cx="1693861" cy="879042"/>
-          </a:xfrm>
-          <a:prstGeom prst="rect">
-            <a:avLst/>
-          </a:prstGeom>
-        </p:spPr>
-      </p:pic>
       <p:grpSp>
         <p:nvGrpSpPr>
           <p:cNvPr id="12" name="Group 11">
@@ -41630,7 +40731,7 @@
             <p:nvPr/>
           </p:nvPicPr>
           <p:blipFill>
-            <a:blip r:embed="rId3">
+            <a:blip r:embed="rId2">
               <a:extLst>
                 <a:ext uri="{28A0092B-C50C-407E-A947-70E740481C1C}">
                   <a14:useLocalDpi xmlns:a14="http://schemas.microsoft.com/office/drawing/2010/main" val="0"/>
@@ -41801,7 +40902,7 @@
             <p:nvPr/>
           </p:nvPicPr>
           <p:blipFill>
-            <a:blip r:embed="rId4">
+            <a:blip r:embed="rId3">
               <a:extLst>
                 <a:ext uri="{28A0092B-C50C-407E-A947-70E740481C1C}">
                   <a14:useLocalDpi xmlns:a14="http://schemas.microsoft.com/office/drawing/2010/main" val="0"/>
@@ -41848,7 +40949,7 @@
             <p:nvPr/>
           </p:nvPicPr>
           <p:blipFill>
-            <a:blip r:embed="rId5">
+            <a:blip r:embed="rId4">
               <a:extLst>
                 <a:ext uri="{28A0092B-C50C-407E-A947-70E740481C1C}">
                   <a14:useLocalDpi xmlns:a14="http://schemas.microsoft.com/office/drawing/2010/main" val="0"/>
